--- a/slides/Tag-3_1-GitOps_Light.pptx
+++ b/slides/Tag-3_1-GitOps_Light.pptx
@@ -12,9 +12,9 @@
     <p:handoutMasterId r:id="rId41"/>
   </p:handoutMasterIdLst>
   <p:sldIdLst>
-    <p:sldId id="288" r:id="rId3"/>
-    <p:sldId id="289" r:id="rId4"/>
-    <p:sldId id="291" r:id="rId5"/>
+    <p:sldId id="624" r:id="rId3"/>
+    <p:sldId id="606" r:id="rId4"/>
+    <p:sldId id="625" r:id="rId5"/>
     <p:sldId id="587" r:id="rId6"/>
     <p:sldId id="590" r:id="rId7"/>
     <p:sldId id="290" r:id="rId8"/>
@@ -1000,77 +1000,6 @@
           <a:bodyPr/>
           <a:lstStyle/>
           <a:p>
-            <a:r>
-              <a:rPr lang="de-DE" dirty="0"/>
-              <a:t>Quelle: https://opstree.com/blog/2020/02/18/why-gitops-is-so-exciting/</a:t>
-            </a:r>
-          </a:p>
-          <a:p>
-            <a:endParaRPr lang="de-DE" dirty="0"/>
-          </a:p>
-          <a:p>
-            <a:r>
-              <a:rPr lang="de-DE" dirty="0"/>
-              <a:t>Jo, was machen wir hier… Mit dem Zitat von </a:t>
-            </a:r>
-            <a:r>
-              <a:rPr lang="de-DE" dirty="0" err="1"/>
-              <a:t>GitLab</a:t>
-            </a:r>
-            <a:r>
-              <a:rPr lang="de-DE" dirty="0"/>
-              <a:t> tauschen? Also Zitat zuerst?</a:t>
-            </a:r>
-          </a:p>
-          <a:p>
-            <a:endParaRPr lang="de-DE" dirty="0"/>
-          </a:p>
-          <a:p>
-            <a:r>
-              <a:rPr lang="de-DE" dirty="0"/>
-              <a:t>Idee: Hier mal abfragen, was die Teilnehmer so kennen und wie das Ganze irgendwie zusammengehören könnte.</a:t>
-            </a:r>
-          </a:p>
-          <a:p>
-            <a:r>
-              <a:rPr lang="de-DE" dirty="0"/>
-              <a:t>Danach dann die Folie mit der „Definition“ zu </a:t>
-            </a:r>
-            <a:r>
-              <a:rPr lang="de-DE" dirty="0" err="1"/>
-              <a:t>GitOps</a:t>
-            </a:r>
-            <a:r>
-              <a:rPr lang="de-DE" dirty="0"/>
-              <a:t> von </a:t>
-            </a:r>
-            <a:r>
-              <a:rPr lang="de-DE" dirty="0" err="1"/>
-              <a:t>GitLab</a:t>
-            </a:r>
-            <a:r>
-              <a:rPr lang="de-DE" dirty="0"/>
-              <a:t> selbst.</a:t>
-            </a:r>
-          </a:p>
-          <a:p>
-            <a:endParaRPr lang="de-DE" dirty="0"/>
-          </a:p>
-          <a:p>
-            <a:r>
-              <a:rPr lang="de-DE" dirty="0" err="1"/>
-              <a:t>Kubernetes</a:t>
-            </a:r>
-            <a:r>
-              <a:rPr lang="de-DE" dirty="0"/>
-              <a:t> und Docker bräuchten auch eigentlich je einen eigenen Punkt…? Naja, könnte man auch zu Beginn erstmal so „stehen lassen“ und später dann damit aufklären </a:t>
-            </a:r>
-            <a:r>
-              <a:rPr lang="de-DE" dirty="0">
-                <a:sym typeface="Wingdings" panose="05000000000000000000" pitchFamily="2" charset="2"/>
-              </a:rPr>
-              <a:t></a:t>
-            </a:r>
             <a:endParaRPr lang="de-DE" dirty="0"/>
           </a:p>
         </p:txBody>
@@ -1093,7 +1022,7 @@
             <a:fld id="{18182567-388C-4D33-8B7B-A651F195F118}" type="slidenum">
               <a:rPr lang="de-DE" altLang="de-DE" smtClean="0"/>
               <a:pPr/>
-              <a:t>5</a:t>
+              <a:t>1</a:t>
             </a:fld>
             <a:endParaRPr lang="de-DE" altLang="de-DE"/>
           </a:p>
@@ -1102,7 +1031,7 @@
     </p:spTree>
     <p:extLst>
       <p:ext uri="{BB962C8B-B14F-4D97-AF65-F5344CB8AC3E}">
-        <p14:creationId xmlns:p14="http://schemas.microsoft.com/office/powerpoint/2010/main" val="214546350"/>
+        <p14:creationId xmlns:p14="http://schemas.microsoft.com/office/powerpoint/2010/main" val="983849172"/>
       </p:ext>
     </p:extLst>
   </p:cSld>
@@ -1157,30 +1086,19 @@
           <a:lstStyle/>
           <a:p>
             <a:r>
+              <a:rPr lang="de-DE" dirty="0"/>
+              <a:t>Quelle: </a:t>
+            </a:r>
+          </a:p>
+          <a:p>
+            <a:pPr marL="171450" indent="-171450">
+              <a:buFont typeface="Arial" panose="020B0604020202020204" pitchFamily="34" charset="0"/>
+              <a:buChar char="•"/>
+            </a:pPr>
+            <a:r>
               <a:rPr lang="de-DE" dirty="0" err="1"/>
-              <a:t>Ggf</a:t>
-            </a:r>
-            <a:r>
-              <a:rPr lang="de-DE" dirty="0"/>
-              <a:t> Quelle tauschen? </a:t>
-            </a:r>
-          </a:p>
-          <a:p>
-            <a:r>
-              <a:rPr lang="de-DE" dirty="0"/>
-              <a:t>https://services.google.com/fh/files/misc/state-of-devops-2021.pdf</a:t>
-            </a:r>
-          </a:p>
-          <a:p>
-            <a:endParaRPr lang="de-DE" dirty="0"/>
-          </a:p>
-          <a:p>
-            <a:r>
-              <a:rPr lang="de-DE" dirty="0"/>
-              <a:t>https://services.google.com/fh/files/misc/2023_final_report_sodr.pdf</a:t>
-            </a:r>
-          </a:p>
-          <a:p>
+              <a:t>gitlab-ebook</a:t>
+            </a:r>
             <a:endParaRPr lang="de-DE" dirty="0"/>
           </a:p>
         </p:txBody>
@@ -1203,7 +1121,7 @@
             <a:fld id="{18182567-388C-4D33-8B7B-A651F195F118}" type="slidenum">
               <a:rPr lang="de-DE" altLang="de-DE" smtClean="0"/>
               <a:pPr/>
-              <a:t>15</a:t>
+              <a:t>14</a:t>
             </a:fld>
             <a:endParaRPr lang="de-DE" altLang="de-DE"/>
           </a:p>
@@ -1212,7 +1130,7 @@
     </p:spTree>
     <p:extLst>
       <p:ext uri="{BB962C8B-B14F-4D97-AF65-F5344CB8AC3E}">
-        <p14:creationId xmlns:p14="http://schemas.microsoft.com/office/powerpoint/2010/main" val="4231016066"/>
+        <p14:creationId xmlns:p14="http://schemas.microsoft.com/office/powerpoint/2010/main" val="696351830"/>
       </p:ext>
     </p:extLst>
   </p:cSld>
@@ -1267,35 +1185,30 @@
           <a:lstStyle/>
           <a:p>
             <a:r>
-              <a:rPr lang="de-DE" b="0" i="0" dirty="0">
-                <a:solidFill>
-                  <a:srgbClr val="202124"/>
-                </a:solidFill>
-                <a:effectLst/>
-                <a:latin typeface="Google Sans"/>
-              </a:rPr>
-              <a:t>Ein Audit Trail </a:t>
-            </a:r>
-            <a:r>
-              <a:rPr lang="de-DE" b="0" i="0" dirty="0">
-                <a:solidFill>
-                  <a:srgbClr val="040C28"/>
-                </a:solidFill>
-                <a:effectLst/>
-                <a:latin typeface="Google Sans"/>
-              </a:rPr>
-              <a:t>bezeichnet die korrekte Durchführung von Prozessen und die Einhaltung aller dafür definierten Schritte</a:t>
-            </a:r>
-            <a:r>
-              <a:rPr lang="de-DE" b="0" i="0" dirty="0">
-                <a:solidFill>
-                  <a:srgbClr val="202124"/>
-                </a:solidFill>
-                <a:effectLst/>
-                <a:latin typeface="Google Sans"/>
-              </a:rPr>
-              <a:t>. Dabei hinterlässt jede Abfolge einer Handlung oder eines Ereignisses eine Spur. Durch den Audit kann dieser Trail zurückverfolgt, protokolliert und archiviert werden.</a:t>
-            </a:r>
+              <a:rPr lang="de-DE" dirty="0" err="1"/>
+              <a:t>Ggf</a:t>
+            </a:r>
+            <a:r>
+              <a:rPr lang="de-DE" dirty="0"/>
+              <a:t> Quelle tauschen? </a:t>
+            </a:r>
+          </a:p>
+          <a:p>
+            <a:r>
+              <a:rPr lang="de-DE" dirty="0"/>
+              <a:t>https://services.google.com/fh/files/misc/state-of-devops-2021.pdf</a:t>
+            </a:r>
+          </a:p>
+          <a:p>
+            <a:endParaRPr lang="de-DE" dirty="0"/>
+          </a:p>
+          <a:p>
+            <a:r>
+              <a:rPr lang="de-DE" dirty="0"/>
+              <a:t>https://services.google.com/fh/files/misc/2023_final_report_sodr.pdf</a:t>
+            </a:r>
+          </a:p>
+          <a:p>
             <a:endParaRPr lang="de-DE" dirty="0"/>
           </a:p>
         </p:txBody>
@@ -1318,7 +1231,7 @@
             <a:fld id="{18182567-388C-4D33-8B7B-A651F195F118}" type="slidenum">
               <a:rPr lang="de-DE" altLang="de-DE" smtClean="0"/>
               <a:pPr/>
-              <a:t>16</a:t>
+              <a:t>15</a:t>
             </a:fld>
             <a:endParaRPr lang="de-DE" altLang="de-DE"/>
           </a:p>
@@ -1327,7 +1240,7 @@
     </p:spTree>
     <p:extLst>
       <p:ext uri="{BB962C8B-B14F-4D97-AF65-F5344CB8AC3E}">
-        <p14:creationId xmlns:p14="http://schemas.microsoft.com/office/powerpoint/2010/main" val="695410515"/>
+        <p14:creationId xmlns:p14="http://schemas.microsoft.com/office/powerpoint/2010/main" val="4231016066"/>
       </p:ext>
     </p:extLst>
   </p:cSld>
@@ -1381,6 +1294,36 @@
           <a:bodyPr/>
           <a:lstStyle/>
           <a:p>
+            <a:r>
+              <a:rPr lang="de-DE" b="0" i="0" dirty="0">
+                <a:solidFill>
+                  <a:srgbClr val="202124"/>
+                </a:solidFill>
+                <a:effectLst/>
+                <a:latin typeface="Google Sans"/>
+              </a:rPr>
+              <a:t>Ein Audit Trail </a:t>
+            </a:r>
+            <a:r>
+              <a:rPr lang="de-DE" b="0" i="0" dirty="0">
+                <a:solidFill>
+                  <a:srgbClr val="040C28"/>
+                </a:solidFill>
+                <a:effectLst/>
+                <a:latin typeface="Google Sans"/>
+              </a:rPr>
+              <a:t>bezeichnet die korrekte Durchführung von Prozessen und die Einhaltung aller dafür definierten Schritte</a:t>
+            </a:r>
+            <a:r>
+              <a:rPr lang="de-DE" b="0" i="0" dirty="0">
+                <a:solidFill>
+                  <a:srgbClr val="202124"/>
+                </a:solidFill>
+                <a:effectLst/>
+                <a:latin typeface="Google Sans"/>
+              </a:rPr>
+              <a:t>. Dabei hinterlässt jede Abfolge einer Handlung oder eines Ereignisses eine Spur. Durch den Audit kann dieser Trail zurückverfolgt, protokolliert und archiviert werden.</a:t>
+            </a:r>
             <a:endParaRPr lang="de-DE" dirty="0"/>
           </a:p>
         </p:txBody>
@@ -1403,7 +1346,7 @@
             <a:fld id="{18182567-388C-4D33-8B7B-A651F195F118}" type="slidenum">
               <a:rPr lang="de-DE" altLang="de-DE" smtClean="0"/>
               <a:pPr/>
-              <a:t>17</a:t>
+              <a:t>16</a:t>
             </a:fld>
             <a:endParaRPr lang="de-DE" altLang="de-DE"/>
           </a:p>
@@ -1412,7 +1355,7 @@
     </p:spTree>
     <p:extLst>
       <p:ext uri="{BB962C8B-B14F-4D97-AF65-F5344CB8AC3E}">
-        <p14:creationId xmlns:p14="http://schemas.microsoft.com/office/powerpoint/2010/main" val="1754135948"/>
+        <p14:creationId xmlns:p14="http://schemas.microsoft.com/office/powerpoint/2010/main" val="695410515"/>
       </p:ext>
     </p:extLst>
   </p:cSld>
@@ -1466,89 +1409,6 @@
           <a:bodyPr/>
           <a:lstStyle/>
           <a:p>
-            <a:pPr marL="0" marR="0" lvl="0" indent="0" algn="l" defTabSz="762000" rtl="0" eaLnBrk="0" fontAlgn="base" latinLnBrk="0" hangingPunct="0">
-              <a:lnSpc>
-                <a:spcPct val="100000"/>
-              </a:lnSpc>
-              <a:spcBef>
-                <a:spcPct val="30000"/>
-              </a:spcBef>
-              <a:spcAft>
-                <a:spcPct val="0"/>
-              </a:spcAft>
-              <a:buClrTx/>
-              <a:buSzTx/>
-              <a:buFontTx/>
-              <a:buNone/>
-              <a:tabLst/>
-              <a:defRPr/>
-            </a:pPr>
-            <a:r>
-              <a:rPr lang="de-DE" sz="1200" dirty="0" err="1"/>
-              <a:t>GitOps</a:t>
-            </a:r>
-            <a:r>
-              <a:rPr lang="de-DE" sz="1200" dirty="0"/>
-              <a:t>-Operator sitzt zwischen der </a:t>
-            </a:r>
-            <a:r>
-              <a:rPr lang="de-DE" sz="1200" dirty="0" err="1"/>
-              <a:t>GitOps</a:t>
-            </a:r>
-            <a:r>
-              <a:rPr lang="de-DE" sz="1200" dirty="0"/>
-              <a:t>-Pipeline und der Orchestrierung (</a:t>
-            </a:r>
-            <a:r>
-              <a:rPr lang="de-DE" sz="1200" dirty="0" err="1"/>
-              <a:t>Kubernetes</a:t>
-            </a:r>
-            <a:r>
-              <a:rPr lang="de-DE" sz="1200" dirty="0"/>
-              <a:t>), </a:t>
-            </a:r>
-          </a:p>
-          <a:p>
-            <a:pPr marL="0" marR="0" lvl="0" indent="0" algn="l" defTabSz="762000" rtl="0" eaLnBrk="0" fontAlgn="base" latinLnBrk="0" hangingPunct="0">
-              <a:lnSpc>
-                <a:spcPct val="100000"/>
-              </a:lnSpc>
-              <a:spcBef>
-                <a:spcPct val="30000"/>
-              </a:spcBef>
-              <a:spcAft>
-                <a:spcPct val="0"/>
-              </a:spcAft>
-              <a:buClrTx/>
-              <a:buSzTx/>
-              <a:buFontTx/>
-              <a:buNone/>
-              <a:tabLst/>
-              <a:defRPr/>
-            </a:pPr>
-            <a:r>
-              <a:rPr lang="de-DE" sz="1200" dirty="0" err="1"/>
-              <a:t>picked</a:t>
-            </a:r>
-            <a:r>
-              <a:rPr lang="de-DE" sz="1200" dirty="0"/>
-              <a:t> den Commit und </a:t>
-            </a:r>
-            <a:r>
-              <a:rPr lang="de-DE" sz="1200" dirty="0" err="1"/>
-              <a:t>pulled</a:t>
-            </a:r>
-            <a:r>
-              <a:rPr lang="de-DE" sz="1200" dirty="0"/>
-              <a:t> den neuen deklarativen Zustand aus </a:t>
-            </a:r>
-            <a:r>
-              <a:rPr lang="de-DE" sz="1200" dirty="0" err="1"/>
-              <a:t>git</a:t>
-            </a:r>
-            <a:endParaRPr lang="de-DE" sz="1200" dirty="0"/>
-          </a:p>
-          <a:p>
             <a:endParaRPr lang="de-DE" dirty="0"/>
           </a:p>
         </p:txBody>
@@ -1571,7 +1431,7 @@
             <a:fld id="{18182567-388C-4D33-8B7B-A651F195F118}" type="slidenum">
               <a:rPr lang="de-DE" altLang="de-DE" smtClean="0"/>
               <a:pPr/>
-              <a:t>18</a:t>
+              <a:t>17</a:t>
             </a:fld>
             <a:endParaRPr lang="de-DE" altLang="de-DE"/>
           </a:p>
@@ -1580,7 +1440,7 @@
     </p:spTree>
     <p:extLst>
       <p:ext uri="{BB962C8B-B14F-4D97-AF65-F5344CB8AC3E}">
-        <p14:creationId xmlns:p14="http://schemas.microsoft.com/office/powerpoint/2010/main" val="874248312"/>
+        <p14:creationId xmlns:p14="http://schemas.microsoft.com/office/powerpoint/2010/main" val="1754135948"/>
       </p:ext>
     </p:extLst>
   </p:cSld>
@@ -1634,92 +1494,90 @@
           <a:bodyPr/>
           <a:lstStyle/>
           <a:p>
-            <a:r>
-              <a:rPr lang="de-DE" dirty="0"/>
-              <a:t>Skalierbarkeit</a:t>
-            </a:r>
-          </a:p>
-          <a:p>
-            <a:pPr marL="171450" indent="-171450">
-              <a:buFont typeface="Arial" panose="020B0604020202020204" pitchFamily="34" charset="0"/>
-              <a:buChar char="•"/>
-            </a:pPr>
+            <a:pPr marL="0" marR="0" lvl="0" indent="0" algn="l" defTabSz="762000" rtl="0" eaLnBrk="0" fontAlgn="base" latinLnBrk="0" hangingPunct="0">
+              <a:lnSpc>
+                <a:spcPct val="100000"/>
+              </a:lnSpc>
+              <a:spcBef>
+                <a:spcPct val="30000"/>
+              </a:spcBef>
+              <a:spcAft>
+                <a:spcPct val="0"/>
+              </a:spcAft>
+              <a:buClrTx/>
+              <a:buSzTx/>
+              <a:buFontTx/>
+              <a:buNone/>
+              <a:tabLst/>
+              <a:defRPr/>
+            </a:pPr>
+            <a:r>
+              <a:rPr lang="de-DE" sz="1200" dirty="0" err="1"/>
+              <a:t>GitOps</a:t>
+            </a:r>
+            <a:r>
+              <a:rPr lang="de-DE" sz="1200" dirty="0"/>
+              <a:t>-Operator sitzt zwischen der </a:t>
+            </a:r>
+            <a:r>
+              <a:rPr lang="de-DE" sz="1200" dirty="0" err="1"/>
+              <a:t>GitOps</a:t>
+            </a:r>
+            <a:r>
+              <a:rPr lang="de-DE" sz="1200" dirty="0"/>
+              <a:t>-Pipeline und der Orchestrierung (</a:t>
+            </a:r>
+            <a:r>
+              <a:rPr lang="de-DE" sz="1200" dirty="0" err="1"/>
+              <a:t>Kubernetes</a:t>
+            </a:r>
+            <a:r>
+              <a:rPr lang="de-DE" sz="1200" dirty="0"/>
+              <a:t>), </a:t>
+            </a:r>
+          </a:p>
+          <a:p>
+            <a:pPr marL="0" marR="0" lvl="0" indent="0" algn="l" defTabSz="762000" rtl="0" eaLnBrk="0" fontAlgn="base" latinLnBrk="0" hangingPunct="0">
+              <a:lnSpc>
+                <a:spcPct val="100000"/>
+              </a:lnSpc>
+              <a:spcBef>
+                <a:spcPct val="30000"/>
+              </a:spcBef>
+              <a:spcAft>
+                <a:spcPct val="0"/>
+              </a:spcAft>
+              <a:buClrTx/>
+              <a:buSzTx/>
+              <a:buFontTx/>
+              <a:buNone/>
+              <a:tabLst/>
+              <a:defRPr/>
+            </a:pPr>
+            <a:r>
+              <a:rPr lang="de-DE" sz="1200" dirty="0" err="1"/>
+              <a:t>picked</a:t>
+            </a:r>
+            <a:r>
+              <a:rPr lang="de-DE" sz="1200" dirty="0"/>
+              <a:t> den Commit und </a:t>
+            </a:r>
+            <a:r>
+              <a:rPr lang="de-DE" sz="1200" dirty="0" err="1"/>
+              <a:t>pulled</a:t>
+            </a:r>
+            <a:r>
+              <a:rPr lang="de-DE" sz="1200" dirty="0"/>
+              <a:t> den neuen deklarativen Zustand aus </a:t>
+            </a:r>
+            <a:r>
+              <a:rPr lang="de-DE" sz="1200" dirty="0" err="1"/>
+              <a:t>git</a:t>
+            </a:r>
+            <a:endParaRPr lang="de-DE" sz="1200" dirty="0"/>
+          </a:p>
+          <a:p>
             <a:endParaRPr lang="de-DE" dirty="0"/>
-          </a:p>
-          <a:p>
-            <a:pPr marL="171450" indent="-171450">
-              <a:buFont typeface="Arial" panose="020B0604020202020204" pitchFamily="34" charset="0"/>
-              <a:buChar char="•"/>
-            </a:pPr>
-            <a:endParaRPr lang="de-DE" dirty="0"/>
-          </a:p>
-          <a:p>
-            <a:pPr marL="0" indent="0">
-              <a:buFont typeface="Arial" panose="020B0604020202020204" pitchFamily="34" charset="0"/>
-              <a:buNone/>
-            </a:pPr>
-            <a:r>
-              <a:rPr lang="de-DE" dirty="0"/>
-              <a:t>Self-</a:t>
-            </a:r>
-            <a:r>
-              <a:rPr lang="de-DE" dirty="0" err="1"/>
-              <a:t>healing</a:t>
-            </a:r>
-            <a:endParaRPr lang="de-DE" dirty="0"/>
-          </a:p>
-          <a:p>
-            <a:pPr marL="171450" indent="-171450">
-              <a:buFont typeface="Arial" panose="020B0604020202020204" pitchFamily="34" charset="0"/>
-              <a:buChar char="•"/>
-            </a:pPr>
-            <a:r>
-              <a:rPr lang="de-DE" dirty="0" err="1"/>
-              <a:t>Kontinuerliche</a:t>
-            </a:r>
-            <a:r>
-              <a:rPr lang="de-DE" dirty="0"/>
-              <a:t> Abgleichen des </a:t>
-            </a:r>
-            <a:r>
-              <a:rPr lang="de-DE" dirty="0" err="1"/>
-              <a:t>GitOps</a:t>
-            </a:r>
-            <a:r>
-              <a:rPr lang="de-DE" dirty="0"/>
-              <a:t>-Operator nicht nur gegen das </a:t>
-            </a:r>
-            <a:r>
-              <a:rPr lang="de-DE" dirty="0" err="1"/>
-              <a:t>git</a:t>
-            </a:r>
-            <a:r>
-              <a:rPr lang="de-DE" dirty="0"/>
-              <a:t> </a:t>
-            </a:r>
-            <a:r>
-              <a:rPr lang="de-DE" dirty="0" err="1"/>
-              <a:t>repo</a:t>
-            </a:r>
-            <a:r>
-              <a:rPr lang="de-DE" dirty="0"/>
-              <a:t>, sondern auch gegen den API-Server von </a:t>
-            </a:r>
-            <a:r>
-              <a:rPr lang="de-DE" dirty="0" err="1"/>
-              <a:t>Kubernetes</a:t>
-            </a:r>
-            <a:endParaRPr lang="de-DE" dirty="0"/>
-          </a:p>
-          <a:p>
-            <a:pPr marL="171450" indent="-171450">
-              <a:buFont typeface="Arial" panose="020B0604020202020204" pitchFamily="34" charset="0"/>
-              <a:buChar char="•"/>
-            </a:pPr>
-            <a:r>
-              <a:rPr lang="de-DE" dirty="0"/>
-              <a:t>Auch da würde der Operator eingreifen</a:t>
-            </a:r>
           </a:p>
         </p:txBody>
       </p:sp>
@@ -1741,7 +1599,7 @@
             <a:fld id="{18182567-388C-4D33-8B7B-A651F195F118}" type="slidenum">
               <a:rPr lang="de-DE" altLang="de-DE" smtClean="0"/>
               <a:pPr/>
-              <a:t>19</a:t>
+              <a:t>18</a:t>
             </a:fld>
             <a:endParaRPr lang="de-DE" altLang="de-DE"/>
           </a:p>
@@ -1750,7 +1608,7 @@
     </p:spTree>
     <p:extLst>
       <p:ext uri="{BB962C8B-B14F-4D97-AF65-F5344CB8AC3E}">
-        <p14:creationId xmlns:p14="http://schemas.microsoft.com/office/powerpoint/2010/main" val="681576940"/>
+        <p14:creationId xmlns:p14="http://schemas.microsoft.com/office/powerpoint/2010/main" val="874248312"/>
       </p:ext>
     </p:extLst>
   </p:cSld>
@@ -1804,586 +1662,92 @@
           <a:bodyPr/>
           <a:lstStyle/>
           <a:p>
-            <a:pPr algn="l" fontAlgn="base"/>
-            <a:r>
-              <a:rPr lang="de-DE" b="0" i="0" dirty="0">
-                <a:solidFill>
-                  <a:srgbClr val="484848"/>
-                </a:solidFill>
-                <a:effectLst/>
-                <a:latin typeface="MuseoSansRounded-700"/>
-              </a:rPr>
-              <a:t>Erhöhte Produktivität</a:t>
-            </a:r>
-          </a:p>
-          <a:p>
-            <a:pPr algn="l" fontAlgn="base"/>
-            <a:r>
-              <a:rPr lang="de-DE" b="0" i="0" dirty="0">
-                <a:solidFill>
-                  <a:srgbClr val="3C3C3B"/>
-                </a:solidFill>
-                <a:effectLst/>
-                <a:latin typeface="MuseoSansRounded-300"/>
-              </a:rPr>
-              <a:t>Durch die Automatisierung von </a:t>
-            </a:r>
-            <a:r>
-              <a:rPr lang="de-DE" b="0" i="0" dirty="0" err="1">
-                <a:solidFill>
-                  <a:srgbClr val="3C3C3B"/>
-                </a:solidFill>
-                <a:effectLst/>
-                <a:latin typeface="MuseoSansRounded-300"/>
-              </a:rPr>
-              <a:t>Deployment</a:t>
-            </a:r>
-            <a:r>
-              <a:rPr lang="de-DE" b="0" i="0" dirty="0">
-                <a:solidFill>
-                  <a:srgbClr val="3C3C3B"/>
-                </a:solidFill>
-                <a:effectLst/>
-                <a:latin typeface="MuseoSansRounded-300"/>
-              </a:rPr>
-              <a:t>-Prozessen, sowohl in der Entwicklung als auch im Betrieb von Anwendungen, wird die Produktivität der Organisation erhöht. </a:t>
-            </a:r>
-            <a:r>
-              <a:rPr lang="de-DE" b="0" i="0" dirty="0" err="1">
-                <a:solidFill>
-                  <a:srgbClr val="3C3C3B"/>
-                </a:solidFill>
-                <a:effectLst/>
-                <a:latin typeface="MuseoSansRounded-300"/>
-              </a:rPr>
-              <a:t>GitOps</a:t>
-            </a:r>
-            <a:r>
-              <a:rPr lang="de-DE" b="0" i="0" dirty="0">
-                <a:solidFill>
-                  <a:srgbClr val="3C3C3B"/>
-                </a:solidFill>
-                <a:effectLst/>
-                <a:latin typeface="MuseoSansRounded-300"/>
-              </a:rPr>
-              <a:t> ist dabei besonders effektiv und vereint die Vorteile einer Vielzahl an Tools:</a:t>
-            </a:r>
-          </a:p>
-          <a:p>
-            <a:pPr algn="l" fontAlgn="base"/>
-            <a:endParaRPr lang="de-DE" b="0" i="0" dirty="0">
-              <a:solidFill>
-                <a:srgbClr val="3C3C3B"/>
-              </a:solidFill>
-              <a:effectLst/>
-              <a:latin typeface="MuseoSansRounded-300"/>
-            </a:endParaRPr>
-          </a:p>
-          <a:p>
-            <a:pPr marL="171450" indent="-171450" algn="l" fontAlgn="base">
+            <a:r>
+              <a:rPr lang="de-DE" dirty="0"/>
+              <a:t>Skalierbarkeit</a:t>
+            </a:r>
+          </a:p>
+          <a:p>
+            <a:pPr marL="171450" indent="-171450">
               <a:buFont typeface="Arial" panose="020B0604020202020204" pitchFamily="34" charset="0"/>
               <a:buChar char="•"/>
             </a:pPr>
-            <a:r>
-              <a:rPr lang="de-DE" b="0" i="0" u="sng" dirty="0">
-                <a:solidFill>
-                  <a:srgbClr val="3C3C3B"/>
-                </a:solidFill>
-                <a:effectLst/>
-                <a:latin typeface="MuseoSansRounded-700"/>
-              </a:rPr>
-              <a:t>Schnelle Veröffentlichung von Änderungen</a:t>
-            </a:r>
-            <a:r>
-              <a:rPr lang="de-DE" b="0" i="0" dirty="0">
-                <a:solidFill>
-                  <a:srgbClr val="3C3C3B"/>
-                </a:solidFill>
-                <a:effectLst/>
-                <a:latin typeface="MuseoSansRounded-700"/>
-              </a:rPr>
-              <a:t>:</a:t>
-            </a:r>
-            <a:r>
-              <a:rPr lang="de-DE" b="0" i="0" dirty="0">
-                <a:solidFill>
-                  <a:srgbClr val="3C3C3B"/>
-                </a:solidFill>
-                <a:effectLst/>
-                <a:latin typeface="MuseoSansRounded-300"/>
-              </a:rPr>
-              <a:t> Durch die Nutzung von </a:t>
-            </a:r>
-            <a:r>
-              <a:rPr lang="de-DE" b="0" i="0" dirty="0" err="1">
-                <a:solidFill>
-                  <a:srgbClr val="3C3C3B"/>
-                </a:solidFill>
-                <a:effectLst/>
-                <a:latin typeface="MuseoSansRounded-300"/>
-              </a:rPr>
-              <a:t>Kubernetes</a:t>
-            </a:r>
-            <a:r>
-              <a:rPr lang="de-DE" b="0" i="0" dirty="0">
-                <a:solidFill>
-                  <a:srgbClr val="3C3C3B"/>
-                </a:solidFill>
-                <a:effectLst/>
-                <a:latin typeface="MuseoSansRounded-300"/>
-              </a:rPr>
-              <a:t> ist es möglich, </a:t>
-            </a:r>
-            <a:r>
-              <a:rPr lang="de-DE" b="0" i="0" dirty="0" err="1">
-                <a:solidFill>
-                  <a:srgbClr val="3C3C3B"/>
-                </a:solidFill>
-                <a:effectLst/>
-                <a:latin typeface="MuseoSansRounded-300"/>
-              </a:rPr>
-              <a:t>Deployments</a:t>
-            </a:r>
-            <a:r>
-              <a:rPr lang="de-DE" b="0" i="0" dirty="0">
-                <a:solidFill>
-                  <a:srgbClr val="3C3C3B"/>
-                </a:solidFill>
-                <a:effectLst/>
-                <a:latin typeface="MuseoSansRounded-300"/>
-              </a:rPr>
-              <a:t> von Anwendungen durchzuführen, ohne dass deren Verfügbarkeit unterbrochen wird (</a:t>
-            </a:r>
-            <a:r>
-              <a:rPr lang="de-DE" b="0" i="0" dirty="0" err="1">
-                <a:solidFill>
-                  <a:srgbClr val="3C3C3B"/>
-                </a:solidFill>
-                <a:effectLst/>
-                <a:latin typeface="MuseoSansRounded-300"/>
-              </a:rPr>
-              <a:t>No</a:t>
-            </a:r>
-            <a:r>
-              <a:rPr lang="de-DE" b="0" i="0" dirty="0">
-                <a:solidFill>
-                  <a:srgbClr val="3C3C3B"/>
-                </a:solidFill>
-                <a:effectLst/>
-                <a:latin typeface="MuseoSansRounded-300"/>
-              </a:rPr>
-              <a:t> Downtime </a:t>
-            </a:r>
-            <a:r>
-              <a:rPr lang="de-DE" b="0" i="0" dirty="0" err="1">
-                <a:solidFill>
-                  <a:srgbClr val="3C3C3B"/>
-                </a:solidFill>
-                <a:effectLst/>
-                <a:latin typeface="MuseoSansRounded-300"/>
-              </a:rPr>
-              <a:t>Deployments</a:t>
-            </a:r>
-            <a:r>
-              <a:rPr lang="de-DE" b="0" i="0" dirty="0">
-                <a:solidFill>
-                  <a:srgbClr val="3C3C3B"/>
-                </a:solidFill>
-                <a:effectLst/>
-                <a:latin typeface="MuseoSansRounded-300"/>
-              </a:rPr>
-              <a:t>). Im Zusammenspiel mit der Reconciliation Loop können so Code-Änderungen unverzüglich und mit minimalem manuellem Aufwand veröffentlicht werden.</a:t>
-            </a:r>
-          </a:p>
-          <a:p>
-            <a:pPr algn="l" fontAlgn="base">
+            <a:endParaRPr lang="de-DE" dirty="0"/>
+          </a:p>
+          <a:p>
+            <a:pPr marL="171450" indent="-171450">
               <a:buFont typeface="Arial" panose="020B0604020202020204" pitchFamily="34" charset="0"/>
               <a:buChar char="•"/>
             </a:pPr>
-            <a:endParaRPr lang="de-DE" b="0" i="0" dirty="0">
-              <a:solidFill>
-                <a:srgbClr val="3C3C3B"/>
-              </a:solidFill>
-              <a:effectLst/>
-              <a:latin typeface="MuseoSansRounded-300"/>
-            </a:endParaRPr>
-          </a:p>
-          <a:p>
-            <a:pPr marL="171450" indent="-171450" algn="l" fontAlgn="base">
+            <a:endParaRPr lang="de-DE" dirty="0"/>
+          </a:p>
+          <a:p>
+            <a:pPr marL="0" indent="0">
+              <a:buFont typeface="Arial" panose="020B0604020202020204" pitchFamily="34" charset="0"/>
+              <a:buNone/>
+            </a:pPr>
+            <a:r>
+              <a:rPr lang="de-DE" dirty="0"/>
+              <a:t>Self-</a:t>
+            </a:r>
+            <a:r>
+              <a:rPr lang="de-DE" dirty="0" err="1"/>
+              <a:t>healing</a:t>
+            </a:r>
+            <a:endParaRPr lang="de-DE" dirty="0"/>
+          </a:p>
+          <a:p>
+            <a:pPr marL="171450" indent="-171450">
               <a:buFont typeface="Arial" panose="020B0604020202020204" pitchFamily="34" charset="0"/>
               <a:buChar char="•"/>
             </a:pPr>
             <a:r>
-              <a:rPr lang="de-DE" b="0" i="0" u="sng" dirty="0">
-                <a:solidFill>
-                  <a:srgbClr val="3C3C3B"/>
-                </a:solidFill>
-                <a:effectLst/>
-                <a:latin typeface="MuseoSansRounded-700"/>
-              </a:rPr>
-              <a:t>Reproduzierbarkeit der Infrastruktur</a:t>
-            </a:r>
-            <a:r>
-              <a:rPr lang="de-DE" b="0" i="0" dirty="0">
-                <a:solidFill>
-                  <a:srgbClr val="3C3C3B"/>
-                </a:solidFill>
-                <a:effectLst/>
-                <a:latin typeface="MuseoSansRounded-700"/>
-              </a:rPr>
-              <a:t>:</a:t>
-            </a:r>
-            <a:r>
-              <a:rPr lang="de-DE" b="0" i="0" dirty="0">
-                <a:solidFill>
-                  <a:srgbClr val="3C3C3B"/>
-                </a:solidFill>
-                <a:effectLst/>
-                <a:latin typeface="MuseoSansRounded-300"/>
-              </a:rPr>
-              <a:t> In </a:t>
-            </a:r>
-            <a:r>
-              <a:rPr lang="de-DE" b="0" i="0" dirty="0" err="1">
-                <a:solidFill>
-                  <a:srgbClr val="3C3C3B"/>
-                </a:solidFill>
-                <a:effectLst/>
-                <a:latin typeface="MuseoSansRounded-300"/>
-              </a:rPr>
+              <a:rPr lang="de-DE" dirty="0" err="1"/>
+              <a:t>Kontinuerliche</a:t>
+            </a:r>
+            <a:r>
+              <a:rPr lang="de-DE" dirty="0"/>
+              <a:t> Abgleichen des </a:t>
+            </a:r>
+            <a:r>
+              <a:rPr lang="de-DE" dirty="0" err="1"/>
               <a:t>GitOps</a:t>
             </a:r>
             <a:r>
-              <a:rPr lang="de-DE" b="0" i="0" dirty="0">
-                <a:solidFill>
-                  <a:srgbClr val="3C3C3B"/>
-                </a:solidFill>
-                <a:effectLst/>
-                <a:latin typeface="MuseoSansRounded-300"/>
-              </a:rPr>
-              <a:t> wird die Infrastruktur nach dem Prinzip der Infrastructure </a:t>
-            </a:r>
-            <a:r>
-              <a:rPr lang="de-DE" b="0" i="0" dirty="0" err="1">
-                <a:solidFill>
-                  <a:srgbClr val="3C3C3B"/>
-                </a:solidFill>
-                <a:effectLst/>
-                <a:latin typeface="MuseoSansRounded-300"/>
-              </a:rPr>
-              <a:t>as</a:t>
-            </a:r>
-            <a:r>
-              <a:rPr lang="de-DE" b="0" i="0" dirty="0">
-                <a:solidFill>
-                  <a:srgbClr val="3C3C3B"/>
-                </a:solidFill>
-                <a:effectLst/>
-                <a:latin typeface="MuseoSansRounded-300"/>
-              </a:rPr>
-              <a:t> Code (</a:t>
-            </a:r>
-            <a:r>
-              <a:rPr lang="de-DE" b="0" i="0" dirty="0" err="1">
-                <a:solidFill>
-                  <a:srgbClr val="3C3C3B"/>
-                </a:solidFill>
-                <a:effectLst/>
-                <a:latin typeface="MuseoSansRounded-300"/>
-              </a:rPr>
-              <a:t>IaC</a:t>
-            </a:r>
-            <a:r>
-              <a:rPr lang="de-DE" b="0" i="0" dirty="0">
-                <a:solidFill>
-                  <a:srgbClr val="3C3C3B"/>
-                </a:solidFill>
-                <a:effectLst/>
-                <a:latin typeface="MuseoSansRounded-300"/>
-              </a:rPr>
-              <a:t>) deklariert. So bietet </a:t>
-            </a:r>
-            <a:r>
-              <a:rPr lang="de-DE" b="0" i="0" dirty="0" err="1">
-                <a:solidFill>
-                  <a:srgbClr val="3C3C3B"/>
-                </a:solidFill>
-                <a:effectLst/>
-                <a:latin typeface="MuseoSansRounded-300"/>
-              </a:rPr>
-              <a:t>GitOps</a:t>
-            </a:r>
-            <a:r>
-              <a:rPr lang="de-DE" b="0" i="0" dirty="0">
-                <a:solidFill>
-                  <a:srgbClr val="3C3C3B"/>
-                </a:solidFill>
-                <a:effectLst/>
-                <a:latin typeface="MuseoSansRounded-300"/>
-              </a:rPr>
-              <a:t> eine bessere Skalierbarkeit der Infrastruktur bei gleichzeitig sinkendem Verwaltungsaufwand. Dadurch wird der Betrieb kosteneffizienter als mit klassischen Prozessen.</a:t>
-            </a:r>
-          </a:p>
-          <a:p>
-            <a:pPr algn="l" fontAlgn="base">
+              <a:rPr lang="de-DE" dirty="0"/>
+              <a:t>-Operator nicht nur gegen das </a:t>
+            </a:r>
+            <a:r>
+              <a:rPr lang="de-DE" dirty="0" err="1"/>
+              <a:t>git</a:t>
+            </a:r>
+            <a:r>
+              <a:rPr lang="de-DE" dirty="0"/>
+              <a:t> </a:t>
+            </a:r>
+            <a:r>
+              <a:rPr lang="de-DE" dirty="0" err="1"/>
+              <a:t>repo</a:t>
+            </a:r>
+            <a:r>
+              <a:rPr lang="de-DE" dirty="0"/>
+              <a:t>, sondern auch gegen den API-Server von </a:t>
+            </a:r>
+            <a:r>
+              <a:rPr lang="de-DE" dirty="0" err="1"/>
+              <a:t>Kubernetes</a:t>
+            </a:r>
+            <a:endParaRPr lang="de-DE" dirty="0"/>
+          </a:p>
+          <a:p>
+            <a:pPr marL="171450" indent="-171450">
               <a:buFont typeface="Arial" panose="020B0604020202020204" pitchFamily="34" charset="0"/>
               <a:buChar char="•"/>
             </a:pPr>
-            <a:endParaRPr lang="de-DE" b="0" i="0" dirty="0">
-              <a:solidFill>
-                <a:srgbClr val="3C3C3B"/>
-              </a:solidFill>
-              <a:effectLst/>
-              <a:latin typeface="MuseoSansRounded-300"/>
-            </a:endParaRPr>
-          </a:p>
-          <a:p>
-            <a:pPr marL="171450" indent="-171450" algn="l" fontAlgn="base">
-              <a:buFont typeface="Arial" panose="020B0604020202020204" pitchFamily="34" charset="0"/>
-              <a:buChar char="•"/>
-            </a:pPr>
-            <a:r>
-              <a:rPr lang="de-DE" b="0" i="0" u="sng" dirty="0">
-                <a:solidFill>
-                  <a:srgbClr val="3C3C3B"/>
-                </a:solidFill>
-                <a:effectLst/>
-                <a:latin typeface="MuseoSansRounded-700"/>
-              </a:rPr>
-              <a:t>Schnellere Wiederherstellung nach Ausfall (Rollbacks):</a:t>
-            </a:r>
-            <a:r>
-              <a:rPr lang="de-DE" b="0" i="0" u="sng" dirty="0">
-                <a:solidFill>
-                  <a:srgbClr val="3C3C3B"/>
-                </a:solidFill>
-                <a:effectLst/>
-                <a:latin typeface="MuseoSansRounded-300"/>
-              </a:rPr>
-              <a:t> </a:t>
-            </a:r>
-            <a:r>
-              <a:rPr lang="de-DE" b="0" i="0" dirty="0">
-                <a:solidFill>
-                  <a:srgbClr val="3C3C3B"/>
-                </a:solidFill>
-                <a:effectLst/>
-                <a:latin typeface="MuseoSansRounded-300"/>
-              </a:rPr>
-              <a:t>Durch die Versionierung aller Änderungen, sowohl Code der Anwendung an sich als auch der Infrastruktur für den Betrieb in </a:t>
-            </a:r>
-            <a:r>
-              <a:rPr lang="de-DE" b="0" i="0" dirty="0" err="1">
-                <a:solidFill>
-                  <a:srgbClr val="3C3C3B"/>
-                </a:solidFill>
-                <a:effectLst/>
-                <a:latin typeface="MuseoSansRounded-300"/>
-              </a:rPr>
-              <a:t>Git</a:t>
-            </a:r>
-            <a:r>
-              <a:rPr lang="de-DE" b="0" i="0" dirty="0">
-                <a:solidFill>
-                  <a:srgbClr val="3C3C3B"/>
-                </a:solidFill>
-                <a:effectLst/>
-                <a:latin typeface="MuseoSansRounded-300"/>
-              </a:rPr>
-              <a:t>, ist es ein Leichtes, den Stand eines beliebigen </a:t>
-            </a:r>
-            <a:r>
-              <a:rPr lang="de-DE" b="0" i="0" dirty="0" err="1">
-                <a:solidFill>
-                  <a:srgbClr val="3C3C3B"/>
-                </a:solidFill>
-                <a:effectLst/>
-                <a:latin typeface="MuseoSansRounded-300"/>
-              </a:rPr>
-              <a:t>Commits</a:t>
-            </a:r>
-            <a:r>
-              <a:rPr lang="de-DE" b="0" i="0" dirty="0">
-                <a:solidFill>
-                  <a:srgbClr val="3C3C3B"/>
-                </a:solidFill>
-                <a:effectLst/>
-                <a:latin typeface="MuseoSansRounded-300"/>
-              </a:rPr>
-              <a:t> wiederherzustellen. Dadurch werden die Ausfallzeit und der Aufwand zur Wiederherstellung reduziert.</a:t>
-            </a:r>
-          </a:p>
-          <a:p>
-            <a:pPr algn="l" fontAlgn="base">
-              <a:buFont typeface="Arial" panose="020B0604020202020204" pitchFamily="34" charset="0"/>
-              <a:buChar char="•"/>
-            </a:pPr>
-            <a:endParaRPr lang="de-DE" b="0" i="0" dirty="0">
-              <a:solidFill>
-                <a:srgbClr val="3C3C3B"/>
-              </a:solidFill>
-              <a:effectLst/>
-              <a:latin typeface="MuseoSansRounded-300"/>
-            </a:endParaRPr>
-          </a:p>
-          <a:p>
-            <a:pPr marL="171450" indent="-171450" algn="l" fontAlgn="base">
-              <a:buFont typeface="Arial" panose="020B0604020202020204" pitchFamily="34" charset="0"/>
-              <a:buChar char="•"/>
-            </a:pPr>
-            <a:r>
-              <a:rPr lang="de-DE" b="0" i="0" u="sng" dirty="0">
-                <a:solidFill>
-                  <a:srgbClr val="3C3C3B"/>
-                </a:solidFill>
-                <a:effectLst/>
-                <a:latin typeface="MuseoSansRounded-700"/>
-              </a:rPr>
-              <a:t>Vereinfachte Berechtigungsstrukturen:</a:t>
-            </a:r>
-            <a:r>
-              <a:rPr lang="de-DE" b="0" i="0" u="sng" dirty="0">
-                <a:solidFill>
-                  <a:srgbClr val="3C3C3B"/>
-                </a:solidFill>
-                <a:effectLst/>
-                <a:latin typeface="MuseoSansRounded-300"/>
-              </a:rPr>
-              <a:t> </a:t>
-            </a:r>
-            <a:r>
-              <a:rPr lang="de-DE" b="0" i="0" dirty="0">
-                <a:solidFill>
-                  <a:srgbClr val="3C3C3B"/>
-                </a:solidFill>
-                <a:effectLst/>
-                <a:latin typeface="MuseoSansRounded-300"/>
-              </a:rPr>
-              <a:t>Mit </a:t>
-            </a:r>
-            <a:r>
-              <a:rPr lang="de-DE" b="0" i="0" dirty="0" err="1">
-                <a:solidFill>
-                  <a:srgbClr val="3C3C3B"/>
-                </a:solidFill>
-                <a:effectLst/>
-                <a:latin typeface="MuseoSansRounded-300"/>
-              </a:rPr>
-              <a:t>GitOps</a:t>
-            </a:r>
-            <a:r>
-              <a:rPr lang="de-DE" b="0" i="0" dirty="0">
-                <a:solidFill>
-                  <a:srgbClr val="3C3C3B"/>
-                </a:solidFill>
-                <a:effectLst/>
-                <a:latin typeface="MuseoSansRounded-300"/>
-              </a:rPr>
-              <a:t> werden Änderungen durch den </a:t>
-            </a:r>
-            <a:r>
-              <a:rPr lang="de-DE" b="0" i="0" dirty="0" err="1">
-                <a:solidFill>
-                  <a:srgbClr val="3C3C3B"/>
-                </a:solidFill>
-                <a:effectLst/>
-                <a:latin typeface="MuseoSansRounded-300"/>
-              </a:rPr>
-              <a:t>GitOps</a:t>
-            </a:r>
-            <a:r>
-              <a:rPr lang="de-DE" b="0" i="0" dirty="0">
-                <a:solidFill>
-                  <a:srgbClr val="3C3C3B"/>
-                </a:solidFill>
-                <a:effectLst/>
-                <a:latin typeface="MuseoSansRounded-300"/>
-              </a:rPr>
-              <a:t>-Operator nach dem Pull-Prinzip in den Cluster hineingezogen und nicht durch den CI-Server nach dem Push-Prinzip auf den Server geschoben. Dadurch entfallen für viele Unternehmen zeitaufwändige Freischaltungen, wenn zum Beispiel CI-Server und </a:t>
-            </a:r>
-            <a:r>
-              <a:rPr lang="de-DE" b="0" i="0" dirty="0" err="1">
-                <a:solidFill>
-                  <a:srgbClr val="3C3C3B"/>
-                </a:solidFill>
-                <a:effectLst/>
-                <a:latin typeface="MuseoSansRounded-300"/>
-              </a:rPr>
-              <a:t>Deployment</a:t>
-            </a:r>
-            <a:r>
-              <a:rPr lang="de-DE" b="0" i="0" dirty="0">
-                <a:solidFill>
-                  <a:srgbClr val="3C3C3B"/>
-                </a:solidFill>
-                <a:effectLst/>
-                <a:latin typeface="MuseoSansRounded-300"/>
-              </a:rPr>
-              <a:t>-Ziel durch eine Firewall getrennt sind oder sich in unterschiedlichen Zonen befinden. Durch die Kombination der Eigenschaften von </a:t>
-            </a:r>
-            <a:r>
-              <a:rPr lang="de-DE" b="0" i="0" dirty="0" err="1">
-                <a:solidFill>
-                  <a:srgbClr val="3C3C3B"/>
-                </a:solidFill>
-                <a:effectLst/>
-                <a:latin typeface="MuseoSansRounded-300"/>
-              </a:rPr>
-              <a:t>Kubernetes</a:t>
-            </a:r>
-            <a:r>
-              <a:rPr lang="de-DE" b="0" i="0" dirty="0">
-                <a:solidFill>
-                  <a:srgbClr val="3C3C3B"/>
-                </a:solidFill>
-                <a:effectLst/>
-                <a:latin typeface="MuseoSansRounded-300"/>
-              </a:rPr>
-              <a:t>, </a:t>
-            </a:r>
-            <a:r>
-              <a:rPr lang="de-DE" b="0" i="0" dirty="0" err="1">
-                <a:solidFill>
-                  <a:srgbClr val="3C3C3B"/>
-                </a:solidFill>
-                <a:effectLst/>
-                <a:latin typeface="MuseoSansRounded-300"/>
-              </a:rPr>
-              <a:t>IaC</a:t>
-            </a:r>
-            <a:r>
-              <a:rPr lang="de-DE" b="0" i="0" dirty="0">
-                <a:solidFill>
-                  <a:srgbClr val="3C3C3B"/>
-                </a:solidFill>
-                <a:effectLst/>
-                <a:latin typeface="MuseoSansRounded-300"/>
-              </a:rPr>
-              <a:t> und </a:t>
-            </a:r>
-            <a:r>
-              <a:rPr lang="de-DE" b="0" i="0" dirty="0" err="1">
-                <a:solidFill>
-                  <a:srgbClr val="3C3C3B"/>
-                </a:solidFill>
-                <a:effectLst/>
-                <a:latin typeface="MuseoSansRounded-300"/>
-              </a:rPr>
-              <a:t>Git</a:t>
-            </a:r>
-            <a:r>
-              <a:rPr lang="de-DE" b="0" i="0" dirty="0">
-                <a:solidFill>
-                  <a:srgbClr val="3C3C3B"/>
-                </a:solidFill>
-                <a:effectLst/>
-                <a:latin typeface="MuseoSansRounded-300"/>
-              </a:rPr>
-              <a:t> können Teams häufiger und schneller Änderungen ausliefern und dadurch ihre Produktivität erhöhen.</a:t>
-            </a:r>
-          </a:p>
-          <a:p>
-            <a:endParaRPr lang="de-DE" dirty="0"/>
+            <a:r>
+              <a:rPr lang="de-DE" dirty="0"/>
+              <a:t>Auch da würde der Operator eingreifen</a:t>
+            </a:r>
           </a:p>
         </p:txBody>
       </p:sp>
@@ -2405,7 +1769,7 @@
             <a:fld id="{18182567-388C-4D33-8B7B-A651F195F118}" type="slidenum">
               <a:rPr lang="de-DE" altLang="de-DE" smtClean="0"/>
               <a:pPr/>
-              <a:t>20</a:t>
+              <a:t>19</a:t>
             </a:fld>
             <a:endParaRPr lang="de-DE" altLang="de-DE"/>
           </a:p>
@@ -2414,7 +1778,7 @@
     </p:spTree>
     <p:extLst>
       <p:ext uri="{BB962C8B-B14F-4D97-AF65-F5344CB8AC3E}">
-        <p14:creationId xmlns:p14="http://schemas.microsoft.com/office/powerpoint/2010/main" val="762346922"/>
+        <p14:creationId xmlns:p14="http://schemas.microsoft.com/office/powerpoint/2010/main" val="681576940"/>
       </p:ext>
     </p:extLst>
   </p:cSld>
@@ -2468,96 +1832,586 @@
           <a:bodyPr/>
           <a:lstStyle/>
           <a:p>
-            <a:r>
-              <a:rPr lang="de-DE" dirty="0"/>
-              <a:t>Quelle:</a:t>
-            </a:r>
-          </a:p>
-          <a:p>
-            <a:r>
-              <a:rPr lang="de-DE" dirty="0"/>
-              <a:t>https://github.com/weaveworks/awesome-gitops?tab=readme-ov-file</a:t>
-            </a:r>
-          </a:p>
-          <a:p>
-            <a:pPr marL="171450" indent="-171450">
+            <a:pPr algn="l" fontAlgn="base"/>
+            <a:r>
+              <a:rPr lang="de-DE" b="0" i="0" dirty="0">
+                <a:solidFill>
+                  <a:srgbClr val="484848"/>
+                </a:solidFill>
+                <a:effectLst/>
+                <a:latin typeface="MuseoSansRounded-700"/>
+              </a:rPr>
+              <a:t>Erhöhte Produktivität</a:t>
+            </a:r>
+          </a:p>
+          <a:p>
+            <a:pPr algn="l" fontAlgn="base"/>
+            <a:r>
+              <a:rPr lang="de-DE" b="0" i="0" dirty="0">
+                <a:solidFill>
+                  <a:srgbClr val="3C3C3B"/>
+                </a:solidFill>
+                <a:effectLst/>
+                <a:latin typeface="MuseoSansRounded-300"/>
+              </a:rPr>
+              <a:t>Durch die Automatisierung von </a:t>
+            </a:r>
+            <a:r>
+              <a:rPr lang="de-DE" b="0" i="0" dirty="0" err="1">
+                <a:solidFill>
+                  <a:srgbClr val="3C3C3B"/>
+                </a:solidFill>
+                <a:effectLst/>
+                <a:latin typeface="MuseoSansRounded-300"/>
+              </a:rPr>
+              <a:t>Deployment</a:t>
+            </a:r>
+            <a:r>
+              <a:rPr lang="de-DE" b="0" i="0" dirty="0">
+                <a:solidFill>
+                  <a:srgbClr val="3C3C3B"/>
+                </a:solidFill>
+                <a:effectLst/>
+                <a:latin typeface="MuseoSansRounded-300"/>
+              </a:rPr>
+              <a:t>-Prozessen, sowohl in der Entwicklung als auch im Betrieb von Anwendungen, wird die Produktivität der Organisation erhöht. </a:t>
+            </a:r>
+            <a:r>
+              <a:rPr lang="de-DE" b="0" i="0" dirty="0" err="1">
+                <a:solidFill>
+                  <a:srgbClr val="3C3C3B"/>
+                </a:solidFill>
+                <a:effectLst/>
+                <a:latin typeface="MuseoSansRounded-300"/>
+              </a:rPr>
+              <a:t>GitOps</a:t>
+            </a:r>
+            <a:r>
+              <a:rPr lang="de-DE" b="0" i="0" dirty="0">
+                <a:solidFill>
+                  <a:srgbClr val="3C3C3B"/>
+                </a:solidFill>
+                <a:effectLst/>
+                <a:latin typeface="MuseoSansRounded-300"/>
+              </a:rPr>
+              <a:t> ist dabei besonders effektiv und vereint die Vorteile einer Vielzahl an Tools:</a:t>
+            </a:r>
+          </a:p>
+          <a:p>
+            <a:pPr algn="l" fontAlgn="base"/>
+            <a:endParaRPr lang="de-DE" b="0" i="0" dirty="0">
+              <a:solidFill>
+                <a:srgbClr val="3C3C3B"/>
+              </a:solidFill>
+              <a:effectLst/>
+              <a:latin typeface="MuseoSansRounded-300"/>
+            </a:endParaRPr>
+          </a:p>
+          <a:p>
+            <a:pPr marL="171450" indent="-171450" algn="l" fontAlgn="base">
               <a:buFont typeface="Arial" panose="020B0604020202020204" pitchFamily="34" charset="0"/>
               <a:buChar char="•"/>
             </a:pPr>
             <a:r>
-              <a:rPr lang="de-DE" dirty="0"/>
-              <a:t>https://github.com/argoproj/argo-cd</a:t>
-            </a:r>
-          </a:p>
-          <a:p>
-            <a:pPr marL="171450" indent="-171450">
+              <a:rPr lang="de-DE" b="0" i="0" u="sng" dirty="0">
+                <a:solidFill>
+                  <a:srgbClr val="3C3C3B"/>
+                </a:solidFill>
+                <a:effectLst/>
+                <a:latin typeface="MuseoSansRounded-700"/>
+              </a:rPr>
+              <a:t>Schnelle Veröffentlichung von Änderungen</a:t>
+            </a:r>
+            <a:r>
+              <a:rPr lang="de-DE" b="0" i="0" dirty="0">
+                <a:solidFill>
+                  <a:srgbClr val="3C3C3B"/>
+                </a:solidFill>
+                <a:effectLst/>
+                <a:latin typeface="MuseoSansRounded-700"/>
+              </a:rPr>
+              <a:t>:</a:t>
+            </a:r>
+            <a:r>
+              <a:rPr lang="de-DE" b="0" i="0" dirty="0">
+                <a:solidFill>
+                  <a:srgbClr val="3C3C3B"/>
+                </a:solidFill>
+                <a:effectLst/>
+                <a:latin typeface="MuseoSansRounded-300"/>
+              </a:rPr>
+              <a:t> Durch die Nutzung von </a:t>
+            </a:r>
+            <a:r>
+              <a:rPr lang="de-DE" b="0" i="0" dirty="0" err="1">
+                <a:solidFill>
+                  <a:srgbClr val="3C3C3B"/>
+                </a:solidFill>
+                <a:effectLst/>
+                <a:latin typeface="MuseoSansRounded-300"/>
+              </a:rPr>
+              <a:t>Kubernetes</a:t>
+            </a:r>
+            <a:r>
+              <a:rPr lang="de-DE" b="0" i="0" dirty="0">
+                <a:solidFill>
+                  <a:srgbClr val="3C3C3B"/>
+                </a:solidFill>
+                <a:effectLst/>
+                <a:latin typeface="MuseoSansRounded-300"/>
+              </a:rPr>
+              <a:t> ist es möglich, </a:t>
+            </a:r>
+            <a:r>
+              <a:rPr lang="de-DE" b="0" i="0" dirty="0" err="1">
+                <a:solidFill>
+                  <a:srgbClr val="3C3C3B"/>
+                </a:solidFill>
+                <a:effectLst/>
+                <a:latin typeface="MuseoSansRounded-300"/>
+              </a:rPr>
+              <a:t>Deployments</a:t>
+            </a:r>
+            <a:r>
+              <a:rPr lang="de-DE" b="0" i="0" dirty="0">
+                <a:solidFill>
+                  <a:srgbClr val="3C3C3B"/>
+                </a:solidFill>
+                <a:effectLst/>
+                <a:latin typeface="MuseoSansRounded-300"/>
+              </a:rPr>
+              <a:t> von Anwendungen durchzuführen, ohne dass deren Verfügbarkeit unterbrochen wird (</a:t>
+            </a:r>
+            <a:r>
+              <a:rPr lang="de-DE" b="0" i="0" dirty="0" err="1">
+                <a:solidFill>
+                  <a:srgbClr val="3C3C3B"/>
+                </a:solidFill>
+                <a:effectLst/>
+                <a:latin typeface="MuseoSansRounded-300"/>
+              </a:rPr>
+              <a:t>No</a:t>
+            </a:r>
+            <a:r>
+              <a:rPr lang="de-DE" b="0" i="0" dirty="0">
+                <a:solidFill>
+                  <a:srgbClr val="3C3C3B"/>
+                </a:solidFill>
+                <a:effectLst/>
+                <a:latin typeface="MuseoSansRounded-300"/>
+              </a:rPr>
+              <a:t> Downtime </a:t>
+            </a:r>
+            <a:r>
+              <a:rPr lang="de-DE" b="0" i="0" dirty="0" err="1">
+                <a:solidFill>
+                  <a:srgbClr val="3C3C3B"/>
+                </a:solidFill>
+                <a:effectLst/>
+                <a:latin typeface="MuseoSansRounded-300"/>
+              </a:rPr>
+              <a:t>Deployments</a:t>
+            </a:r>
+            <a:r>
+              <a:rPr lang="de-DE" b="0" i="0" dirty="0">
+                <a:solidFill>
+                  <a:srgbClr val="3C3C3B"/>
+                </a:solidFill>
+                <a:effectLst/>
+                <a:latin typeface="MuseoSansRounded-300"/>
+              </a:rPr>
+              <a:t>). Im Zusammenspiel mit der Reconciliation Loop können so Code-Änderungen unverzüglich und mit minimalem manuellem Aufwand veröffentlicht werden.</a:t>
+            </a:r>
+          </a:p>
+          <a:p>
+            <a:pPr algn="l" fontAlgn="base">
               <a:buFont typeface="Arial" panose="020B0604020202020204" pitchFamily="34" charset="0"/>
               <a:buChar char="•"/>
             </a:pPr>
-            <a:r>
-              <a:rPr lang="de-DE" dirty="0"/>
-              <a:t>https://github.com/fluxcd/flux2</a:t>
-            </a:r>
-          </a:p>
-          <a:p>
-            <a:pPr marL="171450" indent="-171450">
+            <a:endParaRPr lang="de-DE" b="0" i="0" dirty="0">
+              <a:solidFill>
+                <a:srgbClr val="3C3C3B"/>
+              </a:solidFill>
+              <a:effectLst/>
+              <a:latin typeface="MuseoSansRounded-300"/>
+            </a:endParaRPr>
+          </a:p>
+          <a:p>
+            <a:pPr marL="171450" indent="-171450" algn="l" fontAlgn="base">
               <a:buFont typeface="Arial" panose="020B0604020202020204" pitchFamily="34" charset="0"/>
               <a:buChar char="•"/>
             </a:pPr>
             <a:r>
-              <a:rPr lang="de-DE" dirty="0"/>
-              <a:t>https://github.com/fluxcd/flagger</a:t>
-            </a:r>
-          </a:p>
-          <a:p>
-            <a:pPr marL="171450" indent="-171450">
+              <a:rPr lang="de-DE" b="0" i="0" u="sng" dirty="0">
+                <a:solidFill>
+                  <a:srgbClr val="3C3C3B"/>
+                </a:solidFill>
+                <a:effectLst/>
+                <a:latin typeface="MuseoSansRounded-700"/>
+              </a:rPr>
+              <a:t>Reproduzierbarkeit der Infrastruktur</a:t>
+            </a:r>
+            <a:r>
+              <a:rPr lang="de-DE" b="0" i="0" dirty="0">
+                <a:solidFill>
+                  <a:srgbClr val="3C3C3B"/>
+                </a:solidFill>
+                <a:effectLst/>
+                <a:latin typeface="MuseoSansRounded-700"/>
+              </a:rPr>
+              <a:t>:</a:t>
+            </a:r>
+            <a:r>
+              <a:rPr lang="de-DE" b="0" i="0" dirty="0">
+                <a:solidFill>
+                  <a:srgbClr val="3C3C3B"/>
+                </a:solidFill>
+                <a:effectLst/>
+                <a:latin typeface="MuseoSansRounded-300"/>
+              </a:rPr>
+              <a:t> In </a:t>
+            </a:r>
+            <a:r>
+              <a:rPr lang="de-DE" b="0" i="0" dirty="0" err="1">
+                <a:solidFill>
+                  <a:srgbClr val="3C3C3B"/>
+                </a:solidFill>
+                <a:effectLst/>
+                <a:latin typeface="MuseoSansRounded-300"/>
+              </a:rPr>
+              <a:t>GitOps</a:t>
+            </a:r>
+            <a:r>
+              <a:rPr lang="de-DE" b="0" i="0" dirty="0">
+                <a:solidFill>
+                  <a:srgbClr val="3C3C3B"/>
+                </a:solidFill>
+                <a:effectLst/>
+                <a:latin typeface="MuseoSansRounded-300"/>
+              </a:rPr>
+              <a:t> wird die Infrastruktur nach dem Prinzip der Infrastructure </a:t>
+            </a:r>
+            <a:r>
+              <a:rPr lang="de-DE" b="0" i="0" dirty="0" err="1">
+                <a:solidFill>
+                  <a:srgbClr val="3C3C3B"/>
+                </a:solidFill>
+                <a:effectLst/>
+                <a:latin typeface="MuseoSansRounded-300"/>
+              </a:rPr>
+              <a:t>as</a:t>
+            </a:r>
+            <a:r>
+              <a:rPr lang="de-DE" b="0" i="0" dirty="0">
+                <a:solidFill>
+                  <a:srgbClr val="3C3C3B"/>
+                </a:solidFill>
+                <a:effectLst/>
+                <a:latin typeface="MuseoSansRounded-300"/>
+              </a:rPr>
+              <a:t> Code (</a:t>
+            </a:r>
+            <a:r>
+              <a:rPr lang="de-DE" b="0" i="0" dirty="0" err="1">
+                <a:solidFill>
+                  <a:srgbClr val="3C3C3B"/>
+                </a:solidFill>
+                <a:effectLst/>
+                <a:latin typeface="MuseoSansRounded-300"/>
+              </a:rPr>
+              <a:t>IaC</a:t>
+            </a:r>
+            <a:r>
+              <a:rPr lang="de-DE" b="0" i="0" dirty="0">
+                <a:solidFill>
+                  <a:srgbClr val="3C3C3B"/>
+                </a:solidFill>
+                <a:effectLst/>
+                <a:latin typeface="MuseoSansRounded-300"/>
+              </a:rPr>
+              <a:t>) deklariert. So bietet </a:t>
+            </a:r>
+            <a:r>
+              <a:rPr lang="de-DE" b="0" i="0" dirty="0" err="1">
+                <a:solidFill>
+                  <a:srgbClr val="3C3C3B"/>
+                </a:solidFill>
+                <a:effectLst/>
+                <a:latin typeface="MuseoSansRounded-300"/>
+              </a:rPr>
+              <a:t>GitOps</a:t>
+            </a:r>
+            <a:r>
+              <a:rPr lang="de-DE" b="0" i="0" dirty="0">
+                <a:solidFill>
+                  <a:srgbClr val="3C3C3B"/>
+                </a:solidFill>
+                <a:effectLst/>
+                <a:latin typeface="MuseoSansRounded-300"/>
+              </a:rPr>
+              <a:t> eine bessere Skalierbarkeit der Infrastruktur bei gleichzeitig sinkendem Verwaltungsaufwand. Dadurch wird der Betrieb kosteneffizienter als mit klassischen Prozessen.</a:t>
+            </a:r>
+          </a:p>
+          <a:p>
+            <a:pPr algn="l" fontAlgn="base">
               <a:buFont typeface="Arial" panose="020B0604020202020204" pitchFamily="34" charset="0"/>
               <a:buChar char="•"/>
             </a:pPr>
-            <a:r>
-              <a:rPr lang="de-DE" dirty="0"/>
-              <a:t>https://jenkins-x.io/</a:t>
-            </a:r>
-          </a:p>
-          <a:p>
-            <a:pPr marL="171450" indent="-171450">
+            <a:endParaRPr lang="de-DE" b="0" i="0" dirty="0">
+              <a:solidFill>
+                <a:srgbClr val="3C3C3B"/>
+              </a:solidFill>
+              <a:effectLst/>
+              <a:latin typeface="MuseoSansRounded-300"/>
+            </a:endParaRPr>
+          </a:p>
+          <a:p>
+            <a:pPr marL="171450" indent="-171450" algn="l" fontAlgn="base">
               <a:buFont typeface="Arial" panose="020B0604020202020204" pitchFamily="34" charset="0"/>
               <a:buChar char="•"/>
             </a:pPr>
             <a:r>
-              <a:rPr lang="de-DE" dirty="0"/>
-              <a:t>https://www.kubestack.com/</a:t>
-            </a:r>
-          </a:p>
-          <a:p>
-            <a:pPr marL="171450" indent="-171450">
+              <a:rPr lang="de-DE" b="0" i="0" u="sng" dirty="0">
+                <a:solidFill>
+                  <a:srgbClr val="3C3C3B"/>
+                </a:solidFill>
+                <a:effectLst/>
+                <a:latin typeface="MuseoSansRounded-700"/>
+              </a:rPr>
+              <a:t>Schnellere Wiederherstellung nach Ausfall (Rollbacks):</a:t>
+            </a:r>
+            <a:r>
+              <a:rPr lang="de-DE" b="0" i="0" u="sng" dirty="0">
+                <a:solidFill>
+                  <a:srgbClr val="3C3C3B"/>
+                </a:solidFill>
+                <a:effectLst/>
+                <a:latin typeface="MuseoSansRounded-300"/>
+              </a:rPr>
+              <a:t> </a:t>
+            </a:r>
+            <a:r>
+              <a:rPr lang="de-DE" b="0" i="0" dirty="0">
+                <a:solidFill>
+                  <a:srgbClr val="3C3C3B"/>
+                </a:solidFill>
+                <a:effectLst/>
+                <a:latin typeface="MuseoSansRounded-300"/>
+              </a:rPr>
+              <a:t>Durch die Versionierung aller Änderungen, sowohl Code der Anwendung an sich als auch der Infrastruktur für den Betrieb in </a:t>
+            </a:r>
+            <a:r>
+              <a:rPr lang="de-DE" b="0" i="0" dirty="0" err="1">
+                <a:solidFill>
+                  <a:srgbClr val="3C3C3B"/>
+                </a:solidFill>
+                <a:effectLst/>
+                <a:latin typeface="MuseoSansRounded-300"/>
+              </a:rPr>
+              <a:t>Git</a:t>
+            </a:r>
+            <a:r>
+              <a:rPr lang="de-DE" b="0" i="0" dirty="0">
+                <a:solidFill>
+                  <a:srgbClr val="3C3C3B"/>
+                </a:solidFill>
+                <a:effectLst/>
+                <a:latin typeface="MuseoSansRounded-300"/>
+              </a:rPr>
+              <a:t>, ist es ein Leichtes, den Stand eines beliebigen </a:t>
+            </a:r>
+            <a:r>
+              <a:rPr lang="de-DE" b="0" i="0" dirty="0" err="1">
+                <a:solidFill>
+                  <a:srgbClr val="3C3C3B"/>
+                </a:solidFill>
+                <a:effectLst/>
+                <a:latin typeface="MuseoSansRounded-300"/>
+              </a:rPr>
+              <a:t>Commits</a:t>
+            </a:r>
+            <a:r>
+              <a:rPr lang="de-DE" b="0" i="0" dirty="0">
+                <a:solidFill>
+                  <a:srgbClr val="3C3C3B"/>
+                </a:solidFill>
+                <a:effectLst/>
+                <a:latin typeface="MuseoSansRounded-300"/>
+              </a:rPr>
+              <a:t> wiederherzustellen. Dadurch werden die Ausfallzeit und der Aufwand zur Wiederherstellung reduziert.</a:t>
+            </a:r>
+          </a:p>
+          <a:p>
+            <a:pPr algn="l" fontAlgn="base">
               <a:buFont typeface="Arial" panose="020B0604020202020204" pitchFamily="34" charset="0"/>
               <a:buChar char="•"/>
             </a:pPr>
-            <a:r>
-              <a:rPr lang="de-DE" dirty="0"/>
-              <a:t>https://werf.io/</a:t>
-            </a:r>
-          </a:p>
-          <a:p>
-            <a:pPr marL="171450" indent="-171450">
+            <a:endParaRPr lang="de-DE" b="0" i="0" dirty="0">
+              <a:solidFill>
+                <a:srgbClr val="3C3C3B"/>
+              </a:solidFill>
+              <a:effectLst/>
+              <a:latin typeface="MuseoSansRounded-300"/>
+            </a:endParaRPr>
+          </a:p>
+          <a:p>
+            <a:pPr marL="171450" indent="-171450" algn="l" fontAlgn="base">
               <a:buFont typeface="Arial" panose="020B0604020202020204" pitchFamily="34" charset="0"/>
               <a:buChar char="•"/>
             </a:pPr>
             <a:r>
-              <a:rPr lang="de-DE" dirty="0"/>
-              <a:t>https://pipecd.dev/</a:t>
-            </a:r>
-          </a:p>
-          <a:p>
-            <a:pPr marL="171450" indent="-171450">
-              <a:buFont typeface="Arial" panose="020B0604020202020204" pitchFamily="34" charset="0"/>
-              <a:buChar char="•"/>
-            </a:pPr>
-            <a:r>
-              <a:rPr lang="de-DE" dirty="0"/>
-              <a:t>https://docs.gitlab.com/ee/user/clusters/agent/</a:t>
-            </a:r>
+              <a:rPr lang="de-DE" b="0" i="0" u="sng" dirty="0">
+                <a:solidFill>
+                  <a:srgbClr val="3C3C3B"/>
+                </a:solidFill>
+                <a:effectLst/>
+                <a:latin typeface="MuseoSansRounded-700"/>
+              </a:rPr>
+              <a:t>Vereinfachte Berechtigungsstrukturen:</a:t>
+            </a:r>
+            <a:r>
+              <a:rPr lang="de-DE" b="0" i="0" u="sng" dirty="0">
+                <a:solidFill>
+                  <a:srgbClr val="3C3C3B"/>
+                </a:solidFill>
+                <a:effectLst/>
+                <a:latin typeface="MuseoSansRounded-300"/>
+              </a:rPr>
+              <a:t> </a:t>
+            </a:r>
+            <a:r>
+              <a:rPr lang="de-DE" b="0" i="0" dirty="0">
+                <a:solidFill>
+                  <a:srgbClr val="3C3C3B"/>
+                </a:solidFill>
+                <a:effectLst/>
+                <a:latin typeface="MuseoSansRounded-300"/>
+              </a:rPr>
+              <a:t>Mit </a:t>
+            </a:r>
+            <a:r>
+              <a:rPr lang="de-DE" b="0" i="0" dirty="0" err="1">
+                <a:solidFill>
+                  <a:srgbClr val="3C3C3B"/>
+                </a:solidFill>
+                <a:effectLst/>
+                <a:latin typeface="MuseoSansRounded-300"/>
+              </a:rPr>
+              <a:t>GitOps</a:t>
+            </a:r>
+            <a:r>
+              <a:rPr lang="de-DE" b="0" i="0" dirty="0">
+                <a:solidFill>
+                  <a:srgbClr val="3C3C3B"/>
+                </a:solidFill>
+                <a:effectLst/>
+                <a:latin typeface="MuseoSansRounded-300"/>
+              </a:rPr>
+              <a:t> werden Änderungen durch den </a:t>
+            </a:r>
+            <a:r>
+              <a:rPr lang="de-DE" b="0" i="0" dirty="0" err="1">
+                <a:solidFill>
+                  <a:srgbClr val="3C3C3B"/>
+                </a:solidFill>
+                <a:effectLst/>
+                <a:latin typeface="MuseoSansRounded-300"/>
+              </a:rPr>
+              <a:t>GitOps</a:t>
+            </a:r>
+            <a:r>
+              <a:rPr lang="de-DE" b="0" i="0" dirty="0">
+                <a:solidFill>
+                  <a:srgbClr val="3C3C3B"/>
+                </a:solidFill>
+                <a:effectLst/>
+                <a:latin typeface="MuseoSansRounded-300"/>
+              </a:rPr>
+              <a:t>-Operator nach dem Pull-Prinzip in den Cluster hineingezogen und nicht durch den CI-Server nach dem Push-Prinzip auf den Server geschoben. Dadurch entfallen für viele Unternehmen zeitaufwändige Freischaltungen, wenn zum Beispiel CI-Server und </a:t>
+            </a:r>
+            <a:r>
+              <a:rPr lang="de-DE" b="0" i="0" dirty="0" err="1">
+                <a:solidFill>
+                  <a:srgbClr val="3C3C3B"/>
+                </a:solidFill>
+                <a:effectLst/>
+                <a:latin typeface="MuseoSansRounded-300"/>
+              </a:rPr>
+              <a:t>Deployment</a:t>
+            </a:r>
+            <a:r>
+              <a:rPr lang="de-DE" b="0" i="0" dirty="0">
+                <a:solidFill>
+                  <a:srgbClr val="3C3C3B"/>
+                </a:solidFill>
+                <a:effectLst/>
+                <a:latin typeface="MuseoSansRounded-300"/>
+              </a:rPr>
+              <a:t>-Ziel durch eine Firewall getrennt sind oder sich in unterschiedlichen Zonen befinden. Durch die Kombination der Eigenschaften von </a:t>
+            </a:r>
+            <a:r>
+              <a:rPr lang="de-DE" b="0" i="0" dirty="0" err="1">
+                <a:solidFill>
+                  <a:srgbClr val="3C3C3B"/>
+                </a:solidFill>
+                <a:effectLst/>
+                <a:latin typeface="MuseoSansRounded-300"/>
+              </a:rPr>
+              <a:t>Kubernetes</a:t>
+            </a:r>
+            <a:r>
+              <a:rPr lang="de-DE" b="0" i="0" dirty="0">
+                <a:solidFill>
+                  <a:srgbClr val="3C3C3B"/>
+                </a:solidFill>
+                <a:effectLst/>
+                <a:latin typeface="MuseoSansRounded-300"/>
+              </a:rPr>
+              <a:t>, </a:t>
+            </a:r>
+            <a:r>
+              <a:rPr lang="de-DE" b="0" i="0" dirty="0" err="1">
+                <a:solidFill>
+                  <a:srgbClr val="3C3C3B"/>
+                </a:solidFill>
+                <a:effectLst/>
+                <a:latin typeface="MuseoSansRounded-300"/>
+              </a:rPr>
+              <a:t>IaC</a:t>
+            </a:r>
+            <a:r>
+              <a:rPr lang="de-DE" b="0" i="0" dirty="0">
+                <a:solidFill>
+                  <a:srgbClr val="3C3C3B"/>
+                </a:solidFill>
+                <a:effectLst/>
+                <a:latin typeface="MuseoSansRounded-300"/>
+              </a:rPr>
+              <a:t> und </a:t>
+            </a:r>
+            <a:r>
+              <a:rPr lang="de-DE" b="0" i="0" dirty="0" err="1">
+                <a:solidFill>
+                  <a:srgbClr val="3C3C3B"/>
+                </a:solidFill>
+                <a:effectLst/>
+                <a:latin typeface="MuseoSansRounded-300"/>
+              </a:rPr>
+              <a:t>Git</a:t>
+            </a:r>
+            <a:r>
+              <a:rPr lang="de-DE" b="0" i="0" dirty="0">
+                <a:solidFill>
+                  <a:srgbClr val="3C3C3B"/>
+                </a:solidFill>
+                <a:effectLst/>
+                <a:latin typeface="MuseoSansRounded-300"/>
+              </a:rPr>
+              <a:t> können Teams häufiger und schneller Änderungen ausliefern und dadurch ihre Produktivität erhöhen.</a:t>
+            </a:r>
+          </a:p>
+          <a:p>
+            <a:endParaRPr lang="de-DE" dirty="0"/>
           </a:p>
         </p:txBody>
       </p:sp>
@@ -2579,7 +2433,7 @@
             <a:fld id="{18182567-388C-4D33-8B7B-A651F195F118}" type="slidenum">
               <a:rPr lang="de-DE" altLang="de-DE" smtClean="0"/>
               <a:pPr/>
-              <a:t>21</a:t>
+              <a:t>20</a:t>
             </a:fld>
             <a:endParaRPr lang="de-DE" altLang="de-DE"/>
           </a:p>
@@ -2588,7 +2442,7 @@
     </p:spTree>
     <p:extLst>
       <p:ext uri="{BB962C8B-B14F-4D97-AF65-F5344CB8AC3E}">
-        <p14:creationId xmlns:p14="http://schemas.microsoft.com/office/powerpoint/2010/main" val="3998937363"/>
+        <p14:creationId xmlns:p14="http://schemas.microsoft.com/office/powerpoint/2010/main" val="762346922"/>
       </p:ext>
     </p:extLst>
   </p:cSld>
@@ -2644,28 +2498,94 @@
           <a:p>
             <a:r>
               <a:rPr lang="de-DE" dirty="0"/>
-              <a:t>Quelle</a:t>
+              <a:t>Quelle:</a:t>
             </a:r>
           </a:p>
           <a:p>
             <a:r>
               <a:rPr lang="de-DE" dirty="0"/>
-              <a:t>Imgflip.com</a:t>
-            </a:r>
-          </a:p>
-          <a:p>
-            <a:endParaRPr lang="de-DE" dirty="0"/>
-          </a:p>
-          <a:p>
+              <a:t>https://github.com/weaveworks/awesome-gitops?tab=readme-ov-file</a:t>
+            </a:r>
+          </a:p>
+          <a:p>
+            <a:pPr marL="171450" indent="-171450">
+              <a:buFont typeface="Arial" panose="020B0604020202020204" pitchFamily="34" charset="0"/>
+              <a:buChar char="•"/>
+            </a:pPr>
             <a:r>
               <a:rPr lang="de-DE" dirty="0"/>
-              <a:t>Side </a:t>
-            </a:r>
-            <a:r>
-              <a:rPr lang="de-DE" dirty="0" err="1"/>
-              <a:t>car</a:t>
-            </a:r>
-            <a:endParaRPr lang="de-DE" dirty="0"/>
+              <a:t>https://github.com/argoproj/argo-cd</a:t>
+            </a:r>
+          </a:p>
+          <a:p>
+            <a:pPr marL="171450" indent="-171450">
+              <a:buFont typeface="Arial" panose="020B0604020202020204" pitchFamily="34" charset="0"/>
+              <a:buChar char="•"/>
+            </a:pPr>
+            <a:r>
+              <a:rPr lang="de-DE" dirty="0"/>
+              <a:t>https://github.com/fluxcd/flux2</a:t>
+            </a:r>
+          </a:p>
+          <a:p>
+            <a:pPr marL="171450" indent="-171450">
+              <a:buFont typeface="Arial" panose="020B0604020202020204" pitchFamily="34" charset="0"/>
+              <a:buChar char="•"/>
+            </a:pPr>
+            <a:r>
+              <a:rPr lang="de-DE" dirty="0"/>
+              <a:t>https://github.com/fluxcd/flagger</a:t>
+            </a:r>
+          </a:p>
+          <a:p>
+            <a:pPr marL="171450" indent="-171450">
+              <a:buFont typeface="Arial" panose="020B0604020202020204" pitchFamily="34" charset="0"/>
+              <a:buChar char="•"/>
+            </a:pPr>
+            <a:r>
+              <a:rPr lang="de-DE" dirty="0"/>
+              <a:t>https://jenkins-x.io/</a:t>
+            </a:r>
+          </a:p>
+          <a:p>
+            <a:pPr marL="171450" indent="-171450">
+              <a:buFont typeface="Arial" panose="020B0604020202020204" pitchFamily="34" charset="0"/>
+              <a:buChar char="•"/>
+            </a:pPr>
+            <a:r>
+              <a:rPr lang="de-DE" dirty="0"/>
+              <a:t>https://www.kubestack.com/</a:t>
+            </a:r>
+          </a:p>
+          <a:p>
+            <a:pPr marL="171450" indent="-171450">
+              <a:buFont typeface="Arial" panose="020B0604020202020204" pitchFamily="34" charset="0"/>
+              <a:buChar char="•"/>
+            </a:pPr>
+            <a:r>
+              <a:rPr lang="de-DE" dirty="0"/>
+              <a:t>https://werf.io/</a:t>
+            </a:r>
+          </a:p>
+          <a:p>
+            <a:pPr marL="171450" indent="-171450">
+              <a:buFont typeface="Arial" panose="020B0604020202020204" pitchFamily="34" charset="0"/>
+              <a:buChar char="•"/>
+            </a:pPr>
+            <a:r>
+              <a:rPr lang="de-DE" dirty="0"/>
+              <a:t>https://pipecd.dev/</a:t>
+            </a:r>
+          </a:p>
+          <a:p>
+            <a:pPr marL="171450" indent="-171450">
+              <a:buFont typeface="Arial" panose="020B0604020202020204" pitchFamily="34" charset="0"/>
+              <a:buChar char="•"/>
+            </a:pPr>
+            <a:r>
+              <a:rPr lang="de-DE" dirty="0"/>
+              <a:t>https://docs.gitlab.com/ee/user/clusters/agent/</a:t>
+            </a:r>
           </a:p>
         </p:txBody>
       </p:sp>
@@ -2687,7 +2607,7 @@
             <a:fld id="{18182567-388C-4D33-8B7B-A651F195F118}" type="slidenum">
               <a:rPr lang="de-DE" altLang="de-DE" smtClean="0"/>
               <a:pPr/>
-              <a:t>22</a:t>
+              <a:t>21</a:t>
             </a:fld>
             <a:endParaRPr lang="de-DE" altLang="de-DE"/>
           </a:p>
@@ -2696,7 +2616,7 @@
     </p:spTree>
     <p:extLst>
       <p:ext uri="{BB962C8B-B14F-4D97-AF65-F5344CB8AC3E}">
-        <p14:creationId xmlns:p14="http://schemas.microsoft.com/office/powerpoint/2010/main" val="1749284629"/>
+        <p14:creationId xmlns:p14="http://schemas.microsoft.com/office/powerpoint/2010/main" val="3998937363"/>
       </p:ext>
     </p:extLst>
   </p:cSld>
@@ -2752,8 +2672,28 @@
           <a:p>
             <a:r>
               <a:rPr lang="de-DE" dirty="0"/>
-              <a:t>https://kubernetes.io/docs/concepts/workloads/pods/sidecar-containers/</a:t>
-            </a:r>
+              <a:t>Quelle</a:t>
+            </a:r>
+          </a:p>
+          <a:p>
+            <a:r>
+              <a:rPr lang="de-DE" dirty="0"/>
+              <a:t>Imgflip.com</a:t>
+            </a:r>
+          </a:p>
+          <a:p>
+            <a:endParaRPr lang="de-DE" dirty="0"/>
+          </a:p>
+          <a:p>
+            <a:r>
+              <a:rPr lang="de-DE" dirty="0"/>
+              <a:t>Side </a:t>
+            </a:r>
+            <a:r>
+              <a:rPr lang="de-DE" dirty="0" err="1"/>
+              <a:t>car</a:t>
+            </a:r>
+            <a:endParaRPr lang="de-DE" dirty="0"/>
           </a:p>
         </p:txBody>
       </p:sp>
@@ -2775,7 +2715,7 @@
             <a:fld id="{18182567-388C-4D33-8B7B-A651F195F118}" type="slidenum">
               <a:rPr lang="de-DE" altLang="de-DE" smtClean="0"/>
               <a:pPr/>
-              <a:t>23</a:t>
+              <a:t>22</a:t>
             </a:fld>
             <a:endParaRPr lang="de-DE" altLang="de-DE"/>
           </a:p>
@@ -2784,7 +2724,7 @@
     </p:spTree>
     <p:extLst>
       <p:ext uri="{BB962C8B-B14F-4D97-AF65-F5344CB8AC3E}">
-        <p14:creationId xmlns:p14="http://schemas.microsoft.com/office/powerpoint/2010/main" val="3525946719"/>
+        <p14:creationId xmlns:p14="http://schemas.microsoft.com/office/powerpoint/2010/main" val="1749284629"/>
       </p:ext>
     </p:extLst>
   </p:cSld>
@@ -2838,7 +2778,10 @@
           <a:bodyPr/>
           <a:lstStyle/>
           <a:p>
-            <a:endParaRPr lang="de-DE" dirty="0"/>
+            <a:r>
+              <a:rPr lang="de-DE" dirty="0"/>
+              <a:t>https://kubernetes.io/docs/concepts/workloads/pods/sidecar-containers/</a:t>
+            </a:r>
           </a:p>
         </p:txBody>
       </p:sp>
@@ -2860,7 +2803,7 @@
             <a:fld id="{18182567-388C-4D33-8B7B-A651F195F118}" type="slidenum">
               <a:rPr lang="de-DE" altLang="de-DE" smtClean="0"/>
               <a:pPr/>
-              <a:t>24</a:t>
+              <a:t>23</a:t>
             </a:fld>
             <a:endParaRPr lang="de-DE" altLang="de-DE"/>
           </a:p>
@@ -2869,7 +2812,7 @@
     </p:spTree>
     <p:extLst>
       <p:ext uri="{BB962C8B-B14F-4D97-AF65-F5344CB8AC3E}">
-        <p14:creationId xmlns:p14="http://schemas.microsoft.com/office/powerpoint/2010/main" val="2745888912"/>
+        <p14:creationId xmlns:p14="http://schemas.microsoft.com/office/powerpoint/2010/main" val="3525946719"/>
       </p:ext>
     </p:extLst>
   </p:cSld>
@@ -2925,8 +2868,76 @@
           <a:p>
             <a:r>
               <a:rPr lang="de-DE" dirty="0"/>
-              <a:t>Quelle: https://about.gitlab.com/topics/gitops/</a:t>
-            </a:r>
+              <a:t>Quelle: https://opstree.com/blog/2020/02/18/why-gitops-is-so-exciting/</a:t>
+            </a:r>
+          </a:p>
+          <a:p>
+            <a:endParaRPr lang="de-DE" dirty="0"/>
+          </a:p>
+          <a:p>
+            <a:r>
+              <a:rPr lang="de-DE" dirty="0"/>
+              <a:t>Jo, was machen wir hier… Mit dem Zitat von </a:t>
+            </a:r>
+            <a:r>
+              <a:rPr lang="de-DE" dirty="0" err="1"/>
+              <a:t>GitLab</a:t>
+            </a:r>
+            <a:r>
+              <a:rPr lang="de-DE" dirty="0"/>
+              <a:t> tauschen? Also Zitat zuerst?</a:t>
+            </a:r>
+          </a:p>
+          <a:p>
+            <a:endParaRPr lang="de-DE" dirty="0"/>
+          </a:p>
+          <a:p>
+            <a:r>
+              <a:rPr lang="de-DE" dirty="0"/>
+              <a:t>Idee: Hier mal abfragen, was die Teilnehmer so kennen und wie das Ganze irgendwie zusammengehören könnte.</a:t>
+            </a:r>
+          </a:p>
+          <a:p>
+            <a:r>
+              <a:rPr lang="de-DE" dirty="0"/>
+              <a:t>Danach dann die Folie mit der „Definition“ zu </a:t>
+            </a:r>
+            <a:r>
+              <a:rPr lang="de-DE" dirty="0" err="1"/>
+              <a:t>GitOps</a:t>
+            </a:r>
+            <a:r>
+              <a:rPr lang="de-DE" dirty="0"/>
+              <a:t> von </a:t>
+            </a:r>
+            <a:r>
+              <a:rPr lang="de-DE" dirty="0" err="1"/>
+              <a:t>GitLab</a:t>
+            </a:r>
+            <a:r>
+              <a:rPr lang="de-DE" dirty="0"/>
+              <a:t> selbst.</a:t>
+            </a:r>
+          </a:p>
+          <a:p>
+            <a:endParaRPr lang="de-DE" dirty="0"/>
+          </a:p>
+          <a:p>
+            <a:r>
+              <a:rPr lang="de-DE" dirty="0" err="1"/>
+              <a:t>Kubernetes</a:t>
+            </a:r>
+            <a:r>
+              <a:rPr lang="de-DE" dirty="0"/>
+              <a:t> und Docker bräuchten auch eigentlich je einen eigenen Punkt…? Naja, könnte man auch zu Beginn erstmal so „stehen lassen“ und später dann damit aufklären </a:t>
+            </a:r>
+            <a:r>
+              <a:rPr lang="de-DE" dirty="0">
+                <a:sym typeface="Wingdings" panose="05000000000000000000" pitchFamily="2" charset="2"/>
+              </a:rPr>
+              <a:t></a:t>
+            </a:r>
+            <a:endParaRPr lang="de-DE" dirty="0"/>
           </a:p>
         </p:txBody>
       </p:sp>
@@ -2948,7 +2959,7 @@
             <a:fld id="{18182567-388C-4D33-8B7B-A651F195F118}" type="slidenum">
               <a:rPr lang="de-DE" altLang="de-DE" smtClean="0"/>
               <a:pPr/>
-              <a:t>6</a:t>
+              <a:t>5</a:t>
             </a:fld>
             <a:endParaRPr lang="de-DE" altLang="de-DE"/>
           </a:p>
@@ -2957,7 +2968,7 @@
     </p:spTree>
     <p:extLst>
       <p:ext uri="{BB962C8B-B14F-4D97-AF65-F5344CB8AC3E}">
-        <p14:creationId xmlns:p14="http://schemas.microsoft.com/office/powerpoint/2010/main" val="3428053153"/>
+        <p14:creationId xmlns:p14="http://schemas.microsoft.com/office/powerpoint/2010/main" val="214546350"/>
       </p:ext>
     </p:extLst>
   </p:cSld>
@@ -3011,252 +3022,7 @@
           <a:bodyPr/>
           <a:lstStyle/>
           <a:p>
-            <a:r>
-              <a:rPr lang="de-DE" dirty="0" err="1"/>
-              <a:t>Infra</a:t>
-            </a:r>
-            <a:r>
-              <a:rPr lang="de-DE" dirty="0"/>
-              <a:t> </a:t>
-            </a:r>
-            <a:r>
-              <a:rPr lang="de-DE" dirty="0" err="1"/>
-              <a:t>operator</a:t>
-            </a:r>
             <a:endParaRPr lang="de-DE" dirty="0"/>
-          </a:p>
-          <a:p>
-            <a:r>
-              <a:rPr lang="de-DE" dirty="0"/>
-              <a:t>- stellt die deklarativen </a:t>
-            </a:r>
-            <a:r>
-              <a:rPr lang="de-DE" dirty="0" err="1"/>
-              <a:t>beschreibungen</a:t>
-            </a:r>
-            <a:r>
-              <a:rPr lang="de-DE" dirty="0"/>
-              <a:t> für </a:t>
-            </a:r>
-            <a:r>
-              <a:rPr lang="de-DE" dirty="0" err="1"/>
-              <a:t>infrastruktur</a:t>
-            </a:r>
-            <a:r>
-              <a:rPr lang="de-DE" dirty="0"/>
-              <a:t> bereit</a:t>
-            </a:r>
-          </a:p>
-          <a:p>
-            <a:r>
-              <a:rPr lang="de-DE" dirty="0"/>
-              <a:t>- sogenannte Custom </a:t>
-            </a:r>
-            <a:r>
-              <a:rPr lang="de-DE" dirty="0" err="1"/>
-              <a:t>Resource</a:t>
-            </a:r>
-            <a:r>
-              <a:rPr lang="de-DE" dirty="0"/>
-              <a:t> (CR) </a:t>
-            </a:r>
-            <a:r>
-              <a:rPr lang="de-DE" dirty="0" err="1"/>
-              <a:t>definitions</a:t>
-            </a:r>
-            <a:endParaRPr lang="de-DE" dirty="0"/>
-          </a:p>
-          <a:p>
-            <a:r>
-              <a:rPr lang="de-DE" dirty="0"/>
-              <a:t>- auf diese CRs </a:t>
-            </a:r>
-            <a:r>
-              <a:rPr lang="de-DE" dirty="0" err="1"/>
-              <a:t>watched</a:t>
-            </a:r>
-            <a:r>
-              <a:rPr lang="de-DE" dirty="0"/>
-              <a:t> der Infra-Operator beim API-Server</a:t>
-            </a:r>
-          </a:p>
-          <a:p>
-            <a:endParaRPr lang="de-DE" dirty="0"/>
-          </a:p>
-          <a:p>
-            <a:r>
-              <a:rPr lang="de-DE" dirty="0"/>
-              <a:t>Kube-Controller bleibt? Nein. </a:t>
-            </a:r>
-            <a:r>
-              <a:rPr lang="de-DE" dirty="0" err="1"/>
-              <a:t>GitOps</a:t>
-            </a:r>
-            <a:r>
-              <a:rPr lang="de-DE" dirty="0"/>
-              <a:t>-Operator/Controller!</a:t>
-            </a:r>
-          </a:p>
-          <a:p>
-            <a:endParaRPr lang="de-DE" dirty="0"/>
-          </a:p>
-          <a:p>
-            <a:r>
-              <a:rPr lang="de-DE" dirty="0" err="1"/>
-              <a:t>GitOps</a:t>
-            </a:r>
-            <a:r>
-              <a:rPr lang="de-DE" dirty="0"/>
-              <a:t>-Operator</a:t>
-            </a:r>
-          </a:p>
-          <a:p>
-            <a:r>
-              <a:rPr lang="de-DE" dirty="0"/>
-              <a:t>- pullt aus dem Cloud-Infrastruktur-Repo (</a:t>
-            </a:r>
-            <a:r>
-              <a:rPr lang="de-DE" dirty="0" err="1"/>
-              <a:t>git</a:t>
-            </a:r>
-            <a:r>
-              <a:rPr lang="de-DE" dirty="0"/>
-              <a:t>)</a:t>
-            </a:r>
-          </a:p>
-          <a:p>
-            <a:r>
-              <a:rPr lang="de-DE" dirty="0"/>
-              <a:t>- dann werden die </a:t>
-            </a:r>
-            <a:r>
-              <a:rPr lang="de-DE" dirty="0" err="1"/>
-              <a:t>resourcen</a:t>
-            </a:r>
-            <a:r>
-              <a:rPr lang="de-DE" dirty="0"/>
-              <a:t> auf den API-Server </a:t>
-            </a:r>
-            <a:r>
-              <a:rPr lang="de-DE" dirty="0" err="1"/>
-              <a:t>applied</a:t>
-            </a:r>
-            <a:endParaRPr lang="de-DE" dirty="0"/>
-          </a:p>
-          <a:p>
-            <a:r>
-              <a:rPr lang="de-DE" dirty="0"/>
-              <a:t>- und von dort aus geht es dann zum Infra-Operator und dieser setzt die (ggf. neuen) CRs dann um</a:t>
-            </a:r>
-          </a:p>
-          <a:p>
-            <a:endParaRPr lang="de-DE" dirty="0"/>
-          </a:p>
-          <a:p>
-            <a:r>
-              <a:rPr lang="de-DE" dirty="0" err="1"/>
-              <a:t>Infra</a:t>
-            </a:r>
-            <a:r>
-              <a:rPr lang="de-DE" dirty="0"/>
-              <a:t> Operator</a:t>
-            </a:r>
-          </a:p>
-          <a:p>
-            <a:r>
-              <a:rPr lang="de-DE" dirty="0"/>
-              <a:t>- umsetzen in irgendeine Cloud Plattform (= </a:t>
-            </a:r>
-            <a:r>
-              <a:rPr lang="de-DE" dirty="0" err="1"/>
-              <a:t>Infra</a:t>
-            </a:r>
-            <a:r>
-              <a:rPr lang="de-DE" dirty="0"/>
-              <a:t> </a:t>
-            </a:r>
-            <a:r>
-              <a:rPr lang="de-DE" dirty="0" err="1"/>
-              <a:t>providers</a:t>
-            </a:r>
-            <a:r>
-              <a:rPr lang="de-DE" dirty="0"/>
-              <a:t> oder auch „bare </a:t>
-            </a:r>
-            <a:r>
-              <a:rPr lang="de-DE" dirty="0" err="1"/>
-              <a:t>metal</a:t>
-            </a:r>
-            <a:r>
-              <a:rPr lang="de-DE" dirty="0"/>
-              <a:t>“ also physischer Server </a:t>
-            </a:r>
-            <a:r>
-              <a:rPr lang="de-DE" dirty="0">
-                <a:sym typeface="Wingdings" panose="05000000000000000000" pitchFamily="2" charset="2"/>
-              </a:rPr>
-              <a:t></a:t>
-            </a:r>
-            <a:r>
-              <a:rPr lang="de-DE" dirty="0"/>
-              <a:t>)</a:t>
-            </a:r>
-          </a:p>
-          <a:p>
-            <a:endParaRPr lang="de-DE" dirty="0"/>
-          </a:p>
-          <a:p>
-            <a:r>
-              <a:rPr lang="de-DE" dirty="0"/>
-              <a:t>Am „Ende“ haben wir dann unsere Target Cluster</a:t>
-            </a:r>
-          </a:p>
-          <a:p>
-            <a:r>
-              <a:rPr lang="de-DE" dirty="0"/>
-              <a:t>Und auf diese kann der </a:t>
-            </a:r>
-            <a:r>
-              <a:rPr lang="de-DE" dirty="0" err="1"/>
-              <a:t>GitOps</a:t>
-            </a:r>
-            <a:r>
-              <a:rPr lang="de-DE" dirty="0"/>
-              <a:t>-Operator auch Anwendungen/Software deployen</a:t>
-            </a:r>
-          </a:p>
-          <a:p>
-            <a:endParaRPr lang="de-DE" dirty="0"/>
-          </a:p>
-          <a:p>
-            <a:endParaRPr lang="de-DE" dirty="0"/>
-          </a:p>
-          <a:p>
-            <a:endParaRPr lang="de-DE" dirty="0"/>
-          </a:p>
-          <a:p>
-            <a:r>
-              <a:rPr lang="de-DE" dirty="0" err="1"/>
-              <a:t>Infra</a:t>
-            </a:r>
-            <a:r>
-              <a:rPr lang="de-DE" dirty="0"/>
-              <a:t> </a:t>
-            </a:r>
-            <a:r>
-              <a:rPr lang="de-DE" dirty="0" err="1"/>
-              <a:t>operator</a:t>
-            </a:r>
-            <a:r>
-              <a:rPr lang="de-DE" dirty="0"/>
-              <a:t>…?</a:t>
-            </a:r>
-          </a:p>
-          <a:p>
-            <a:r>
-              <a:rPr lang="de-DE" dirty="0"/>
-              <a:t>https://github.com/openstack-k8s-operators/infra-operator</a:t>
-            </a:r>
           </a:p>
         </p:txBody>
       </p:sp>
@@ -3278,7 +3044,7 @@
             <a:fld id="{18182567-388C-4D33-8B7B-A651F195F118}" type="slidenum">
               <a:rPr lang="de-DE" altLang="de-DE" smtClean="0"/>
               <a:pPr/>
-              <a:t>25</a:t>
+              <a:t>24</a:t>
             </a:fld>
             <a:endParaRPr lang="de-DE" altLang="de-DE"/>
           </a:p>
@@ -3287,7 +3053,7 @@
     </p:spTree>
     <p:extLst>
       <p:ext uri="{BB962C8B-B14F-4D97-AF65-F5344CB8AC3E}">
-        <p14:creationId xmlns:p14="http://schemas.microsoft.com/office/powerpoint/2010/main" val="1843041313"/>
+        <p14:creationId xmlns:p14="http://schemas.microsoft.com/office/powerpoint/2010/main" val="2745888912"/>
       </p:ext>
     </p:extLst>
   </p:cSld>
@@ -3342,21 +3108,251 @@
           <a:lstStyle/>
           <a:p>
             <a:r>
+              <a:rPr lang="de-DE" dirty="0" err="1"/>
+              <a:t>Infra</a:t>
+            </a:r>
+            <a:r>
               <a:rPr lang="de-DE" dirty="0"/>
-              <a:t>Quelle Bild:</a:t>
-            </a:r>
+              <a:t> </a:t>
+            </a:r>
+            <a:r>
+              <a:rPr lang="de-DE" dirty="0" err="1"/>
+              <a:t>operator</a:t>
+            </a:r>
+            <a:endParaRPr lang="de-DE" dirty="0"/>
           </a:p>
           <a:p>
             <a:r>
               <a:rPr lang="de-DE" dirty="0"/>
-              <a:t>https://www.hosteurope.de/blog/exx-gitops-eine-einfuehrung-in-cloud-native-continuous-delivery/</a:t>
-            </a:r>
-          </a:p>
-          <a:p>
+              <a:t>- stellt die deklarativen </a:t>
+            </a:r>
+            <a:r>
+              <a:rPr lang="de-DE" dirty="0" err="1"/>
+              <a:t>beschreibungen</a:t>
+            </a:r>
+            <a:r>
+              <a:rPr lang="de-DE" dirty="0"/>
+              <a:t> für </a:t>
+            </a:r>
+            <a:r>
+              <a:rPr lang="de-DE" dirty="0" err="1"/>
+              <a:t>infrastruktur</a:t>
+            </a:r>
+            <a:r>
+              <a:rPr lang="de-DE" dirty="0"/>
+              <a:t> bereit</a:t>
+            </a:r>
+          </a:p>
+          <a:p>
+            <a:r>
+              <a:rPr lang="de-DE" dirty="0"/>
+              <a:t>- sogenannte Custom </a:t>
+            </a:r>
+            <a:r>
+              <a:rPr lang="de-DE" dirty="0" err="1"/>
+              <a:t>Resource</a:t>
+            </a:r>
+            <a:r>
+              <a:rPr lang="de-DE" dirty="0"/>
+              <a:t> (CR) </a:t>
+            </a:r>
+            <a:r>
+              <a:rPr lang="de-DE" dirty="0" err="1"/>
+              <a:t>definitions</a:t>
+            </a:r>
             <a:endParaRPr lang="de-DE" dirty="0"/>
           </a:p>
           <a:p>
+            <a:r>
+              <a:rPr lang="de-DE" dirty="0"/>
+              <a:t>- auf diese CRs </a:t>
+            </a:r>
+            <a:r>
+              <a:rPr lang="de-DE" dirty="0" err="1"/>
+              <a:t>watched</a:t>
+            </a:r>
+            <a:r>
+              <a:rPr lang="de-DE" dirty="0"/>
+              <a:t> der Infra-Operator beim API-Server</a:t>
+            </a:r>
+          </a:p>
+          <a:p>
             <a:endParaRPr lang="de-DE" dirty="0"/>
+          </a:p>
+          <a:p>
+            <a:r>
+              <a:rPr lang="de-DE" dirty="0"/>
+              <a:t>Kube-Controller bleibt? Nein. </a:t>
+            </a:r>
+            <a:r>
+              <a:rPr lang="de-DE" dirty="0" err="1"/>
+              <a:t>GitOps</a:t>
+            </a:r>
+            <a:r>
+              <a:rPr lang="de-DE" dirty="0"/>
+              <a:t>-Operator/Controller!</a:t>
+            </a:r>
+          </a:p>
+          <a:p>
+            <a:endParaRPr lang="de-DE" dirty="0"/>
+          </a:p>
+          <a:p>
+            <a:r>
+              <a:rPr lang="de-DE" dirty="0" err="1"/>
+              <a:t>GitOps</a:t>
+            </a:r>
+            <a:r>
+              <a:rPr lang="de-DE" dirty="0"/>
+              <a:t>-Operator</a:t>
+            </a:r>
+          </a:p>
+          <a:p>
+            <a:r>
+              <a:rPr lang="de-DE" dirty="0"/>
+              <a:t>- pullt aus dem Cloud-Infrastruktur-Repo (</a:t>
+            </a:r>
+            <a:r>
+              <a:rPr lang="de-DE" dirty="0" err="1"/>
+              <a:t>git</a:t>
+            </a:r>
+            <a:r>
+              <a:rPr lang="de-DE" dirty="0"/>
+              <a:t>)</a:t>
+            </a:r>
+          </a:p>
+          <a:p>
+            <a:r>
+              <a:rPr lang="de-DE" dirty="0"/>
+              <a:t>- dann werden die </a:t>
+            </a:r>
+            <a:r>
+              <a:rPr lang="de-DE" dirty="0" err="1"/>
+              <a:t>resourcen</a:t>
+            </a:r>
+            <a:r>
+              <a:rPr lang="de-DE" dirty="0"/>
+              <a:t> auf den API-Server </a:t>
+            </a:r>
+            <a:r>
+              <a:rPr lang="de-DE" dirty="0" err="1"/>
+              <a:t>applied</a:t>
+            </a:r>
+            <a:endParaRPr lang="de-DE" dirty="0"/>
+          </a:p>
+          <a:p>
+            <a:r>
+              <a:rPr lang="de-DE" dirty="0"/>
+              <a:t>- und von dort aus geht es dann zum Infra-Operator und dieser setzt die (ggf. neuen) CRs dann um</a:t>
+            </a:r>
+          </a:p>
+          <a:p>
+            <a:endParaRPr lang="de-DE" dirty="0"/>
+          </a:p>
+          <a:p>
+            <a:r>
+              <a:rPr lang="de-DE" dirty="0" err="1"/>
+              <a:t>Infra</a:t>
+            </a:r>
+            <a:r>
+              <a:rPr lang="de-DE" dirty="0"/>
+              <a:t> Operator</a:t>
+            </a:r>
+          </a:p>
+          <a:p>
+            <a:r>
+              <a:rPr lang="de-DE" dirty="0"/>
+              <a:t>- umsetzen in irgendeine Cloud Plattform (= </a:t>
+            </a:r>
+            <a:r>
+              <a:rPr lang="de-DE" dirty="0" err="1"/>
+              <a:t>Infra</a:t>
+            </a:r>
+            <a:r>
+              <a:rPr lang="de-DE" dirty="0"/>
+              <a:t> </a:t>
+            </a:r>
+            <a:r>
+              <a:rPr lang="de-DE" dirty="0" err="1"/>
+              <a:t>providers</a:t>
+            </a:r>
+            <a:r>
+              <a:rPr lang="de-DE" dirty="0"/>
+              <a:t> oder auch „bare </a:t>
+            </a:r>
+            <a:r>
+              <a:rPr lang="de-DE" dirty="0" err="1"/>
+              <a:t>metal</a:t>
+            </a:r>
+            <a:r>
+              <a:rPr lang="de-DE" dirty="0"/>
+              <a:t>“ also physischer Server </a:t>
+            </a:r>
+            <a:r>
+              <a:rPr lang="de-DE" dirty="0">
+                <a:sym typeface="Wingdings" panose="05000000000000000000" pitchFamily="2" charset="2"/>
+              </a:rPr>
+              <a:t></a:t>
+            </a:r>
+            <a:r>
+              <a:rPr lang="de-DE" dirty="0"/>
+              <a:t>)</a:t>
+            </a:r>
+          </a:p>
+          <a:p>
+            <a:endParaRPr lang="de-DE" dirty="0"/>
+          </a:p>
+          <a:p>
+            <a:r>
+              <a:rPr lang="de-DE" dirty="0"/>
+              <a:t>Am „Ende“ haben wir dann unsere Target Cluster</a:t>
+            </a:r>
+          </a:p>
+          <a:p>
+            <a:r>
+              <a:rPr lang="de-DE" dirty="0"/>
+              <a:t>Und auf diese kann der </a:t>
+            </a:r>
+            <a:r>
+              <a:rPr lang="de-DE" dirty="0" err="1"/>
+              <a:t>GitOps</a:t>
+            </a:r>
+            <a:r>
+              <a:rPr lang="de-DE" dirty="0"/>
+              <a:t>-Operator auch Anwendungen/Software deployen</a:t>
+            </a:r>
+          </a:p>
+          <a:p>
+            <a:endParaRPr lang="de-DE" dirty="0"/>
+          </a:p>
+          <a:p>
+            <a:endParaRPr lang="de-DE" dirty="0"/>
+          </a:p>
+          <a:p>
+            <a:endParaRPr lang="de-DE" dirty="0"/>
+          </a:p>
+          <a:p>
+            <a:r>
+              <a:rPr lang="de-DE" dirty="0" err="1"/>
+              <a:t>Infra</a:t>
+            </a:r>
+            <a:r>
+              <a:rPr lang="de-DE" dirty="0"/>
+              <a:t> </a:t>
+            </a:r>
+            <a:r>
+              <a:rPr lang="de-DE" dirty="0" err="1"/>
+              <a:t>operator</a:t>
+            </a:r>
+            <a:r>
+              <a:rPr lang="de-DE" dirty="0"/>
+              <a:t>…?</a:t>
+            </a:r>
+          </a:p>
+          <a:p>
+            <a:r>
+              <a:rPr lang="de-DE" dirty="0"/>
+              <a:t>https://github.com/openstack-k8s-operators/infra-operator</a:t>
+            </a:r>
           </a:p>
         </p:txBody>
       </p:sp>
@@ -3378,7 +3374,7 @@
             <a:fld id="{18182567-388C-4D33-8B7B-A651F195F118}" type="slidenum">
               <a:rPr lang="de-DE" altLang="de-DE" smtClean="0"/>
               <a:pPr/>
-              <a:t>28</a:t>
+              <a:t>25</a:t>
             </a:fld>
             <a:endParaRPr lang="de-DE" altLang="de-DE"/>
           </a:p>
@@ -3387,7 +3383,7 @@
     </p:spTree>
     <p:extLst>
       <p:ext uri="{BB962C8B-B14F-4D97-AF65-F5344CB8AC3E}">
-        <p14:creationId xmlns:p14="http://schemas.microsoft.com/office/powerpoint/2010/main" val="2430538478"/>
+        <p14:creationId xmlns:p14="http://schemas.microsoft.com/office/powerpoint/2010/main" val="1843041313"/>
       </p:ext>
     </p:extLst>
   </p:cSld>
@@ -3478,7 +3474,7 @@
             <a:fld id="{18182567-388C-4D33-8B7B-A651F195F118}" type="slidenum">
               <a:rPr lang="de-DE" altLang="de-DE" smtClean="0"/>
               <a:pPr/>
-              <a:t>29</a:t>
+              <a:t>28</a:t>
             </a:fld>
             <a:endParaRPr lang="de-DE" altLang="de-DE"/>
           </a:p>
@@ -3487,7 +3483,7 @@
     </p:spTree>
     <p:extLst>
       <p:ext uri="{BB962C8B-B14F-4D97-AF65-F5344CB8AC3E}">
-        <p14:creationId xmlns:p14="http://schemas.microsoft.com/office/powerpoint/2010/main" val="186718501"/>
+        <p14:creationId xmlns:p14="http://schemas.microsoft.com/office/powerpoint/2010/main" val="2430538478"/>
       </p:ext>
     </p:extLst>
   </p:cSld>
@@ -3543,101 +3539,20 @@
           <a:p>
             <a:r>
               <a:rPr lang="de-DE" dirty="0"/>
-              <a:t>Es gibt bei </a:t>
-            </a:r>
-            <a:r>
-              <a:rPr lang="de-DE" dirty="0" err="1"/>
-              <a:t>GitOps</a:t>
-            </a:r>
+              <a:t>Quelle Bild:</a:t>
+            </a:r>
+          </a:p>
+          <a:p>
             <a:r>
               <a:rPr lang="de-DE" dirty="0"/>
-              <a:t> Operator die Möglichkeit, dass man den Operator automatisierte </a:t>
-            </a:r>
-            <a:r>
-              <a:rPr lang="de-DE" dirty="0" err="1"/>
-              <a:t>updates</a:t>
-            </a:r>
-            <a:r>
-              <a:rPr lang="de-DE" dirty="0"/>
-              <a:t> machen lässt</a:t>
-            </a:r>
-          </a:p>
-          <a:p>
-            <a:r>
-              <a:rPr lang="de-DE" dirty="0"/>
-              <a:t>- </a:t>
-            </a:r>
-            <a:r>
-              <a:rPr lang="de-DE" dirty="0" err="1"/>
-              <a:t>operator</a:t>
-            </a:r>
-            <a:r>
-              <a:rPr lang="de-DE" dirty="0"/>
-              <a:t> kann auf die </a:t>
-            </a:r>
-            <a:r>
-              <a:rPr lang="de-DE" dirty="0" err="1"/>
-              <a:t>container</a:t>
-            </a:r>
-            <a:r>
-              <a:rPr lang="de-DE" dirty="0"/>
-              <a:t> </a:t>
-            </a:r>
-            <a:r>
-              <a:rPr lang="de-DE" dirty="0" err="1"/>
-              <a:t>registry</a:t>
-            </a:r>
-            <a:r>
-              <a:rPr lang="de-DE" dirty="0"/>
-              <a:t> horchen (daher das +</a:t>
-            </a:r>
-            <a:r>
-              <a:rPr lang="de-DE" dirty="0" err="1"/>
-              <a:t>watch</a:t>
-            </a:r>
-            <a:r>
-              <a:rPr lang="de-DE" dirty="0"/>
-              <a:t>)</a:t>
-            </a:r>
-          </a:p>
-          <a:p>
-            <a:r>
-              <a:rPr lang="de-DE" dirty="0"/>
-              <a:t>- und danach dann das </a:t>
-            </a:r>
-            <a:r>
-              <a:rPr lang="de-DE" dirty="0" err="1"/>
-              <a:t>image</a:t>
-            </a:r>
-            <a:r>
-              <a:rPr lang="de-DE" dirty="0"/>
-              <a:t> zurück in </a:t>
-            </a:r>
-            <a:r>
-              <a:rPr lang="de-DE" dirty="0" err="1"/>
-              <a:t>git</a:t>
-            </a:r>
-            <a:r>
-              <a:rPr lang="de-DE" dirty="0"/>
-              <a:t> spielen (daher das +push)</a:t>
+              <a:t>https://www.hosteurope.de/blog/exx-gitops-eine-einfuehrung-in-cloud-native-continuous-delivery/</a:t>
             </a:r>
           </a:p>
           <a:p>
             <a:endParaRPr lang="de-DE" dirty="0"/>
           </a:p>
           <a:p>
-            <a:r>
-              <a:rPr lang="de-DE" dirty="0"/>
-              <a:t>Argo und </a:t>
-            </a:r>
-            <a:r>
-              <a:rPr lang="de-DE" dirty="0" err="1"/>
-              <a:t>Flux</a:t>
-            </a:r>
-            <a:r>
-              <a:rPr lang="de-DE" dirty="0"/>
-              <a:t> haben jeweils Konstrukte dafür. Hier eig. Nicht weiter relevant.</a:t>
-            </a:r>
+            <a:endParaRPr lang="de-DE" dirty="0"/>
           </a:p>
         </p:txBody>
       </p:sp>
@@ -3659,7 +3574,7 @@
             <a:fld id="{18182567-388C-4D33-8B7B-A651F195F118}" type="slidenum">
               <a:rPr lang="de-DE" altLang="de-DE" smtClean="0"/>
               <a:pPr/>
-              <a:t>30</a:t>
+              <a:t>29</a:t>
             </a:fld>
             <a:endParaRPr lang="de-DE" altLang="de-DE"/>
           </a:p>
@@ -3668,7 +3583,7 @@
     </p:spTree>
     <p:extLst>
       <p:ext uri="{BB962C8B-B14F-4D97-AF65-F5344CB8AC3E}">
-        <p14:creationId xmlns:p14="http://schemas.microsoft.com/office/powerpoint/2010/main" val="2158994840"/>
+        <p14:creationId xmlns:p14="http://schemas.microsoft.com/office/powerpoint/2010/main" val="186718501"/>
       </p:ext>
     </p:extLst>
   </p:cSld>
@@ -3723,20 +3638,84 @@
           <a:lstStyle/>
           <a:p>
             <a:r>
+              <a:rPr lang="de-DE" dirty="0"/>
+              <a:t>Es gibt bei </a:t>
+            </a:r>
+            <a:r>
               <a:rPr lang="de-DE" dirty="0" err="1"/>
               <a:t>GitOps</a:t>
             </a:r>
             <a:r>
               <a:rPr lang="de-DE" dirty="0"/>
-              <a:t> Tools: Infrastruktur (</a:t>
+              <a:t> Operator die Möglichkeit, dass man den Operator automatisierte </a:t>
             </a:r>
             <a:r>
               <a:rPr lang="de-DE" dirty="0" err="1"/>
-              <a:t>IaC</a:t>
+              <a:t>updates</a:t>
             </a:r>
             <a:r>
               <a:rPr lang="de-DE" dirty="0"/>
-              <a:t>) in ein separates Repo!</a:t>
+              <a:t> machen lässt</a:t>
+            </a:r>
+          </a:p>
+          <a:p>
+            <a:r>
+              <a:rPr lang="de-DE" dirty="0"/>
+              <a:t>- </a:t>
+            </a:r>
+            <a:r>
+              <a:rPr lang="de-DE" dirty="0" err="1"/>
+              <a:t>operator</a:t>
+            </a:r>
+            <a:r>
+              <a:rPr lang="de-DE" dirty="0"/>
+              <a:t> kann auf die </a:t>
+            </a:r>
+            <a:r>
+              <a:rPr lang="de-DE" dirty="0" err="1"/>
+              <a:t>container</a:t>
+            </a:r>
+            <a:r>
+              <a:rPr lang="de-DE" dirty="0"/>
+              <a:t> </a:t>
+            </a:r>
+            <a:r>
+              <a:rPr lang="de-DE" dirty="0" err="1"/>
+              <a:t>registry</a:t>
+            </a:r>
+            <a:r>
+              <a:rPr lang="de-DE" dirty="0"/>
+              <a:t> horchen (daher das +</a:t>
+            </a:r>
+            <a:r>
+              <a:rPr lang="de-DE" dirty="0" err="1"/>
+              <a:t>watch</a:t>
+            </a:r>
+            <a:r>
+              <a:rPr lang="de-DE" dirty="0"/>
+              <a:t>)</a:t>
+            </a:r>
+          </a:p>
+          <a:p>
+            <a:r>
+              <a:rPr lang="de-DE" dirty="0"/>
+              <a:t>- und danach dann das </a:t>
+            </a:r>
+            <a:r>
+              <a:rPr lang="de-DE" dirty="0" err="1"/>
+              <a:t>image</a:t>
+            </a:r>
+            <a:r>
+              <a:rPr lang="de-DE" dirty="0"/>
+              <a:t> zurück in </a:t>
+            </a:r>
+            <a:r>
+              <a:rPr lang="de-DE" dirty="0" err="1"/>
+              <a:t>git</a:t>
+            </a:r>
+            <a:r>
+              <a:rPr lang="de-DE" dirty="0"/>
+              <a:t> spielen (daher das +push)</a:t>
             </a:r>
           </a:p>
           <a:p>
@@ -3745,209 +3724,16 @@
           <a:p>
             <a:r>
               <a:rPr lang="de-DE" dirty="0"/>
-              <a:t>https://argo-cd.readthedocs.io/en/stable/user-guide/best_practices/</a:t>
-            </a:r>
-          </a:p>
-          <a:p>
-            <a:endParaRPr lang="de-DE" dirty="0"/>
-          </a:p>
-          <a:p>
-            <a:pPr algn="l"/>
-            <a:r>
-              <a:rPr lang="en-US" b="0" i="0" dirty="0">
-                <a:effectLst/>
-                <a:latin typeface="Work Sans" pitchFamily="2" charset="0"/>
-              </a:rPr>
-              <a:t>Best Practices</a:t>
-            </a:r>
-            <a:endParaRPr lang="en-US" b="0" i="0" u="none" strike="noStrike" dirty="0">
-              <a:effectLst/>
-              <a:latin typeface="Work Sans" pitchFamily="2" charset="0"/>
-            </a:endParaRPr>
-          </a:p>
-          <a:p>
-            <a:pPr algn="l"/>
-            <a:endParaRPr lang="en-US" b="0" i="0" dirty="0">
-              <a:effectLst/>
-              <a:latin typeface="Work Sans" pitchFamily="2" charset="0"/>
-            </a:endParaRPr>
-          </a:p>
-          <a:p>
-            <a:pPr algn="l"/>
-            <a:r>
-              <a:rPr lang="en-US" b="0" i="0" dirty="0">
-                <a:effectLst/>
-                <a:latin typeface="Work Sans" pitchFamily="2" charset="0"/>
-              </a:rPr>
-              <a:t>Separating Config Vs. Source Code Repositories</a:t>
-            </a:r>
-            <a:endParaRPr lang="en-US" b="0" i="0" u="none" strike="noStrike" dirty="0">
-              <a:effectLst/>
-              <a:latin typeface="Work Sans" pitchFamily="2" charset="0"/>
-            </a:endParaRPr>
-          </a:p>
-          <a:p>
-            <a:pPr algn="l"/>
-            <a:endParaRPr lang="en-US" b="0" i="0" dirty="0">
-              <a:effectLst/>
-              <a:latin typeface="Work Sans" pitchFamily="2" charset="0"/>
-            </a:endParaRPr>
-          </a:p>
-          <a:p>
-            <a:pPr algn="l"/>
-            <a:r>
-              <a:rPr lang="en-US" b="0" i="0" dirty="0">
-                <a:effectLst/>
-                <a:latin typeface="Work Sans" pitchFamily="2" charset="0"/>
-              </a:rPr>
-              <a:t>Using a separate Git repository to hold your Kubernetes manifests, keeping the config separate from your application source code, is highly recommended for the following reasons:</a:t>
-            </a:r>
-          </a:p>
-          <a:p>
-            <a:pPr algn="l"/>
-            <a:endParaRPr lang="en-US" b="0" i="0" dirty="0">
-              <a:effectLst/>
-              <a:latin typeface="Work Sans" pitchFamily="2" charset="0"/>
-            </a:endParaRPr>
-          </a:p>
-          <a:p>
-            <a:pPr algn="l">
-              <a:buFont typeface="+mj-lt"/>
-              <a:buAutoNum type="arabicPeriod"/>
-            </a:pPr>
-            <a:r>
-              <a:rPr lang="en-US" b="0" i="0" dirty="0">
-                <a:effectLst/>
-                <a:latin typeface="Work Sans" pitchFamily="2" charset="0"/>
-              </a:rPr>
-              <a:t>It provides a clean separation of application code vs. application config. There will be times when you wish to modify just the manifests without triggering an entire CI build. For example, you likely do </a:t>
-            </a:r>
-            <a:r>
-              <a:rPr lang="en-US" b="0" i="1" dirty="0">
-                <a:effectLst/>
-                <a:latin typeface="Work Sans" pitchFamily="2" charset="0"/>
-              </a:rPr>
-              <a:t>not</a:t>
-            </a:r>
-            <a:r>
-              <a:rPr lang="en-US" b="0" i="0" dirty="0">
-                <a:effectLst/>
-                <a:latin typeface="Work Sans" pitchFamily="2" charset="0"/>
-              </a:rPr>
-              <a:t> want to trigger a build if you simply wish to bump the number of replicas in a Deployment spec.</a:t>
-            </a:r>
-          </a:p>
-          <a:p>
-            <a:pPr algn="l">
-              <a:buFont typeface="+mj-lt"/>
-              <a:buAutoNum type="arabicPeriod"/>
-            </a:pPr>
-            <a:endParaRPr lang="en-US" b="0" i="0" dirty="0">
-              <a:effectLst/>
-              <a:latin typeface="Work Sans" pitchFamily="2" charset="0"/>
-            </a:endParaRPr>
-          </a:p>
-          <a:p>
-            <a:pPr algn="l">
-              <a:buFont typeface="+mj-lt"/>
-              <a:buAutoNum type="arabicPeriod"/>
-            </a:pPr>
-            <a:r>
-              <a:rPr lang="en-US" b="0" i="0" dirty="0">
-                <a:effectLst/>
-                <a:latin typeface="Work Sans" pitchFamily="2" charset="0"/>
-              </a:rPr>
-              <a:t>Cleaner audit log. For auditing purposes, a repo which only holds configuration will have a much cleaner Git history of what changes were made, without the noise coming from check-ins due to normal development activity.</a:t>
-            </a:r>
-          </a:p>
-          <a:p>
-            <a:pPr algn="l">
-              <a:buFont typeface="+mj-lt"/>
-              <a:buAutoNum type="arabicPeriod"/>
-            </a:pPr>
-            <a:endParaRPr lang="en-US" b="0" i="0" dirty="0">
-              <a:effectLst/>
-              <a:latin typeface="Work Sans" pitchFamily="2" charset="0"/>
-            </a:endParaRPr>
-          </a:p>
-          <a:p>
-            <a:pPr algn="l">
-              <a:buFont typeface="+mj-lt"/>
-              <a:buAutoNum type="arabicPeriod"/>
-            </a:pPr>
-            <a:r>
-              <a:rPr lang="en-US" b="0" i="0" dirty="0">
-                <a:effectLst/>
-                <a:latin typeface="Work Sans" pitchFamily="2" charset="0"/>
-              </a:rPr>
-              <a:t>Your application may be comprised of services built from multiple Git repositories, but is deployed as a single unit. Oftentimes, microservices applications are comprised of services with different versioning schemes, and release cycles (e.g. ELK, Kafka + </a:t>
-            </a:r>
-            <a:r>
-              <a:rPr lang="en-US" b="0" i="0" dirty="0" err="1">
-                <a:effectLst/>
-                <a:latin typeface="Work Sans" pitchFamily="2" charset="0"/>
-              </a:rPr>
-              <a:t>ZooKeeper</a:t>
-            </a:r>
-            <a:r>
-              <a:rPr lang="en-US" b="0" i="0" dirty="0">
-                <a:effectLst/>
-                <a:latin typeface="Work Sans" pitchFamily="2" charset="0"/>
-              </a:rPr>
-              <a:t>). It may not make sense to store the manifests in one of the source code repositories of a single component.</a:t>
-            </a:r>
-          </a:p>
-          <a:p>
-            <a:pPr algn="l">
-              <a:buFont typeface="+mj-lt"/>
-              <a:buAutoNum type="arabicPeriod"/>
-            </a:pPr>
-            <a:endParaRPr lang="en-US" b="0" i="0" dirty="0">
-              <a:effectLst/>
-              <a:latin typeface="Work Sans" pitchFamily="2" charset="0"/>
-            </a:endParaRPr>
-          </a:p>
-          <a:p>
-            <a:pPr algn="l">
-              <a:buFont typeface="+mj-lt"/>
-              <a:buAutoNum type="arabicPeriod"/>
-            </a:pPr>
-            <a:r>
-              <a:rPr lang="en-US" b="0" i="0" dirty="0">
-                <a:effectLst/>
-                <a:latin typeface="Work Sans" pitchFamily="2" charset="0"/>
-              </a:rPr>
-              <a:t>Separation of access. The developers who are developing the application, may not necessarily be the same people who can/should push to production environments, either intentionally or unintentionally. By having separate repos, commit access can be given to the source code repo, and not the application config repo.</a:t>
-            </a:r>
-          </a:p>
-          <a:p>
-            <a:pPr algn="l">
-              <a:buFont typeface="+mj-lt"/>
-              <a:buAutoNum type="arabicPeriod"/>
-            </a:pPr>
-            <a:endParaRPr lang="en-US" b="0" i="0" dirty="0">
-              <a:effectLst/>
-              <a:latin typeface="Work Sans" pitchFamily="2" charset="0"/>
-            </a:endParaRPr>
-          </a:p>
-          <a:p>
-            <a:pPr algn="l">
-              <a:buFont typeface="+mj-lt"/>
-              <a:buAutoNum type="arabicPeriod"/>
-            </a:pPr>
-            <a:r>
-              <a:rPr lang="en-US" b="0" i="0" dirty="0">
-                <a:effectLst/>
-                <a:latin typeface="Work Sans" pitchFamily="2" charset="0"/>
-              </a:rPr>
-              <a:t>If you are automating your CI pipeline, pushing manifest changes to the same Git repository can trigger an infinite loop of build jobs and Git commit triggers. Having a separate repo to push config changes to, prevents this from happening.</a:t>
-            </a:r>
-          </a:p>
-          <a:p>
-            <a:endParaRPr lang="de-DE" dirty="0"/>
-          </a:p>
-          <a:p>
-            <a:endParaRPr lang="de-DE" dirty="0"/>
+              <a:t>Argo und </a:t>
+            </a:r>
+            <a:r>
+              <a:rPr lang="de-DE" dirty="0" err="1"/>
+              <a:t>Flux</a:t>
+            </a:r>
+            <a:r>
+              <a:rPr lang="de-DE" dirty="0"/>
+              <a:t> haben jeweils Konstrukte dafür. Hier eig. Nicht weiter relevant.</a:t>
+            </a:r>
           </a:p>
         </p:txBody>
       </p:sp>
@@ -3969,7 +3755,7 @@
             <a:fld id="{18182567-388C-4D33-8B7B-A651F195F118}" type="slidenum">
               <a:rPr lang="de-DE" altLang="de-DE" smtClean="0"/>
               <a:pPr/>
-              <a:t>31</a:t>
+              <a:t>30</a:t>
             </a:fld>
             <a:endParaRPr lang="de-DE" altLang="de-DE"/>
           </a:p>
@@ -3978,7 +3764,7 @@
     </p:spTree>
     <p:extLst>
       <p:ext uri="{BB962C8B-B14F-4D97-AF65-F5344CB8AC3E}">
-        <p14:creationId xmlns:p14="http://schemas.microsoft.com/office/powerpoint/2010/main" val="1390618214"/>
+        <p14:creationId xmlns:p14="http://schemas.microsoft.com/office/powerpoint/2010/main" val="2158994840"/>
       </p:ext>
     </p:extLst>
   </p:cSld>
@@ -4033,137 +3819,231 @@
           <a:lstStyle/>
           <a:p>
             <a:r>
+              <a:rPr lang="de-DE" dirty="0" err="1"/>
+              <a:t>GitOps</a:t>
+            </a:r>
+            <a:r>
               <a:rPr lang="de-DE" dirty="0"/>
-              <a:t>Vorteile:</a:t>
-            </a:r>
-          </a:p>
-          <a:p>
-            <a:pPr marL="171450" indent="-171450">
-              <a:buFont typeface="Arial" panose="020B0604020202020204" pitchFamily="34" charset="0"/>
-              <a:buChar char="•"/>
-            </a:pPr>
+              <a:t> Tools: Infrastruktur (</a:t>
+            </a:r>
+            <a:r>
+              <a:rPr lang="de-DE" dirty="0" err="1"/>
+              <a:t>IaC</a:t>
+            </a:r>
             <a:r>
               <a:rPr lang="de-DE" dirty="0"/>
-              <a:t>Einzelnes Repo für die Entwicklung! (Höhere Effizienz)</a:t>
-            </a:r>
-          </a:p>
-          <a:p>
-            <a:pPr marL="171450" indent="-171450">
-              <a:buFont typeface="Arial" panose="020B0604020202020204" pitchFamily="34" charset="0"/>
-              <a:buChar char="•"/>
-            </a:pPr>
+              <a:t>) in ein separates Repo!</a:t>
+            </a:r>
+          </a:p>
+          <a:p>
+            <a:endParaRPr lang="de-DE" dirty="0"/>
+          </a:p>
+          <a:p>
             <a:r>
               <a:rPr lang="de-DE" dirty="0"/>
-              <a:t>Automatisiertes </a:t>
-            </a:r>
-            <a:r>
-              <a:rPr lang="de-DE" dirty="0" err="1"/>
-              <a:t>Staging</a:t>
-            </a:r>
-            <a:r>
-              <a:rPr lang="de-DE" dirty="0"/>
-              <a:t> möglich (pull </a:t>
-            </a:r>
-            <a:r>
-              <a:rPr lang="de-DE" dirty="0" err="1"/>
-              <a:t>request</a:t>
-            </a:r>
-            <a:r>
-              <a:rPr lang="de-DE" dirty="0"/>
-              <a:t> Erzeugung, Namespaces)</a:t>
-            </a:r>
-          </a:p>
-          <a:p>
-            <a:pPr marL="171450" indent="-171450">
-              <a:buFont typeface="Arial" panose="020B0604020202020204" pitchFamily="34" charset="0"/>
-              <a:buChar char="•"/>
-            </a:pPr>
-            <a:r>
-              <a:rPr lang="de-DE" dirty="0"/>
-              <a:t>Shift-</a:t>
-            </a:r>
-            <a:r>
-              <a:rPr lang="de-DE" dirty="0" err="1"/>
-              <a:t>Left</a:t>
-            </a:r>
-            <a:r>
-              <a:rPr lang="de-DE" dirty="0"/>
-              <a:t>-Ansatz möglich! (Tests, Lint, Policy Check, ….)</a:t>
-            </a:r>
-          </a:p>
-          <a:p>
-            <a:pPr marL="628650" lvl="1" indent="-171450">
-              <a:buFont typeface="Arial" panose="020B0604020202020204" pitchFamily="34" charset="0"/>
-              <a:buChar char="•"/>
-            </a:pPr>
-            <a:r>
-              <a:rPr lang="de-DE" dirty="0"/>
-              <a:t>mit </a:t>
-            </a:r>
-            <a:r>
-              <a:rPr lang="de-DE" dirty="0" err="1"/>
-              <a:t>yamlint</a:t>
-            </a:r>
-            <a:r>
-              <a:rPr lang="de-DE" dirty="0"/>
-              <a:t>, </a:t>
-            </a:r>
-            <a:r>
-              <a:rPr lang="de-DE" dirty="0" err="1"/>
-              <a:t>kubeval</a:t>
-            </a:r>
-            <a:r>
-              <a:rPr lang="de-DE" dirty="0"/>
-              <a:t>, </a:t>
-            </a:r>
-            <a:r>
-              <a:rPr lang="de-DE" dirty="0" err="1"/>
-              <a:t>helm</a:t>
-            </a:r>
-            <a:r>
-              <a:rPr lang="de-DE" dirty="0"/>
-              <a:t> </a:t>
-            </a:r>
-            <a:r>
-              <a:rPr lang="de-DE" dirty="0" err="1"/>
-              <a:t>lint</a:t>
-            </a:r>
-            <a:r>
-              <a:rPr lang="de-DE" dirty="0"/>
-              <a:t>, </a:t>
-            </a:r>
-            <a:r>
-              <a:rPr lang="de-DE" dirty="0" err="1"/>
-              <a:t>conftest</a:t>
-            </a:r>
+              <a:t>https://argo-cd.readthedocs.io/en/stable/user-guide/best_practices/</a:t>
+            </a:r>
+          </a:p>
+          <a:p>
             <a:endParaRPr lang="de-DE" dirty="0"/>
           </a:p>
           <a:p>
-            <a:pPr marL="171450" indent="-171450">
-              <a:buFont typeface="Arial" panose="020B0604020202020204" pitchFamily="34" charset="0"/>
-              <a:buChar char="•"/>
-            </a:pPr>
+            <a:pPr algn="l"/>
+            <a:r>
+              <a:rPr lang="en-US" b="0" i="0" dirty="0">
+                <a:effectLst/>
+                <a:latin typeface="Work Sans" pitchFamily="2" charset="0"/>
+              </a:rPr>
+              <a:t>Best Practices</a:t>
+            </a:r>
+            <a:endParaRPr lang="en-US" b="0" i="0" u="none" strike="noStrike" dirty="0">
+              <a:effectLst/>
+              <a:latin typeface="Work Sans" pitchFamily="2" charset="0"/>
+            </a:endParaRPr>
+          </a:p>
+          <a:p>
+            <a:pPr algn="l"/>
+            <a:endParaRPr lang="en-US" b="0" i="0" dirty="0">
+              <a:effectLst/>
+              <a:latin typeface="Work Sans" pitchFamily="2" charset="0"/>
+            </a:endParaRPr>
+          </a:p>
+          <a:p>
+            <a:pPr algn="l"/>
+            <a:r>
+              <a:rPr lang="en-US" b="0" i="0" dirty="0">
+                <a:effectLst/>
+                <a:latin typeface="Work Sans" pitchFamily="2" charset="0"/>
+              </a:rPr>
+              <a:t>Separating Config Vs. Source Code Repositories</a:t>
+            </a:r>
+            <a:endParaRPr lang="en-US" b="0" i="0" u="none" strike="noStrike" dirty="0">
+              <a:effectLst/>
+              <a:latin typeface="Work Sans" pitchFamily="2" charset="0"/>
+            </a:endParaRPr>
+          </a:p>
+          <a:p>
+            <a:pPr algn="l"/>
+            <a:endParaRPr lang="en-US" b="0" i="0" dirty="0">
+              <a:effectLst/>
+              <a:latin typeface="Work Sans" pitchFamily="2" charset="0"/>
+            </a:endParaRPr>
+          </a:p>
+          <a:p>
+            <a:pPr algn="l"/>
+            <a:r>
+              <a:rPr lang="en-US" b="0" i="0" dirty="0">
+                <a:effectLst/>
+                <a:latin typeface="Work Sans" pitchFamily="2" charset="0"/>
+              </a:rPr>
+              <a:t>Using a separate Git repository to hold your Kubernetes manifests, keeping the config separate from your application source code, is highly recommended for the following reasons:</a:t>
+            </a:r>
+          </a:p>
+          <a:p>
+            <a:pPr algn="l"/>
+            <a:endParaRPr lang="en-US" b="0" i="0" dirty="0">
+              <a:effectLst/>
+              <a:latin typeface="Work Sans" pitchFamily="2" charset="0"/>
+            </a:endParaRPr>
+          </a:p>
+          <a:p>
+            <a:pPr algn="l">
+              <a:buFont typeface="+mj-lt"/>
+              <a:buAutoNum type="arabicPeriod"/>
+            </a:pPr>
+            <a:r>
+              <a:rPr lang="en-US" b="0" i="0" dirty="0">
+                <a:effectLst/>
+                <a:latin typeface="Work Sans" pitchFamily="2" charset="0"/>
+              </a:rPr>
+              <a:t>It provides a clean separation of application code vs. application config. There will be times when you wish to modify just the manifests without triggering an entire CI build. For example, you likely do </a:t>
+            </a:r>
+            <a:r>
+              <a:rPr lang="en-US" b="0" i="1" dirty="0">
+                <a:effectLst/>
+                <a:latin typeface="Work Sans" pitchFamily="2" charset="0"/>
+              </a:rPr>
+              <a:t>not</a:t>
+            </a:r>
+            <a:r>
+              <a:rPr lang="en-US" b="0" i="0" dirty="0">
+                <a:effectLst/>
+                <a:latin typeface="Work Sans" pitchFamily="2" charset="0"/>
+              </a:rPr>
+              <a:t> want to trigger a build if you simply wish to bump the number of replicas in a Deployment spec.</a:t>
+            </a:r>
+          </a:p>
+          <a:p>
+            <a:pPr algn="l">
+              <a:buFont typeface="+mj-lt"/>
+              <a:buAutoNum type="arabicPeriod"/>
+            </a:pPr>
+            <a:endParaRPr lang="en-US" b="0" i="0" dirty="0">
+              <a:effectLst/>
+              <a:latin typeface="Work Sans" pitchFamily="2" charset="0"/>
+            </a:endParaRPr>
+          </a:p>
+          <a:p>
+            <a:pPr algn="l">
+              <a:buFont typeface="+mj-lt"/>
+              <a:buAutoNum type="arabicPeriod"/>
+            </a:pPr>
+            <a:r>
+              <a:rPr lang="en-US" b="0" i="0" dirty="0">
+                <a:effectLst/>
+                <a:latin typeface="Work Sans" pitchFamily="2" charset="0"/>
+              </a:rPr>
+              <a:t>Cleaner audit log. For auditing purposes, a repo which only holds configuration will have a much cleaner Git history of what changes were made, without the noise coming from check-ins due to normal development activity.</a:t>
+            </a:r>
+          </a:p>
+          <a:p>
+            <a:pPr algn="l">
+              <a:buFont typeface="+mj-lt"/>
+              <a:buAutoNum type="arabicPeriod"/>
+            </a:pPr>
+            <a:endParaRPr lang="en-US" b="0" i="0" dirty="0">
+              <a:effectLst/>
+              <a:latin typeface="Work Sans" pitchFamily="2" charset="0"/>
+            </a:endParaRPr>
+          </a:p>
+          <a:p>
+            <a:pPr algn="l">
+              <a:buFont typeface="+mj-lt"/>
+              <a:buAutoNum type="arabicPeriod"/>
+            </a:pPr>
+            <a:r>
+              <a:rPr lang="en-US" b="0" i="0" dirty="0">
+                <a:effectLst/>
+                <a:latin typeface="Work Sans" pitchFamily="2" charset="0"/>
+              </a:rPr>
+              <a:t>Your application may be comprised of services built from multiple Git repositories, but is deployed as a single unit. Oftentimes, microservices applications are comprised of services with different versioning schemes, and release cycles (e.g. ELK, Kafka + </a:t>
+            </a:r>
+            <a:r>
+              <a:rPr lang="en-US" b="0" i="0" dirty="0" err="1">
+                <a:effectLst/>
+                <a:latin typeface="Work Sans" pitchFamily="2" charset="0"/>
+              </a:rPr>
+              <a:t>ZooKeeper</a:t>
+            </a:r>
+            <a:r>
+              <a:rPr lang="en-US" b="0" i="0" dirty="0">
+                <a:effectLst/>
+                <a:latin typeface="Work Sans" pitchFamily="2" charset="0"/>
+              </a:rPr>
+              <a:t>). It may not make sense to store the manifests in one of the source code repositories of a single component.</a:t>
+            </a:r>
+          </a:p>
+          <a:p>
+            <a:pPr algn="l">
+              <a:buFont typeface="+mj-lt"/>
+              <a:buAutoNum type="arabicPeriod"/>
+            </a:pPr>
+            <a:endParaRPr lang="en-US" b="0" i="0" dirty="0">
+              <a:effectLst/>
+              <a:latin typeface="Work Sans" pitchFamily="2" charset="0"/>
+            </a:endParaRPr>
+          </a:p>
+          <a:p>
+            <a:pPr algn="l">
+              <a:buFont typeface="+mj-lt"/>
+              <a:buAutoNum type="arabicPeriod"/>
+            </a:pPr>
+            <a:r>
+              <a:rPr lang="en-US" b="0" i="0" dirty="0">
+                <a:effectLst/>
+                <a:latin typeface="Work Sans" pitchFamily="2" charset="0"/>
+              </a:rPr>
+              <a:t>Separation of access. The developers who are developing the application, may not necessarily be the same people who can/should push to production environments, either intentionally or unintentionally. By having separate repos, commit access can be given to the source code repo, and not the application config repo.</a:t>
+            </a:r>
+          </a:p>
+          <a:p>
+            <a:pPr algn="l">
+              <a:buFont typeface="+mj-lt"/>
+              <a:buAutoNum type="arabicPeriod"/>
+            </a:pPr>
+            <a:endParaRPr lang="en-US" b="0" i="0" dirty="0">
+              <a:effectLst/>
+              <a:latin typeface="Work Sans" pitchFamily="2" charset="0"/>
+            </a:endParaRPr>
+          </a:p>
+          <a:p>
+            <a:pPr algn="l">
+              <a:buFont typeface="+mj-lt"/>
+              <a:buAutoNum type="arabicPeriod"/>
+            </a:pPr>
+            <a:r>
+              <a:rPr lang="en-US" b="0" i="0" dirty="0">
+                <a:effectLst/>
+                <a:latin typeface="Work Sans" pitchFamily="2" charset="0"/>
+              </a:rPr>
+              <a:t>If you are automating your CI pipeline, pushing manifest changes to the same Git repository can trigger an infinite loop of build jobs and Git commit triggers. Having a separate repo to push config changes to, prevents this from happening.</a:t>
+            </a:r>
+          </a:p>
+          <a:p>
             <a:endParaRPr lang="de-DE" dirty="0"/>
           </a:p>
           <a:p>
-            <a:pPr marL="0" indent="0">
-              <a:buFont typeface="Arial" panose="020B0604020202020204" pitchFamily="34" charset="0"/>
-              <a:buNone/>
-            </a:pPr>
-            <a:r>
-              <a:rPr lang="de-DE" dirty="0"/>
-              <a:t>Nachteile:</a:t>
-            </a:r>
-          </a:p>
-          <a:p>
-            <a:pPr marL="171450" indent="-171450">
-              <a:buFont typeface="Arial" panose="020B0604020202020204" pitchFamily="34" charset="0"/>
-              <a:buChar char="•"/>
-            </a:pPr>
-            <a:r>
-              <a:rPr lang="de-DE" dirty="0"/>
-              <a:t>Komplexität steckt im Detail… Oder eben in den CI Pipelines.</a:t>
-            </a:r>
+            <a:endParaRPr lang="de-DE" dirty="0"/>
           </a:p>
         </p:txBody>
       </p:sp>
@@ -4185,7 +4065,7 @@
             <a:fld id="{18182567-388C-4D33-8B7B-A651F195F118}" type="slidenum">
               <a:rPr lang="de-DE" altLang="de-DE" smtClean="0"/>
               <a:pPr/>
-              <a:t>34</a:t>
+              <a:t>31</a:t>
             </a:fld>
             <a:endParaRPr lang="de-DE" altLang="de-DE"/>
           </a:p>
@@ -4194,7 +4074,7 @@
     </p:spTree>
     <p:extLst>
       <p:ext uri="{BB962C8B-B14F-4D97-AF65-F5344CB8AC3E}">
-        <p14:creationId xmlns:p14="http://schemas.microsoft.com/office/powerpoint/2010/main" val="1497522267"/>
+        <p14:creationId xmlns:p14="http://schemas.microsoft.com/office/powerpoint/2010/main" val="1390618214"/>
       </p:ext>
     </p:extLst>
   </p:cSld>
@@ -4401,7 +4281,7 @@
             <a:fld id="{18182567-388C-4D33-8B7B-A651F195F118}" type="slidenum">
               <a:rPr lang="de-DE" altLang="de-DE" smtClean="0"/>
               <a:pPr/>
-              <a:t>35</a:t>
+              <a:t>34</a:t>
             </a:fld>
             <a:endParaRPr lang="de-DE" altLang="de-DE"/>
           </a:p>
@@ -4410,7 +4290,7 @@
     </p:spTree>
     <p:extLst>
       <p:ext uri="{BB962C8B-B14F-4D97-AF65-F5344CB8AC3E}">
-        <p14:creationId xmlns:p14="http://schemas.microsoft.com/office/powerpoint/2010/main" val="2083903176"/>
+        <p14:creationId xmlns:p14="http://schemas.microsoft.com/office/powerpoint/2010/main" val="1497522267"/>
       </p:ext>
     </p:extLst>
   </p:cSld>
@@ -4464,7 +4344,138 @@
           <a:bodyPr/>
           <a:lstStyle/>
           <a:p>
+            <a:r>
+              <a:rPr lang="de-DE" dirty="0"/>
+              <a:t>Vorteile:</a:t>
+            </a:r>
+          </a:p>
+          <a:p>
+            <a:pPr marL="171450" indent="-171450">
+              <a:buFont typeface="Arial" panose="020B0604020202020204" pitchFamily="34" charset="0"/>
+              <a:buChar char="•"/>
+            </a:pPr>
+            <a:r>
+              <a:rPr lang="de-DE" dirty="0"/>
+              <a:t>Einzelnes Repo für die Entwicklung! (Höhere Effizienz)</a:t>
+            </a:r>
+          </a:p>
+          <a:p>
+            <a:pPr marL="171450" indent="-171450">
+              <a:buFont typeface="Arial" panose="020B0604020202020204" pitchFamily="34" charset="0"/>
+              <a:buChar char="•"/>
+            </a:pPr>
+            <a:r>
+              <a:rPr lang="de-DE" dirty="0"/>
+              <a:t>Automatisiertes </a:t>
+            </a:r>
+            <a:r>
+              <a:rPr lang="de-DE" dirty="0" err="1"/>
+              <a:t>Staging</a:t>
+            </a:r>
+            <a:r>
+              <a:rPr lang="de-DE" dirty="0"/>
+              <a:t> möglich (pull </a:t>
+            </a:r>
+            <a:r>
+              <a:rPr lang="de-DE" dirty="0" err="1"/>
+              <a:t>request</a:t>
+            </a:r>
+            <a:r>
+              <a:rPr lang="de-DE" dirty="0"/>
+              <a:t> Erzeugung, Namespaces)</a:t>
+            </a:r>
+          </a:p>
+          <a:p>
+            <a:pPr marL="171450" indent="-171450">
+              <a:buFont typeface="Arial" panose="020B0604020202020204" pitchFamily="34" charset="0"/>
+              <a:buChar char="•"/>
+            </a:pPr>
+            <a:r>
+              <a:rPr lang="de-DE" dirty="0"/>
+              <a:t>Shift-</a:t>
+            </a:r>
+            <a:r>
+              <a:rPr lang="de-DE" dirty="0" err="1"/>
+              <a:t>Left</a:t>
+            </a:r>
+            <a:r>
+              <a:rPr lang="de-DE" dirty="0"/>
+              <a:t>-Ansatz möglich! (Tests, Lint, Policy Check, ….)</a:t>
+            </a:r>
+          </a:p>
+          <a:p>
+            <a:pPr marL="628650" lvl="1" indent="-171450">
+              <a:buFont typeface="Arial" panose="020B0604020202020204" pitchFamily="34" charset="0"/>
+              <a:buChar char="•"/>
+            </a:pPr>
+            <a:r>
+              <a:rPr lang="de-DE" dirty="0"/>
+              <a:t>mit </a:t>
+            </a:r>
+            <a:r>
+              <a:rPr lang="de-DE" dirty="0" err="1"/>
+              <a:t>yamlint</a:t>
+            </a:r>
+            <a:r>
+              <a:rPr lang="de-DE" dirty="0"/>
+              <a:t>, </a:t>
+            </a:r>
+            <a:r>
+              <a:rPr lang="de-DE" dirty="0" err="1"/>
+              <a:t>kubeval</a:t>
+            </a:r>
+            <a:r>
+              <a:rPr lang="de-DE" dirty="0"/>
+              <a:t>, </a:t>
+            </a:r>
+            <a:r>
+              <a:rPr lang="de-DE" dirty="0" err="1"/>
+              <a:t>helm</a:t>
+            </a:r>
+            <a:r>
+              <a:rPr lang="de-DE" dirty="0"/>
+              <a:t> </a:t>
+            </a:r>
+            <a:r>
+              <a:rPr lang="de-DE" dirty="0" err="1"/>
+              <a:t>lint</a:t>
+            </a:r>
+            <a:r>
+              <a:rPr lang="de-DE" dirty="0"/>
+              <a:t>, </a:t>
+            </a:r>
+            <a:r>
+              <a:rPr lang="de-DE" dirty="0" err="1"/>
+              <a:t>conftest</a:t>
+            </a:r>
             <a:endParaRPr lang="de-DE" dirty="0"/>
+          </a:p>
+          <a:p>
+            <a:pPr marL="171450" indent="-171450">
+              <a:buFont typeface="Arial" panose="020B0604020202020204" pitchFamily="34" charset="0"/>
+              <a:buChar char="•"/>
+            </a:pPr>
+            <a:endParaRPr lang="de-DE" dirty="0"/>
+          </a:p>
+          <a:p>
+            <a:pPr marL="0" indent="0">
+              <a:buFont typeface="Arial" panose="020B0604020202020204" pitchFamily="34" charset="0"/>
+              <a:buNone/>
+            </a:pPr>
+            <a:r>
+              <a:rPr lang="de-DE" dirty="0"/>
+              <a:t>Nachteile:</a:t>
+            </a:r>
+          </a:p>
+          <a:p>
+            <a:pPr marL="171450" indent="-171450">
+              <a:buFont typeface="Arial" panose="020B0604020202020204" pitchFamily="34" charset="0"/>
+              <a:buChar char="•"/>
+            </a:pPr>
+            <a:r>
+              <a:rPr lang="de-DE" dirty="0"/>
+              <a:t>Komplexität steckt im Detail… Oder eben in den CI Pipelines.</a:t>
+            </a:r>
           </a:p>
         </p:txBody>
       </p:sp>
@@ -4486,6 +4497,91 @@
             <a:fld id="{18182567-388C-4D33-8B7B-A651F195F118}" type="slidenum">
               <a:rPr lang="de-DE" altLang="de-DE" smtClean="0"/>
               <a:pPr/>
+              <a:t>35</a:t>
+            </a:fld>
+            <a:endParaRPr lang="de-DE" altLang="de-DE"/>
+          </a:p>
+        </p:txBody>
+      </p:sp>
+    </p:spTree>
+    <p:extLst>
+      <p:ext uri="{BB962C8B-B14F-4D97-AF65-F5344CB8AC3E}">
+        <p14:creationId xmlns:p14="http://schemas.microsoft.com/office/powerpoint/2010/main" val="2083903176"/>
+      </p:ext>
+    </p:extLst>
+  </p:cSld>
+  <p:clrMapOvr>
+    <a:masterClrMapping/>
+  </p:clrMapOvr>
+</p:notes>
+</file>
+
+<file path=ppt/notesSlides/notesSlide28.xml><?xml version="1.0" encoding="utf-8"?>
+<p:notes xmlns:a="http://schemas.openxmlformats.org/drawingml/2006/main" xmlns:r="http://schemas.openxmlformats.org/officeDocument/2006/relationships" xmlns:p="http://schemas.openxmlformats.org/presentationml/2006/main">
+  <p:cSld>
+    <p:spTree>
+      <p:nvGrpSpPr>
+        <p:cNvPr id="1" name=""/>
+        <p:cNvGrpSpPr/>
+        <p:nvPr/>
+      </p:nvGrpSpPr>
+      <p:grpSpPr>
+        <a:xfrm>
+          <a:off x="0" y="0"/>
+          <a:ext cx="0" cy="0"/>
+          <a:chOff x="0" y="0"/>
+          <a:chExt cx="0" cy="0"/>
+        </a:xfrm>
+      </p:grpSpPr>
+      <p:sp>
+        <p:nvSpPr>
+          <p:cNvPr id="2" name="Folienbildplatzhalter 1"/>
+          <p:cNvSpPr>
+            <a:spLocks noGrp="1" noRot="1" noChangeAspect="1"/>
+          </p:cNvSpPr>
+          <p:nvPr>
+            <p:ph type="sldImg"/>
+          </p:nvPr>
+        </p:nvSpPr>
+        <p:spPr/>
+      </p:sp>
+      <p:sp>
+        <p:nvSpPr>
+          <p:cNvPr id="3" name="Notizenplatzhalter 2"/>
+          <p:cNvSpPr>
+            <a:spLocks noGrp="1"/>
+          </p:cNvSpPr>
+          <p:nvPr>
+            <p:ph type="body" idx="1"/>
+          </p:nvPr>
+        </p:nvSpPr>
+        <p:spPr/>
+        <p:txBody>
+          <a:bodyPr/>
+          <a:lstStyle/>
+          <a:p>
+            <a:endParaRPr lang="de-DE" dirty="0"/>
+          </a:p>
+        </p:txBody>
+      </p:sp>
+      <p:sp>
+        <p:nvSpPr>
+          <p:cNvPr id="4" name="Foliennummernplatzhalter 3"/>
+          <p:cNvSpPr>
+            <a:spLocks noGrp="1"/>
+          </p:cNvSpPr>
+          <p:nvPr>
+            <p:ph type="sldNum" sz="quarter" idx="5"/>
+          </p:nvPr>
+        </p:nvSpPr>
+        <p:spPr/>
+        <p:txBody>
+          <a:bodyPr/>
+          <a:lstStyle/>
+          <a:p>
+            <a:fld id="{18182567-388C-4D33-8B7B-A651F195F118}" type="slidenum">
+              <a:rPr lang="de-DE" altLang="de-DE" smtClean="0"/>
+              <a:pPr/>
               <a:t>36</a:t>
             </a:fld>
             <a:endParaRPr lang="de-DE" altLang="de-DE"/>
@@ -4505,7 +4601,7 @@
 </p:notes>
 </file>
 
-<file path=ppt/notesSlides/notesSlide28.xml><?xml version="1.0" encoding="utf-8"?>
+<file path=ppt/notesSlides/notesSlide29.xml><?xml version="1.0" encoding="utf-8"?>
 <p:notes xmlns:a="http://schemas.openxmlformats.org/drawingml/2006/main" xmlns:r="http://schemas.openxmlformats.org/officeDocument/2006/relationships" xmlns:p="http://schemas.openxmlformats.org/presentationml/2006/main">
   <p:cSld>
     <p:spTree>
@@ -4639,17 +4735,7 @@
           <a:p>
             <a:r>
               <a:rPr lang="de-DE" dirty="0"/>
-              <a:t>Quelle:</a:t>
-            </a:r>
-          </a:p>
-          <a:p>
-            <a:pPr marL="171450" indent="-171450">
-              <a:buFont typeface="Arial" panose="020B0604020202020204" pitchFamily="34" charset="0"/>
-              <a:buChar char="•"/>
-            </a:pPr>
-            <a:r>
-              <a:rPr lang="de-DE" dirty="0"/>
-              <a:t>https://www.portainer.io/blog/gitops-in-a-nutshell</a:t>
+              <a:t>Quelle: https://about.gitlab.com/topics/gitops/</a:t>
             </a:r>
           </a:p>
         </p:txBody>
@@ -4672,7 +4758,7 @@
             <a:fld id="{18182567-388C-4D33-8B7B-A651F195F118}" type="slidenum">
               <a:rPr lang="de-DE" altLang="de-DE" smtClean="0"/>
               <a:pPr/>
-              <a:t>7</a:t>
+              <a:t>6</a:t>
             </a:fld>
             <a:endParaRPr lang="de-DE" altLang="de-DE"/>
           </a:p>
@@ -4681,7 +4767,7 @@
     </p:spTree>
     <p:extLst>
       <p:ext uri="{BB962C8B-B14F-4D97-AF65-F5344CB8AC3E}">
-        <p14:creationId xmlns:p14="http://schemas.microsoft.com/office/powerpoint/2010/main" val="1742911650"/>
+        <p14:creationId xmlns:p14="http://schemas.microsoft.com/office/powerpoint/2010/main" val="3428053153"/>
       </p:ext>
     </p:extLst>
   </p:cSld>
@@ -4737,7 +4823,7 @@
           <a:p>
             <a:r>
               <a:rPr lang="de-DE" dirty="0"/>
-              <a:t>Quellen:</a:t>
+              <a:t>Quelle:</a:t>
             </a:r>
           </a:p>
           <a:p>
@@ -4747,551 +4833,8 @@
             </a:pPr>
             <a:r>
               <a:rPr lang="de-DE" dirty="0"/>
-              <a:t>https://opengitops.dev/</a:t>
-            </a:r>
-          </a:p>
-          <a:p>
-            <a:pPr marL="171450" indent="-171450">
-              <a:buFont typeface="Arial" panose="020B0604020202020204" pitchFamily="34" charset="0"/>
-              <a:buChar char="•"/>
-            </a:pPr>
-            <a:r>
-              <a:rPr lang="de-DE" dirty="0"/>
-              <a:t>https://github.com/open-gitops/documents/blob/v1.0.0/GLOSSARY.md</a:t>
-            </a:r>
-          </a:p>
-          <a:p>
-            <a:pPr marL="171450" indent="-171450">
-              <a:buFont typeface="Arial" panose="020B0604020202020204" pitchFamily="34" charset="0"/>
-              <a:buChar char="•"/>
-            </a:pPr>
-            <a:endParaRPr lang="de-DE" dirty="0"/>
-          </a:p>
-          <a:p>
-            <a:pPr marL="0" indent="0">
-              <a:buFont typeface="Arial" panose="020B0604020202020204" pitchFamily="34" charset="0"/>
-              <a:buNone/>
-            </a:pPr>
-            <a:endParaRPr lang="de-DE" dirty="0"/>
-          </a:p>
-          <a:p>
-            <a:pPr marL="0" indent="0">
-              <a:buNone/>
-            </a:pPr>
-            <a:r>
-              <a:rPr lang="de-DE" b="1" dirty="0"/>
-              <a:t>Grundprinzipien</a:t>
-            </a:r>
-          </a:p>
-          <a:p>
-            <a:pPr marL="457200" indent="-457200">
-              <a:buFont typeface="+mj-lt"/>
-              <a:buAutoNum type="arabicPeriod"/>
-            </a:pPr>
-            <a:r>
-              <a:rPr lang="de-DE" b="1" dirty="0" err="1"/>
-              <a:t>Declarative</a:t>
-            </a:r>
-            <a:br>
-              <a:rPr lang="de-DE" sz="1200" b="1" dirty="0">
-                <a:latin typeface="Arial" pitchFamily="34" charset="0"/>
-              </a:rPr>
-            </a:br>
-            <a:r>
-              <a:rPr lang="de-DE" sz="1100" dirty="0">
-                <a:latin typeface="+mj-lt"/>
-              </a:rPr>
-              <a:t>Der gewünschte Zustand (</a:t>
-            </a:r>
-            <a:r>
-              <a:rPr lang="de-DE" sz="1100" dirty="0" err="1">
-                <a:latin typeface="+mj-lt"/>
-              </a:rPr>
-              <a:t>state</a:t>
-            </a:r>
-            <a:r>
-              <a:rPr lang="de-DE" sz="1100" dirty="0">
-                <a:latin typeface="+mj-lt"/>
-              </a:rPr>
-              <a:t>) eines von </a:t>
-            </a:r>
-            <a:r>
-              <a:rPr lang="de-DE" sz="1100" dirty="0" err="1">
-                <a:latin typeface="+mj-lt"/>
-              </a:rPr>
-              <a:t>GitOps</a:t>
-            </a:r>
-            <a:r>
-              <a:rPr lang="de-DE" sz="1100" dirty="0">
-                <a:latin typeface="+mj-lt"/>
-              </a:rPr>
-              <a:t> verwalteten </a:t>
-            </a:r>
-            <a:r>
-              <a:rPr lang="de-DE" sz="1100" u="sng" dirty="0">
-                <a:latin typeface="+mj-lt"/>
-              </a:rPr>
-              <a:t>Softwaresystems</a:t>
-            </a:r>
-            <a:r>
-              <a:rPr lang="de-DE" sz="1100" dirty="0">
-                <a:latin typeface="+mj-lt"/>
-              </a:rPr>
-              <a:t> muss </a:t>
-            </a:r>
-            <a:r>
-              <a:rPr lang="de-DE" sz="1100" u="sng" dirty="0">
-                <a:latin typeface="+mj-lt"/>
-              </a:rPr>
-              <a:t>deklarativ</a:t>
-            </a:r>
-            <a:r>
-              <a:rPr lang="de-DE" sz="1100" dirty="0">
-                <a:latin typeface="+mj-lt"/>
-              </a:rPr>
-              <a:t> beschrieben (</a:t>
-            </a:r>
-            <a:r>
-              <a:rPr lang="de-DE" sz="1100" dirty="0" err="1">
-                <a:latin typeface="+mj-lt"/>
-              </a:rPr>
-              <a:t>declarative</a:t>
-            </a:r>
-            <a:r>
-              <a:rPr lang="de-DE" sz="1100" dirty="0">
-                <a:latin typeface="+mj-lt"/>
-              </a:rPr>
-              <a:t> </a:t>
-            </a:r>
-            <a:r>
-              <a:rPr lang="de-DE" sz="1100" dirty="0" err="1">
-                <a:latin typeface="+mj-lt"/>
-              </a:rPr>
-              <a:t>description</a:t>
-            </a:r>
-            <a:r>
-              <a:rPr lang="de-DE" sz="1100" dirty="0">
-                <a:latin typeface="+mj-lt"/>
-              </a:rPr>
-              <a:t>) werden.</a:t>
-            </a:r>
-            <a:endParaRPr lang="de-DE" sz="1100" dirty="0"/>
-          </a:p>
-          <a:p>
-            <a:pPr marL="457200" indent="-457200">
-              <a:buFont typeface="+mj-lt"/>
-              <a:buAutoNum type="arabicPeriod"/>
-            </a:pPr>
-            <a:endParaRPr lang="de-DE" sz="1100" dirty="0"/>
-          </a:p>
-          <a:p>
-            <a:pPr marL="457200" marR="0" lvl="0" indent="-457200" algn="l" defTabSz="762000" rtl="0" eaLnBrk="0" fontAlgn="base" latinLnBrk="0" hangingPunct="0">
-              <a:lnSpc>
-                <a:spcPct val="100000"/>
-              </a:lnSpc>
-              <a:spcBef>
-                <a:spcPct val="30000"/>
-              </a:spcBef>
-              <a:spcAft>
-                <a:spcPct val="0"/>
-              </a:spcAft>
-              <a:buClrTx/>
-              <a:buSzTx/>
-              <a:buFont typeface="+mj-lt"/>
-              <a:buAutoNum type="arabicPeriod"/>
-              <a:tabLst/>
-              <a:defRPr/>
-            </a:pPr>
-            <a:r>
-              <a:rPr lang="de-DE" b="1" dirty="0" err="1"/>
-              <a:t>Versioned</a:t>
-            </a:r>
-            <a:r>
-              <a:rPr lang="de-DE" b="1" dirty="0"/>
-              <a:t> and </a:t>
-            </a:r>
-            <a:r>
-              <a:rPr lang="de-DE" b="1" dirty="0" err="1"/>
-              <a:t>Immutable</a:t>
-            </a:r>
-            <a:br>
-              <a:rPr lang="de-DE" b="1" dirty="0"/>
-            </a:br>
-            <a:r>
-              <a:rPr lang="de-DE" sz="1200" dirty="0">
-                <a:latin typeface="+mj-lt"/>
-              </a:rPr>
-              <a:t>Der gewünschte State (</a:t>
-            </a:r>
-            <a:r>
-              <a:rPr lang="de-DE" sz="1200" u="sng" dirty="0" err="1">
-                <a:latin typeface="+mj-lt"/>
-              </a:rPr>
-              <a:t>desired</a:t>
-            </a:r>
-            <a:r>
-              <a:rPr lang="de-DE" sz="1200" u="sng" dirty="0">
-                <a:latin typeface="+mj-lt"/>
-              </a:rPr>
-              <a:t> </a:t>
-            </a:r>
-            <a:r>
-              <a:rPr lang="de-DE" sz="1200" u="sng" dirty="0" err="1">
-                <a:latin typeface="+mj-lt"/>
-              </a:rPr>
-              <a:t>state</a:t>
-            </a:r>
-            <a:r>
-              <a:rPr lang="de-DE" sz="1200" dirty="0">
-                <a:latin typeface="+mj-lt"/>
-              </a:rPr>
-              <a:t>) wird so gespeichert (</a:t>
-            </a:r>
-            <a:r>
-              <a:rPr lang="de-DE" sz="1200" u="sng" dirty="0" err="1">
-                <a:latin typeface="+mj-lt"/>
-              </a:rPr>
-              <a:t>stored</a:t>
-            </a:r>
-            <a:r>
-              <a:rPr lang="de-DE" sz="1200" dirty="0">
-                <a:latin typeface="+mj-lt"/>
-              </a:rPr>
-              <a:t>), dass Unveränderlichkeit und Versionierung gewährleistet sind und ein vollständiger Versionsverlauf erhalten bleibt.</a:t>
-            </a:r>
-          </a:p>
-          <a:p>
-            <a:pPr marL="457200" indent="-457200">
-              <a:buFont typeface="+mj-lt"/>
-              <a:buAutoNum type="arabicPeriod"/>
-            </a:pPr>
-            <a:endParaRPr lang="de-DE" b="1" dirty="0"/>
-          </a:p>
-          <a:p>
-            <a:pPr marL="457200" marR="0" lvl="0" indent="-457200" algn="l" defTabSz="762000" rtl="0" eaLnBrk="0" fontAlgn="base" latinLnBrk="0" hangingPunct="0">
-              <a:lnSpc>
-                <a:spcPct val="100000"/>
-              </a:lnSpc>
-              <a:spcBef>
-                <a:spcPct val="30000"/>
-              </a:spcBef>
-              <a:spcAft>
-                <a:spcPct val="0"/>
-              </a:spcAft>
-              <a:buClrTx/>
-              <a:buSzTx/>
-              <a:buFont typeface="+mj-lt"/>
-              <a:buAutoNum type="arabicPeriod"/>
-              <a:tabLst/>
-              <a:defRPr/>
-            </a:pPr>
-            <a:r>
-              <a:rPr lang="de-DE" b="1" dirty="0" err="1"/>
-              <a:t>Pulled</a:t>
-            </a:r>
-            <a:r>
-              <a:rPr lang="de-DE" b="1" dirty="0"/>
-              <a:t> </a:t>
-            </a:r>
-            <a:r>
-              <a:rPr lang="de-DE" b="1" dirty="0" err="1"/>
-              <a:t>Automatically</a:t>
-            </a:r>
-            <a:br>
-              <a:rPr lang="de-DE" b="1" dirty="0"/>
-            </a:br>
-            <a:r>
-              <a:rPr lang="de-DE" sz="1200" dirty="0">
-                <a:latin typeface="+mj-lt"/>
-              </a:rPr>
-              <a:t>Software </a:t>
-            </a:r>
-            <a:r>
-              <a:rPr lang="de-DE" sz="1200" dirty="0" err="1">
-                <a:latin typeface="+mj-lt"/>
-              </a:rPr>
-              <a:t>agents</a:t>
-            </a:r>
-            <a:r>
-              <a:rPr lang="de-DE" sz="1200" dirty="0">
-                <a:latin typeface="+mj-lt"/>
-              </a:rPr>
-              <a:t> (= </a:t>
-            </a:r>
-            <a:r>
-              <a:rPr lang="de-DE" sz="1200" dirty="0" err="1">
-                <a:latin typeface="+mj-lt"/>
-              </a:rPr>
-              <a:t>GitOps</a:t>
-            </a:r>
-            <a:r>
-              <a:rPr lang="de-DE" sz="1200" dirty="0">
-                <a:latin typeface="+mj-lt"/>
-              </a:rPr>
-              <a:t> Operator) pullen automatisch den gewünschten </a:t>
-            </a:r>
-            <a:r>
-              <a:rPr lang="de-DE" sz="1200" dirty="0" err="1">
-                <a:latin typeface="+mj-lt"/>
-              </a:rPr>
-              <a:t>state</a:t>
-            </a:r>
-            <a:r>
-              <a:rPr lang="de-DE" sz="1200" dirty="0">
-                <a:latin typeface="+mj-lt"/>
-              </a:rPr>
-              <a:t> aus der Quelle (= </a:t>
-            </a:r>
-            <a:r>
-              <a:rPr lang="de-DE" sz="1200" dirty="0" err="1">
-                <a:latin typeface="+mj-lt"/>
-              </a:rPr>
-              <a:t>Git</a:t>
-            </a:r>
-            <a:r>
-              <a:rPr lang="de-DE" sz="1200" dirty="0">
-                <a:latin typeface="+mj-lt"/>
-              </a:rPr>
-              <a:t> Repo).  </a:t>
-            </a:r>
-          </a:p>
-          <a:p>
-            <a:pPr marL="457200" indent="-457200">
-              <a:buFont typeface="+mj-lt"/>
-              <a:buAutoNum type="arabicPeriod"/>
-            </a:pPr>
-            <a:endParaRPr lang="de-DE" b="1" dirty="0"/>
-          </a:p>
-          <a:p>
-            <a:pPr marL="457200" indent="-457200">
-              <a:buFont typeface="+mj-lt"/>
-              <a:buAutoNum type="arabicPeriod"/>
-            </a:pPr>
-            <a:r>
-              <a:rPr lang="de-DE" b="1" dirty="0" err="1"/>
-              <a:t>Continuously</a:t>
-            </a:r>
-            <a:r>
-              <a:rPr lang="de-DE" b="1" dirty="0"/>
-              <a:t> </a:t>
-            </a:r>
-            <a:r>
-              <a:rPr lang="de-DE" b="1" dirty="0" err="1"/>
-              <a:t>Reconciled</a:t>
-            </a:r>
-            <a:br>
-              <a:rPr lang="de-DE" b="1" dirty="0"/>
-            </a:br>
-            <a:r>
-              <a:rPr lang="de-DE" b="0" dirty="0"/>
-              <a:t>Software </a:t>
-            </a:r>
-            <a:r>
-              <a:rPr lang="de-DE" b="0" dirty="0" err="1"/>
-              <a:t>agents</a:t>
-            </a:r>
-            <a:r>
-              <a:rPr lang="de-DE" b="0" dirty="0"/>
-              <a:t> überwachen kontinuierlich (</a:t>
-            </a:r>
-            <a:r>
-              <a:rPr lang="de-DE" b="0" dirty="0" err="1"/>
-              <a:t>continuously</a:t>
-            </a:r>
-            <a:r>
-              <a:rPr lang="de-DE" b="0" dirty="0"/>
-              <a:t>) den tatsächlichen Systemstatus (</a:t>
-            </a:r>
-            <a:r>
-              <a:rPr lang="de-DE" b="0" dirty="0" err="1"/>
-              <a:t>actual</a:t>
-            </a:r>
-            <a:r>
-              <a:rPr lang="de-DE" b="0" dirty="0"/>
-              <a:t> </a:t>
-            </a:r>
-            <a:r>
-              <a:rPr lang="de-DE" b="0" dirty="0" err="1"/>
-              <a:t>state</a:t>
-            </a:r>
-            <a:r>
-              <a:rPr lang="de-DE" b="0" dirty="0"/>
-              <a:t>) und versuchen, den </a:t>
-            </a:r>
-            <a:r>
-              <a:rPr lang="de-DE" b="0" dirty="0" err="1"/>
-              <a:t>desired</a:t>
-            </a:r>
-            <a:r>
-              <a:rPr lang="de-DE" b="0" dirty="0"/>
-              <a:t> </a:t>
-            </a:r>
-            <a:r>
-              <a:rPr lang="de-DE" b="0" dirty="0" err="1"/>
-              <a:t>state</a:t>
-            </a:r>
-            <a:r>
-              <a:rPr lang="de-DE" b="0" dirty="0"/>
-              <a:t> anzuwenden.</a:t>
-            </a:r>
-            <a:br>
-              <a:rPr lang="de-DE" b="0" dirty="0"/>
-            </a:br>
-            <a:r>
-              <a:rPr lang="de-DE" b="0" dirty="0">
-                <a:sym typeface="Wingdings" panose="05000000000000000000" pitchFamily="2" charset="2"/>
-              </a:rPr>
-              <a:t></a:t>
-            </a:r>
-            <a:r>
-              <a:rPr lang="de-DE" b="0" dirty="0"/>
-              <a:t> </a:t>
-            </a:r>
-            <a:r>
-              <a:rPr lang="de-DE" b="0" dirty="0" err="1"/>
-              <a:t>Reconcilation</a:t>
-            </a:r>
-            <a:endParaRPr lang="de-DE" b="0" dirty="0"/>
-          </a:p>
-          <a:p>
-            <a:pPr marL="457200" indent="-457200">
-              <a:buFont typeface="+mj-lt"/>
-              <a:buAutoNum type="arabicPeriod"/>
-            </a:pPr>
-            <a:endParaRPr lang="de-DE" b="0" dirty="0"/>
-          </a:p>
-          <a:p>
-            <a:pPr marL="0" marR="0" lvl="0" indent="0" algn="l" defTabSz="762000" rtl="0" eaLnBrk="0" fontAlgn="base" latinLnBrk="0" hangingPunct="0">
-              <a:lnSpc>
-                <a:spcPct val="100000"/>
-              </a:lnSpc>
-              <a:spcBef>
-                <a:spcPct val="30000"/>
-              </a:spcBef>
-              <a:spcAft>
-                <a:spcPct val="0"/>
-              </a:spcAft>
-              <a:buClrTx/>
-              <a:buSzTx/>
-              <a:buFont typeface="+mj-lt"/>
-              <a:buNone/>
-              <a:tabLst/>
-              <a:defRPr/>
-            </a:pPr>
-            <a:r>
-              <a:rPr lang="de-DE" sz="1200" b="1" dirty="0"/>
-              <a:t>* Unterstrichene Wörter: https://github.com/open-gitops/documents/blob/v1.0.0/GLOSSARY.md</a:t>
-            </a:r>
-          </a:p>
-          <a:p>
-            <a:pPr marL="0" indent="0">
-              <a:buFont typeface="+mj-lt"/>
-              <a:buNone/>
-            </a:pPr>
-            <a:endParaRPr lang="de-DE" b="1" dirty="0"/>
-          </a:p>
-          <a:p>
-            <a:pPr marL="457200" indent="-457200">
-              <a:buFont typeface="+mj-lt"/>
-              <a:buAutoNum type="arabicPeriod"/>
-            </a:pPr>
-            <a:endParaRPr lang="de-DE" b="1" dirty="0"/>
-          </a:p>
-          <a:p>
-            <a:pPr marL="0" indent="0">
-              <a:buFont typeface="Arial" panose="020B0604020202020204" pitchFamily="34" charset="0"/>
-              <a:buNone/>
-            </a:pPr>
-            <a:endParaRPr lang="de-DE" dirty="0"/>
-          </a:p>
-          <a:p>
-            <a:pPr marL="0" indent="0">
-              <a:buFont typeface="Arial" panose="020B0604020202020204" pitchFamily="34" charset="0"/>
-              <a:buNone/>
-            </a:pPr>
-            <a:endParaRPr lang="de-DE" dirty="0"/>
-          </a:p>
-          <a:p>
-            <a:pPr marL="0" indent="0">
-              <a:buFont typeface="Arial" panose="020B0604020202020204" pitchFamily="34" charset="0"/>
-              <a:buNone/>
-            </a:pPr>
-            <a:endParaRPr lang="de-DE" dirty="0"/>
-          </a:p>
-          <a:p>
-            <a:pPr marL="0" indent="0">
-              <a:buFont typeface="Arial" panose="020B0604020202020204" pitchFamily="34" charset="0"/>
-              <a:buNone/>
-            </a:pPr>
-            <a:endParaRPr lang="de-DE" dirty="0"/>
-          </a:p>
-          <a:p>
-            <a:pPr marL="0" indent="0">
-              <a:buFont typeface="Arial" panose="020B0604020202020204" pitchFamily="34" charset="0"/>
-              <a:buNone/>
-            </a:pPr>
-            <a:endParaRPr lang="de-DE" dirty="0"/>
-          </a:p>
-          <a:p>
-            <a:pPr marL="0" indent="0">
-              <a:buFont typeface="Arial" panose="020B0604020202020204" pitchFamily="34" charset="0"/>
-              <a:buNone/>
-            </a:pPr>
-            <a:r>
-              <a:rPr lang="de-DE" dirty="0"/>
-              <a:t>Zu 4. Der CI-Server läuft im vergleich zum </a:t>
-            </a:r>
-            <a:r>
-              <a:rPr lang="de-DE" dirty="0" err="1"/>
-              <a:t>GitOps</a:t>
-            </a:r>
-            <a:r>
-              <a:rPr lang="de-DE" dirty="0"/>
-              <a:t>-Operator nur einmalig durch. Der </a:t>
-            </a:r>
-            <a:r>
-              <a:rPr lang="de-DE" dirty="0" err="1"/>
-              <a:t>GitOps</a:t>
-            </a:r>
-            <a:r>
-              <a:rPr lang="de-DE" dirty="0"/>
-              <a:t>-Operator prüft kontinuierlich.</a:t>
-            </a:r>
-          </a:p>
-          <a:p>
-            <a:pPr marL="0" indent="0">
-              <a:buFont typeface="Arial" panose="020B0604020202020204" pitchFamily="34" charset="0"/>
-              <a:buNone/>
-            </a:pPr>
-            <a:endParaRPr lang="de-DE" dirty="0"/>
-          </a:p>
-          <a:p>
-            <a:pPr marL="0" indent="0">
-              <a:buFont typeface="Arial" panose="020B0604020202020204" pitchFamily="34" charset="0"/>
-              <a:buNone/>
-            </a:pPr>
-            <a:endParaRPr lang="de-DE" dirty="0"/>
-          </a:p>
-          <a:p>
-            <a:pPr marL="0" indent="0">
-              <a:buFont typeface="Arial" panose="020B0604020202020204" pitchFamily="34" charset="0"/>
-              <a:buNone/>
-            </a:pPr>
-            <a:endParaRPr lang="de-DE" dirty="0"/>
-          </a:p>
-          <a:p>
-            <a:pPr marL="0" indent="0">
-              <a:buFont typeface="Arial" panose="020B0604020202020204" pitchFamily="34" charset="0"/>
-              <a:buNone/>
-            </a:pPr>
-            <a:endParaRPr lang="de-DE" dirty="0"/>
-          </a:p>
-          <a:p>
-            <a:pPr marL="171450" indent="-171450">
-              <a:buFont typeface="Arial" panose="020B0604020202020204" pitchFamily="34" charset="0"/>
-              <a:buChar char="•"/>
-            </a:pPr>
-            <a:endParaRPr lang="de-DE" dirty="0"/>
+              <a:t>https://www.portainer.io/blog/gitops-in-a-nutshell</a:t>
+            </a:r>
           </a:p>
         </p:txBody>
       </p:sp>
@@ -5313,7 +4856,7 @@
             <a:fld id="{18182567-388C-4D33-8B7B-A651F195F118}" type="slidenum">
               <a:rPr lang="de-DE" altLang="de-DE" smtClean="0"/>
               <a:pPr/>
-              <a:t>8</a:t>
+              <a:t>7</a:t>
             </a:fld>
             <a:endParaRPr lang="de-DE" altLang="de-DE"/>
           </a:p>
@@ -5322,7 +4865,7 @@
     </p:spTree>
     <p:extLst>
       <p:ext uri="{BB962C8B-B14F-4D97-AF65-F5344CB8AC3E}">
-        <p14:creationId xmlns:p14="http://schemas.microsoft.com/office/powerpoint/2010/main" val="4030025492"/>
+        <p14:creationId xmlns:p14="http://schemas.microsoft.com/office/powerpoint/2010/main" val="1742911650"/>
       </p:ext>
     </p:extLst>
   </p:cSld>
@@ -5378,17 +4921,7 @@
           <a:p>
             <a:r>
               <a:rPr lang="de-DE" dirty="0"/>
-              <a:t>1)</a:t>
-            </a:r>
-          </a:p>
-          <a:p>
-            <a:r>
-              <a:rPr lang="de-DE" dirty="0" err="1"/>
-              <a:t>CIOps</a:t>
-            </a:r>
-            <a:r>
-              <a:rPr lang="de-DE" dirty="0"/>
-              <a:t>:</a:t>
+              <a:t>Quellen:</a:t>
             </a:r>
           </a:p>
           <a:p>
@@ -5398,15 +4931,7 @@
             </a:pPr>
             <a:r>
               <a:rPr lang="de-DE" dirty="0"/>
-              <a:t>Softwareentwickler pushen Code in ein </a:t>
-            </a:r>
-            <a:r>
-              <a:rPr lang="de-DE" dirty="0" err="1"/>
-              <a:t>Git</a:t>
-            </a:r>
-            <a:r>
-              <a:rPr lang="de-DE" dirty="0"/>
-              <a:t> Repo. </a:t>
+              <a:t>https://opengitops.dev/</a:t>
             </a:r>
           </a:p>
           <a:p>
@@ -5416,15 +4941,7 @@
             </a:pPr>
             <a:r>
               <a:rPr lang="de-DE" dirty="0"/>
-              <a:t>Auf das </a:t>
-            </a:r>
-            <a:r>
-              <a:rPr lang="de-DE" dirty="0" err="1"/>
-              <a:t>Git</a:t>
-            </a:r>
-            <a:r>
-              <a:rPr lang="de-DE" dirty="0"/>
-              <a:t> Repo lauscht ein CI Server.</a:t>
+              <a:t>https://github.com/open-gitops/documents/blob/v1.0.0/GLOSSARY.md</a:t>
             </a:r>
           </a:p>
           <a:p>
@@ -5432,61 +4949,481 @@
               <a:buFont typeface="Arial" panose="020B0604020202020204" pitchFamily="34" charset="0"/>
               <a:buChar char="•"/>
             </a:pPr>
+            <a:endParaRPr lang="de-DE" dirty="0"/>
+          </a:p>
+          <a:p>
+            <a:pPr marL="0" indent="0">
+              <a:buFont typeface="Arial" panose="020B0604020202020204" pitchFamily="34" charset="0"/>
+              <a:buNone/>
+            </a:pPr>
+            <a:endParaRPr lang="de-DE" dirty="0"/>
+          </a:p>
+          <a:p>
+            <a:pPr marL="0" indent="0">
+              <a:buNone/>
+            </a:pPr>
+            <a:r>
+              <a:rPr lang="de-DE" b="1" dirty="0"/>
+              <a:t>Grundprinzipien</a:t>
+            </a:r>
+          </a:p>
+          <a:p>
+            <a:pPr marL="457200" indent="-457200">
+              <a:buFont typeface="+mj-lt"/>
+              <a:buAutoNum type="arabicPeriod"/>
+            </a:pPr>
+            <a:r>
+              <a:rPr lang="de-DE" b="1" dirty="0" err="1"/>
+              <a:t>Declarative</a:t>
+            </a:r>
+            <a:br>
+              <a:rPr lang="de-DE" sz="1200" b="1" dirty="0">
+                <a:latin typeface="Arial" pitchFamily="34" charset="0"/>
+              </a:rPr>
+            </a:br>
+            <a:r>
+              <a:rPr lang="de-DE" sz="1100" dirty="0">
+                <a:latin typeface="+mj-lt"/>
+              </a:rPr>
+              <a:t>Der gewünschte Zustand (</a:t>
+            </a:r>
+            <a:r>
+              <a:rPr lang="de-DE" sz="1100" dirty="0" err="1">
+                <a:latin typeface="+mj-lt"/>
+              </a:rPr>
+              <a:t>state</a:t>
+            </a:r>
+            <a:r>
+              <a:rPr lang="de-DE" sz="1100" dirty="0">
+                <a:latin typeface="+mj-lt"/>
+              </a:rPr>
+              <a:t>) eines von </a:t>
+            </a:r>
+            <a:r>
+              <a:rPr lang="de-DE" sz="1100" dirty="0" err="1">
+                <a:latin typeface="+mj-lt"/>
+              </a:rPr>
+              <a:t>GitOps</a:t>
+            </a:r>
+            <a:r>
+              <a:rPr lang="de-DE" sz="1100" dirty="0">
+                <a:latin typeface="+mj-lt"/>
+              </a:rPr>
+              <a:t> verwalteten </a:t>
+            </a:r>
+            <a:r>
+              <a:rPr lang="de-DE" sz="1100" u="sng" dirty="0">
+                <a:latin typeface="+mj-lt"/>
+              </a:rPr>
+              <a:t>Softwaresystems</a:t>
+            </a:r>
+            <a:r>
+              <a:rPr lang="de-DE" sz="1100" dirty="0">
+                <a:latin typeface="+mj-lt"/>
+              </a:rPr>
+              <a:t> muss </a:t>
+            </a:r>
+            <a:r>
+              <a:rPr lang="de-DE" sz="1100" u="sng" dirty="0">
+                <a:latin typeface="+mj-lt"/>
+              </a:rPr>
+              <a:t>deklarativ</a:t>
+            </a:r>
+            <a:r>
+              <a:rPr lang="de-DE" sz="1100" dirty="0">
+                <a:latin typeface="+mj-lt"/>
+              </a:rPr>
+              <a:t> beschrieben (</a:t>
+            </a:r>
+            <a:r>
+              <a:rPr lang="de-DE" sz="1100" dirty="0" err="1">
+                <a:latin typeface="+mj-lt"/>
+              </a:rPr>
+              <a:t>declarative</a:t>
+            </a:r>
+            <a:r>
+              <a:rPr lang="de-DE" sz="1100" dirty="0">
+                <a:latin typeface="+mj-lt"/>
+              </a:rPr>
+              <a:t> </a:t>
+            </a:r>
+            <a:r>
+              <a:rPr lang="de-DE" sz="1100" dirty="0" err="1">
+                <a:latin typeface="+mj-lt"/>
+              </a:rPr>
+              <a:t>description</a:t>
+            </a:r>
+            <a:r>
+              <a:rPr lang="de-DE" sz="1100" dirty="0">
+                <a:latin typeface="+mj-lt"/>
+              </a:rPr>
+              <a:t>) werden.</a:t>
+            </a:r>
+            <a:endParaRPr lang="de-DE" sz="1100" dirty="0"/>
+          </a:p>
+          <a:p>
+            <a:pPr marL="457200" indent="-457200">
+              <a:buFont typeface="+mj-lt"/>
+              <a:buAutoNum type="arabicPeriod"/>
+            </a:pPr>
+            <a:endParaRPr lang="de-DE" sz="1100" dirty="0"/>
+          </a:p>
+          <a:p>
+            <a:pPr marL="457200" marR="0" lvl="0" indent="-457200" algn="l" defTabSz="762000" rtl="0" eaLnBrk="0" fontAlgn="base" latinLnBrk="0" hangingPunct="0">
+              <a:lnSpc>
+                <a:spcPct val="100000"/>
+              </a:lnSpc>
+              <a:spcBef>
+                <a:spcPct val="30000"/>
+              </a:spcBef>
+              <a:spcAft>
+                <a:spcPct val="0"/>
+              </a:spcAft>
+              <a:buClrTx/>
+              <a:buSzTx/>
+              <a:buFont typeface="+mj-lt"/>
+              <a:buAutoNum type="arabicPeriod"/>
+              <a:tabLst/>
+              <a:defRPr/>
+            </a:pPr>
+            <a:r>
+              <a:rPr lang="de-DE" b="1" dirty="0" err="1"/>
+              <a:t>Versioned</a:t>
+            </a:r>
+            <a:r>
+              <a:rPr lang="de-DE" b="1" dirty="0"/>
+              <a:t> and </a:t>
+            </a:r>
+            <a:r>
+              <a:rPr lang="de-DE" b="1" dirty="0" err="1"/>
+              <a:t>Immutable</a:t>
+            </a:r>
+            <a:br>
+              <a:rPr lang="de-DE" b="1" dirty="0"/>
+            </a:br>
+            <a:r>
+              <a:rPr lang="de-DE" sz="1200" dirty="0">
+                <a:latin typeface="+mj-lt"/>
+              </a:rPr>
+              <a:t>Der gewünschte State (</a:t>
+            </a:r>
+            <a:r>
+              <a:rPr lang="de-DE" sz="1200" u="sng" dirty="0" err="1">
+                <a:latin typeface="+mj-lt"/>
+              </a:rPr>
+              <a:t>desired</a:t>
+            </a:r>
+            <a:r>
+              <a:rPr lang="de-DE" sz="1200" u="sng" dirty="0">
+                <a:latin typeface="+mj-lt"/>
+              </a:rPr>
+              <a:t> </a:t>
+            </a:r>
+            <a:r>
+              <a:rPr lang="de-DE" sz="1200" u="sng" dirty="0" err="1">
+                <a:latin typeface="+mj-lt"/>
+              </a:rPr>
+              <a:t>state</a:t>
+            </a:r>
+            <a:r>
+              <a:rPr lang="de-DE" sz="1200" dirty="0">
+                <a:latin typeface="+mj-lt"/>
+              </a:rPr>
+              <a:t>) wird so gespeichert (</a:t>
+            </a:r>
+            <a:r>
+              <a:rPr lang="de-DE" sz="1200" u="sng" dirty="0" err="1">
+                <a:latin typeface="+mj-lt"/>
+              </a:rPr>
+              <a:t>stored</a:t>
+            </a:r>
+            <a:r>
+              <a:rPr lang="de-DE" sz="1200" dirty="0">
+                <a:latin typeface="+mj-lt"/>
+              </a:rPr>
+              <a:t>), dass Unveränderlichkeit und Versionierung gewährleistet sind und ein vollständiger Versionsverlauf erhalten bleibt.</a:t>
+            </a:r>
+          </a:p>
+          <a:p>
+            <a:pPr marL="457200" indent="-457200">
+              <a:buFont typeface="+mj-lt"/>
+              <a:buAutoNum type="arabicPeriod"/>
+            </a:pPr>
+            <a:endParaRPr lang="de-DE" b="1" dirty="0"/>
+          </a:p>
+          <a:p>
+            <a:pPr marL="457200" marR="0" lvl="0" indent="-457200" algn="l" defTabSz="762000" rtl="0" eaLnBrk="0" fontAlgn="base" latinLnBrk="0" hangingPunct="0">
+              <a:lnSpc>
+                <a:spcPct val="100000"/>
+              </a:lnSpc>
+              <a:spcBef>
+                <a:spcPct val="30000"/>
+              </a:spcBef>
+              <a:spcAft>
+                <a:spcPct val="0"/>
+              </a:spcAft>
+              <a:buClrTx/>
+              <a:buSzTx/>
+              <a:buFont typeface="+mj-lt"/>
+              <a:buAutoNum type="arabicPeriod"/>
+              <a:tabLst/>
+              <a:defRPr/>
+            </a:pPr>
+            <a:r>
+              <a:rPr lang="de-DE" b="1" dirty="0" err="1"/>
+              <a:t>Pulled</a:t>
+            </a:r>
+            <a:r>
+              <a:rPr lang="de-DE" b="1" dirty="0"/>
+              <a:t> </a:t>
+            </a:r>
+            <a:r>
+              <a:rPr lang="de-DE" b="1" dirty="0" err="1"/>
+              <a:t>Automatically</a:t>
+            </a:r>
+            <a:br>
+              <a:rPr lang="de-DE" b="1" dirty="0"/>
+            </a:br>
+            <a:r>
+              <a:rPr lang="de-DE" sz="1200" dirty="0">
+                <a:latin typeface="+mj-lt"/>
+              </a:rPr>
+              <a:t>Software </a:t>
+            </a:r>
+            <a:r>
+              <a:rPr lang="de-DE" sz="1200" dirty="0" err="1">
+                <a:latin typeface="+mj-lt"/>
+              </a:rPr>
+              <a:t>agents</a:t>
+            </a:r>
+            <a:r>
+              <a:rPr lang="de-DE" sz="1200" dirty="0">
+                <a:latin typeface="+mj-lt"/>
+              </a:rPr>
+              <a:t> (= </a:t>
+            </a:r>
+            <a:r>
+              <a:rPr lang="de-DE" sz="1200" dirty="0" err="1">
+                <a:latin typeface="+mj-lt"/>
+              </a:rPr>
+              <a:t>GitOps</a:t>
+            </a:r>
+            <a:r>
+              <a:rPr lang="de-DE" sz="1200" dirty="0">
+                <a:latin typeface="+mj-lt"/>
+              </a:rPr>
+              <a:t> Operator) pullen automatisch den gewünschten </a:t>
+            </a:r>
+            <a:r>
+              <a:rPr lang="de-DE" sz="1200" dirty="0" err="1">
+                <a:latin typeface="+mj-lt"/>
+              </a:rPr>
+              <a:t>state</a:t>
+            </a:r>
+            <a:r>
+              <a:rPr lang="de-DE" sz="1200" dirty="0">
+                <a:latin typeface="+mj-lt"/>
+              </a:rPr>
+              <a:t> aus der Quelle (= </a:t>
+            </a:r>
+            <a:r>
+              <a:rPr lang="de-DE" sz="1200" dirty="0" err="1">
+                <a:latin typeface="+mj-lt"/>
+              </a:rPr>
+              <a:t>Git</a:t>
+            </a:r>
+            <a:r>
+              <a:rPr lang="de-DE" sz="1200" dirty="0">
+                <a:latin typeface="+mj-lt"/>
+              </a:rPr>
+              <a:t> Repo).  </a:t>
+            </a:r>
+          </a:p>
+          <a:p>
+            <a:pPr marL="457200" indent="-457200">
+              <a:buFont typeface="+mj-lt"/>
+              <a:buAutoNum type="arabicPeriod"/>
+            </a:pPr>
+            <a:endParaRPr lang="de-DE" b="1" dirty="0"/>
+          </a:p>
+          <a:p>
+            <a:pPr marL="457200" indent="-457200">
+              <a:buFont typeface="+mj-lt"/>
+              <a:buAutoNum type="arabicPeriod"/>
+            </a:pPr>
+            <a:r>
+              <a:rPr lang="de-DE" b="1" dirty="0" err="1"/>
+              <a:t>Continuously</a:t>
+            </a:r>
+            <a:r>
+              <a:rPr lang="de-DE" b="1" dirty="0"/>
+              <a:t> </a:t>
+            </a:r>
+            <a:r>
+              <a:rPr lang="de-DE" b="1" dirty="0" err="1"/>
+              <a:t>Reconciled</a:t>
+            </a:r>
+            <a:br>
+              <a:rPr lang="de-DE" b="1" dirty="0"/>
+            </a:br>
+            <a:r>
+              <a:rPr lang="de-DE" b="0" dirty="0"/>
+              <a:t>Software </a:t>
+            </a:r>
+            <a:r>
+              <a:rPr lang="de-DE" b="0" dirty="0" err="1"/>
+              <a:t>agents</a:t>
+            </a:r>
+            <a:r>
+              <a:rPr lang="de-DE" b="0" dirty="0"/>
+              <a:t> überwachen kontinuierlich (</a:t>
+            </a:r>
+            <a:r>
+              <a:rPr lang="de-DE" b="0" dirty="0" err="1"/>
+              <a:t>continuously</a:t>
+            </a:r>
+            <a:r>
+              <a:rPr lang="de-DE" b="0" dirty="0"/>
+              <a:t>) den tatsächlichen Systemstatus (</a:t>
+            </a:r>
+            <a:r>
+              <a:rPr lang="de-DE" b="0" dirty="0" err="1"/>
+              <a:t>actual</a:t>
+            </a:r>
+            <a:r>
+              <a:rPr lang="de-DE" b="0" dirty="0"/>
+              <a:t> </a:t>
+            </a:r>
+            <a:r>
+              <a:rPr lang="de-DE" b="0" dirty="0" err="1"/>
+              <a:t>state</a:t>
+            </a:r>
+            <a:r>
+              <a:rPr lang="de-DE" b="0" dirty="0"/>
+              <a:t>) und versuchen, den </a:t>
+            </a:r>
+            <a:r>
+              <a:rPr lang="de-DE" b="0" dirty="0" err="1"/>
+              <a:t>desired</a:t>
+            </a:r>
+            <a:r>
+              <a:rPr lang="de-DE" b="0" dirty="0"/>
+              <a:t> </a:t>
+            </a:r>
+            <a:r>
+              <a:rPr lang="de-DE" b="0" dirty="0" err="1"/>
+              <a:t>state</a:t>
+            </a:r>
+            <a:r>
+              <a:rPr lang="de-DE" b="0" dirty="0"/>
+              <a:t> anzuwenden.</a:t>
+            </a:r>
+            <a:br>
+              <a:rPr lang="de-DE" b="0" dirty="0"/>
+            </a:br>
+            <a:r>
+              <a:rPr lang="de-DE" b="0" dirty="0">
+                <a:sym typeface="Wingdings" panose="05000000000000000000" pitchFamily="2" charset="2"/>
+              </a:rPr>
+              <a:t></a:t>
+            </a:r>
+            <a:r>
+              <a:rPr lang="de-DE" b="0" dirty="0"/>
+              <a:t> </a:t>
+            </a:r>
+            <a:r>
+              <a:rPr lang="de-DE" b="0" dirty="0" err="1"/>
+              <a:t>Reconcilation</a:t>
+            </a:r>
+            <a:endParaRPr lang="de-DE" b="0" dirty="0"/>
+          </a:p>
+          <a:p>
+            <a:pPr marL="457200" indent="-457200">
+              <a:buFont typeface="+mj-lt"/>
+              <a:buAutoNum type="arabicPeriod"/>
+            </a:pPr>
+            <a:endParaRPr lang="de-DE" b="0" dirty="0"/>
+          </a:p>
+          <a:p>
+            <a:pPr marL="0" marR="0" lvl="0" indent="0" algn="l" defTabSz="762000" rtl="0" eaLnBrk="0" fontAlgn="base" latinLnBrk="0" hangingPunct="0">
+              <a:lnSpc>
+                <a:spcPct val="100000"/>
+              </a:lnSpc>
+              <a:spcBef>
+                <a:spcPct val="30000"/>
+              </a:spcBef>
+              <a:spcAft>
+                <a:spcPct val="0"/>
+              </a:spcAft>
+              <a:buClrTx/>
+              <a:buSzTx/>
+              <a:buFont typeface="+mj-lt"/>
+              <a:buNone/>
+              <a:tabLst/>
+              <a:defRPr/>
+            </a:pPr>
+            <a:r>
+              <a:rPr lang="de-DE" sz="1200" b="1" dirty="0"/>
+              <a:t>* Unterstrichene Wörter: https://github.com/open-gitops/documents/blob/v1.0.0/GLOSSARY.md</a:t>
+            </a:r>
+          </a:p>
+          <a:p>
+            <a:pPr marL="0" indent="0">
+              <a:buFont typeface="+mj-lt"/>
+              <a:buNone/>
+            </a:pPr>
+            <a:endParaRPr lang="de-DE" b="1" dirty="0"/>
+          </a:p>
+          <a:p>
+            <a:pPr marL="457200" indent="-457200">
+              <a:buFont typeface="+mj-lt"/>
+              <a:buAutoNum type="arabicPeriod"/>
+            </a:pPr>
+            <a:endParaRPr lang="de-DE" b="1" dirty="0"/>
+          </a:p>
+          <a:p>
+            <a:pPr marL="0" indent="0">
+              <a:buFont typeface="Arial" panose="020B0604020202020204" pitchFamily="34" charset="0"/>
+              <a:buNone/>
+            </a:pPr>
+            <a:endParaRPr lang="de-DE" dirty="0"/>
+          </a:p>
+          <a:p>
+            <a:pPr marL="0" indent="0">
+              <a:buFont typeface="Arial" panose="020B0604020202020204" pitchFamily="34" charset="0"/>
+              <a:buNone/>
+            </a:pPr>
+            <a:endParaRPr lang="de-DE" dirty="0"/>
+          </a:p>
+          <a:p>
+            <a:pPr marL="0" indent="0">
+              <a:buFont typeface="Arial" panose="020B0604020202020204" pitchFamily="34" charset="0"/>
+              <a:buNone/>
+            </a:pPr>
+            <a:endParaRPr lang="de-DE" dirty="0"/>
+          </a:p>
+          <a:p>
+            <a:pPr marL="0" indent="0">
+              <a:buFont typeface="Arial" panose="020B0604020202020204" pitchFamily="34" charset="0"/>
+              <a:buNone/>
+            </a:pPr>
+            <a:endParaRPr lang="de-DE" dirty="0"/>
+          </a:p>
+          <a:p>
+            <a:pPr marL="0" indent="0">
+              <a:buFont typeface="Arial" panose="020B0604020202020204" pitchFamily="34" charset="0"/>
+              <a:buNone/>
+            </a:pPr>
+            <a:endParaRPr lang="de-DE" dirty="0"/>
+          </a:p>
+          <a:p>
+            <a:pPr marL="0" indent="0">
+              <a:buFont typeface="Arial" panose="020B0604020202020204" pitchFamily="34" charset="0"/>
+              <a:buNone/>
+            </a:pPr>
             <a:r>
               <a:rPr lang="de-DE" dirty="0"/>
-              <a:t>Dieser baut, testet, </a:t>
-            </a:r>
-            <a:r>
-              <a:rPr lang="de-DE" dirty="0" err="1"/>
-              <a:t>linted</a:t>
-            </a:r>
-            <a:r>
-              <a:rPr lang="de-DE" dirty="0"/>
-              <a:t>, statisch analysiert und </a:t>
-            </a:r>
-          </a:p>
-          <a:p>
-            <a:pPr marL="628650" lvl="1" indent="-171450">
-              <a:buFont typeface="Arial" panose="020B0604020202020204" pitchFamily="34" charset="0"/>
-              <a:buChar char="•"/>
-            </a:pPr>
-            <a:r>
-              <a:rPr lang="de-DE" dirty="0"/>
-              <a:t>wenn das alles erfolgreich war, wird in </a:t>
-            </a:r>
-            <a:r>
-              <a:rPr lang="de-DE" dirty="0" err="1"/>
-              <a:t>in</a:t>
-            </a:r>
-            <a:r>
-              <a:rPr lang="de-DE" dirty="0"/>
-              <a:t> eine Betriebsumgebung </a:t>
-            </a:r>
-            <a:r>
-              <a:rPr lang="de-DE" dirty="0" err="1"/>
-              <a:t>deployed</a:t>
-            </a:r>
-            <a:r>
-              <a:rPr lang="de-DE" dirty="0"/>
-              <a:t>. </a:t>
-            </a:r>
-          </a:p>
-          <a:p>
-            <a:endParaRPr lang="de-DE" dirty="0"/>
-          </a:p>
-          <a:p>
-            <a:r>
-              <a:rPr lang="de-DE" dirty="0"/>
-              <a:t>„Push“-Prinzip (durch den deploy-Pfeil!), wie der Code in die produktive Umgebung kommt.</a:t>
-            </a:r>
-          </a:p>
-          <a:p>
-            <a:endParaRPr lang="de-DE" dirty="0"/>
-          </a:p>
-          <a:p>
-            <a:r>
-              <a:rPr lang="de-DE" dirty="0"/>
-              <a:t>2) </a:t>
+              <a:t>Zu 4. Der CI-Server läuft im vergleich zum </a:t>
             </a:r>
             <a:r>
               <a:rPr lang="de-DE" dirty="0" err="1"/>
@@ -5494,10 +5431,43 @@
             </a:r>
             <a:r>
               <a:rPr lang="de-DE" dirty="0"/>
-              <a:t>, kleiner aber feiner Unterschied: „Pull“-Prinzip aus dem K8s Cluster heraus.</a:t>
-            </a:r>
-          </a:p>
-          <a:p>
+              <a:t>-Operator nur einmalig durch. Der </a:t>
+            </a:r>
+            <a:r>
+              <a:rPr lang="de-DE" dirty="0" err="1"/>
+              <a:t>GitOps</a:t>
+            </a:r>
+            <a:r>
+              <a:rPr lang="de-DE" dirty="0"/>
+              <a:t>-Operator prüft kontinuierlich.</a:t>
+            </a:r>
+          </a:p>
+          <a:p>
+            <a:pPr marL="0" indent="0">
+              <a:buFont typeface="Arial" panose="020B0604020202020204" pitchFamily="34" charset="0"/>
+              <a:buNone/>
+            </a:pPr>
+            <a:endParaRPr lang="de-DE" dirty="0"/>
+          </a:p>
+          <a:p>
+            <a:pPr marL="0" indent="0">
+              <a:buFont typeface="Arial" panose="020B0604020202020204" pitchFamily="34" charset="0"/>
+              <a:buNone/>
+            </a:pPr>
+            <a:endParaRPr lang="de-DE" dirty="0"/>
+          </a:p>
+          <a:p>
+            <a:pPr marL="0" indent="0">
+              <a:buFont typeface="Arial" panose="020B0604020202020204" pitchFamily="34" charset="0"/>
+              <a:buNone/>
+            </a:pPr>
+            <a:endParaRPr lang="de-DE" dirty="0"/>
+          </a:p>
+          <a:p>
+            <a:pPr marL="0" indent="0">
+              <a:buFont typeface="Arial" panose="020B0604020202020204" pitchFamily="34" charset="0"/>
+              <a:buNone/>
+            </a:pPr>
             <a:endParaRPr lang="de-DE" dirty="0"/>
           </a:p>
           <a:p>
@@ -5505,435 +5475,7 @@
               <a:buFont typeface="Arial" panose="020B0604020202020204" pitchFamily="34" charset="0"/>
               <a:buChar char="•"/>
             </a:pPr>
-            <a:r>
-              <a:rPr lang="de-DE" dirty="0"/>
-              <a:t>Softwareentwickler pushen Code in ein </a:t>
-            </a:r>
-            <a:r>
-              <a:rPr lang="de-DE" dirty="0" err="1"/>
-              <a:t>Git</a:t>
-            </a:r>
-            <a:r>
-              <a:rPr lang="de-DE" dirty="0"/>
-              <a:t> Repo. </a:t>
-            </a:r>
-          </a:p>
-          <a:p>
-            <a:pPr marL="171450" indent="-171450">
-              <a:buFont typeface="Arial" panose="020B0604020202020204" pitchFamily="34" charset="0"/>
-              <a:buChar char="•"/>
-            </a:pPr>
-            <a:r>
-              <a:rPr lang="de-DE" dirty="0"/>
-              <a:t>Auf das </a:t>
-            </a:r>
-            <a:r>
-              <a:rPr lang="de-DE" dirty="0" err="1"/>
-              <a:t>Git</a:t>
-            </a:r>
-            <a:r>
-              <a:rPr lang="de-DE" dirty="0"/>
-              <a:t> Repo lauscht ein CI Server.</a:t>
-            </a:r>
-          </a:p>
-          <a:p>
-            <a:pPr marL="171450" indent="-171450">
-              <a:buFont typeface="Arial" panose="020B0604020202020204" pitchFamily="34" charset="0"/>
-              <a:buChar char="•"/>
-            </a:pPr>
-            <a:r>
-              <a:rPr lang="de-DE" dirty="0"/>
-              <a:t>Der/das Cluster zieht sich sein Stake aus dem </a:t>
-            </a:r>
-            <a:r>
-              <a:rPr lang="de-DE" dirty="0" err="1"/>
-              <a:t>Git</a:t>
-            </a:r>
-            <a:r>
-              <a:rPr lang="de-DE" dirty="0"/>
-              <a:t> selbst. </a:t>
-            </a:r>
-          </a:p>
-          <a:p>
-            <a:pPr marL="171450" indent="-171450">
-              <a:buFont typeface="Arial" panose="020B0604020202020204" pitchFamily="34" charset="0"/>
-              <a:buChar char="•"/>
-            </a:pPr>
-            <a:r>
-              <a:rPr lang="de-DE" dirty="0"/>
-              <a:t>Das geschieht durch die Umsetzung des Operator-Pattern im </a:t>
-            </a:r>
-            <a:r>
-              <a:rPr lang="de-DE" dirty="0" err="1"/>
-              <a:t>Kubernetes</a:t>
-            </a:r>
-            <a:r>
-              <a:rPr lang="de-DE" dirty="0"/>
-              <a:t>. </a:t>
-            </a:r>
-          </a:p>
-          <a:p>
-            <a:pPr marL="171450" indent="-171450">
-              <a:buFont typeface="Arial" panose="020B0604020202020204" pitchFamily="34" charset="0"/>
-              <a:buChar char="•"/>
-            </a:pPr>
-            <a:r>
-              <a:rPr lang="de-DE" dirty="0"/>
-              <a:t>Der </a:t>
-            </a:r>
-            <a:r>
-              <a:rPr lang="de-DE" dirty="0" err="1"/>
-              <a:t>GitOps</a:t>
-            </a:r>
-            <a:r>
-              <a:rPr lang="de-DE" dirty="0"/>
-              <a:t> Operator lauscht auf das </a:t>
-            </a:r>
-            <a:r>
-              <a:rPr lang="de-DE" dirty="0" err="1"/>
-              <a:t>Git</a:t>
-            </a:r>
-            <a:r>
-              <a:rPr lang="de-DE" dirty="0"/>
-              <a:t> Repo und dort den Zielzustand des Systems abruft (= SOLL-Zustand) und dieser wird verglichen mit dem IST-Zustand (bereitgestellt durch den API Server) des Clusters.</a:t>
-            </a:r>
-          </a:p>
-          <a:p>
-            <a:pPr marL="171450" indent="-171450">
-              <a:buFont typeface="Arial" panose="020B0604020202020204" pitchFamily="34" charset="0"/>
-              <a:buChar char="•"/>
-            </a:pPr>
-            <a:r>
-              <a:rPr lang="de-DE" dirty="0"/>
-              <a:t>Wenn es zwischen diesen beiden Zuständen einen Unterschied gibt, dann wird der </a:t>
-            </a:r>
-            <a:r>
-              <a:rPr lang="de-DE" dirty="0" err="1"/>
-              <a:t>GitOps</a:t>
-            </a:r>
-            <a:r>
-              <a:rPr lang="de-DE" dirty="0"/>
-              <a:t> Operator aktiv und gleicht den IST-Zustand and den SOLL-Zustand an.</a:t>
-            </a:r>
-          </a:p>
-          <a:p>
             <a:endParaRPr lang="de-DE" dirty="0"/>
-          </a:p>
-          <a:p>
-            <a:r>
-              <a:rPr lang="de-DE" dirty="0"/>
-              <a:t>3) Wie wird beim </a:t>
-            </a:r>
-            <a:r>
-              <a:rPr lang="de-DE" dirty="0" err="1"/>
-              <a:t>CIOps</a:t>
-            </a:r>
-            <a:r>
-              <a:rPr lang="de-DE" dirty="0"/>
-              <a:t> das </a:t>
-            </a:r>
-            <a:r>
-              <a:rPr lang="de-DE" dirty="0" err="1"/>
-              <a:t>Deployment</a:t>
-            </a:r>
-            <a:r>
-              <a:rPr lang="de-DE" dirty="0"/>
-              <a:t> durchgeführt? (Frage in die Runde??!)</a:t>
-            </a:r>
-          </a:p>
-          <a:p>
-            <a:r>
-              <a:rPr lang="de-DE" dirty="0"/>
-              <a:t>Beim CI-Server ist es Imperativ. Beispielsweise über </a:t>
-            </a:r>
-            <a:r>
-              <a:rPr lang="de-DE" dirty="0" err="1"/>
-              <a:t>Deployment</a:t>
-            </a:r>
-            <a:r>
-              <a:rPr lang="de-DE" dirty="0"/>
-              <a:t>-Skripte.</a:t>
-            </a:r>
-          </a:p>
-          <a:p>
-            <a:endParaRPr lang="de-DE" dirty="0"/>
-          </a:p>
-          <a:p>
-            <a:r>
-              <a:rPr lang="de-DE" dirty="0"/>
-              <a:t>Wie wird das </a:t>
-            </a:r>
-            <a:r>
-              <a:rPr lang="de-DE" dirty="0" err="1"/>
-              <a:t>Deployment</a:t>
-            </a:r>
-            <a:r>
-              <a:rPr lang="de-DE" dirty="0"/>
-              <a:t> beim </a:t>
-            </a:r>
-            <a:r>
-              <a:rPr lang="de-DE" dirty="0" err="1"/>
-              <a:t>GitOps</a:t>
-            </a:r>
-            <a:r>
-              <a:rPr lang="de-DE" dirty="0"/>
-              <a:t> durchgeführt?</a:t>
-            </a:r>
-          </a:p>
-          <a:p>
-            <a:r>
-              <a:rPr lang="de-DE" dirty="0"/>
-              <a:t>Beim </a:t>
-            </a:r>
-            <a:r>
-              <a:rPr lang="de-DE" dirty="0" err="1"/>
-              <a:t>GitOps</a:t>
-            </a:r>
-            <a:r>
-              <a:rPr lang="de-DE" dirty="0"/>
-              <a:t> ist das rein deklarativ.</a:t>
-            </a:r>
-          </a:p>
-          <a:p>
-            <a:endParaRPr lang="de-DE" dirty="0"/>
-          </a:p>
-          <a:p>
-            <a:r>
-              <a:rPr lang="de-DE" dirty="0"/>
-              <a:t>4) Ausführungssemantik? </a:t>
-            </a:r>
-          </a:p>
-          <a:p>
-            <a:r>
-              <a:rPr lang="de-DE" dirty="0"/>
-              <a:t>Beim CI-Server 1x (EIN MAL), also </a:t>
-            </a:r>
-            <a:r>
-              <a:rPr lang="de-DE" dirty="0" err="1"/>
-              <a:t>once</a:t>
-            </a:r>
-            <a:r>
-              <a:rPr lang="de-DE" dirty="0"/>
-              <a:t>. Der hat eine Ausführungssemantik durch einen Push/Trigger oder eben durch das manuelle Starten</a:t>
-            </a:r>
-          </a:p>
-          <a:p>
-            <a:endParaRPr lang="de-DE" dirty="0"/>
-          </a:p>
-          <a:p>
-            <a:r>
-              <a:rPr lang="de-DE" dirty="0"/>
-              <a:t>Bei </a:t>
-            </a:r>
-            <a:r>
-              <a:rPr lang="de-DE" dirty="0" err="1"/>
-              <a:t>GitOps</a:t>
-            </a:r>
-            <a:r>
-              <a:rPr lang="de-DE" dirty="0"/>
-              <a:t>: es ist kontinuierlich. (</a:t>
-            </a:r>
-            <a:r>
-              <a:rPr lang="de-DE" dirty="0" err="1"/>
-              <a:t>continuously</a:t>
-            </a:r>
-            <a:r>
-              <a:rPr lang="de-DE" dirty="0"/>
-              <a:t>) Stichwort: </a:t>
-            </a:r>
-            <a:r>
-              <a:rPr lang="de-DE" dirty="0" err="1"/>
-              <a:t>Continuous</a:t>
-            </a:r>
-            <a:r>
-              <a:rPr lang="de-DE" dirty="0"/>
-              <a:t> </a:t>
-            </a:r>
-            <a:r>
-              <a:rPr lang="de-DE" dirty="0" err="1"/>
-              <a:t>Operations</a:t>
-            </a:r>
-            <a:r>
-              <a:rPr lang="de-DE" dirty="0"/>
-              <a:t>.</a:t>
-            </a:r>
-          </a:p>
-          <a:p>
-            <a:r>
-              <a:rPr lang="de-DE" dirty="0"/>
-              <a:t>Der Operator prüft kontinuierlich, ob es etwas neues in </a:t>
-            </a:r>
-            <a:r>
-              <a:rPr lang="de-DE" dirty="0" err="1"/>
-              <a:t>Git</a:t>
-            </a:r>
-            <a:r>
-              <a:rPr lang="de-DE" dirty="0"/>
-              <a:t> gibt oder sich der Zustand verändert hat.</a:t>
-            </a:r>
-          </a:p>
-          <a:p>
-            <a:endParaRPr lang="de-DE" dirty="0"/>
-          </a:p>
-          <a:p>
-            <a:r>
-              <a:rPr lang="de-DE" dirty="0"/>
-              <a:t>5) </a:t>
-            </a:r>
-          </a:p>
-          <a:p>
-            <a:endParaRPr lang="de-DE" dirty="0"/>
-          </a:p>
-          <a:p>
-            <a:r>
-              <a:rPr lang="de-DE" dirty="0" err="1"/>
-              <a:t>Klassiches</a:t>
-            </a:r>
-            <a:r>
-              <a:rPr lang="de-DE" dirty="0"/>
-              <a:t> </a:t>
-            </a:r>
-            <a:r>
-              <a:rPr lang="de-DE" dirty="0" err="1"/>
-              <a:t>CIOps</a:t>
-            </a:r>
-            <a:r>
-              <a:rPr lang="de-DE" dirty="0"/>
-              <a:t> macht der CI-Server CI und im Zweifel zusätzlich CD</a:t>
-            </a:r>
-          </a:p>
-          <a:p>
-            <a:endParaRPr lang="de-DE" dirty="0"/>
-          </a:p>
-          <a:p>
-            <a:r>
-              <a:rPr lang="de-DE" dirty="0"/>
-              <a:t>Das ist bei </a:t>
-            </a:r>
-            <a:r>
-              <a:rPr lang="de-DE" dirty="0" err="1"/>
-              <a:t>GitOps</a:t>
-            </a:r>
-            <a:r>
-              <a:rPr lang="de-DE" dirty="0"/>
-              <a:t> anders:</a:t>
-            </a:r>
-          </a:p>
-          <a:p>
-            <a:pPr marL="171450" indent="-171450">
-              <a:buFont typeface="Arial" panose="020B0604020202020204" pitchFamily="34" charset="0"/>
-              <a:buChar char="•"/>
-            </a:pPr>
-            <a:r>
-              <a:rPr lang="de-DE" dirty="0"/>
-              <a:t>Dort macht der CI Server tatsächlich nur CI</a:t>
-            </a:r>
-          </a:p>
-          <a:p>
-            <a:pPr marL="171450" indent="-171450">
-              <a:buFont typeface="Arial" panose="020B0604020202020204" pitchFamily="34" charset="0"/>
-              <a:buChar char="•"/>
-            </a:pPr>
-            <a:r>
-              <a:rPr lang="de-DE" dirty="0"/>
-              <a:t>Der </a:t>
-            </a:r>
-            <a:r>
-              <a:rPr lang="de-DE" dirty="0" err="1"/>
-              <a:t>GitOps</a:t>
-            </a:r>
-            <a:r>
-              <a:rPr lang="de-DE" dirty="0"/>
-              <a:t> Operator übernimmt den CD Teil</a:t>
-            </a:r>
-          </a:p>
-          <a:p>
-            <a:pPr marL="628650" lvl="1" indent="-171450">
-              <a:buFont typeface="Arial" panose="020B0604020202020204" pitchFamily="34" charset="0"/>
-              <a:buChar char="•"/>
-            </a:pPr>
-            <a:r>
-              <a:rPr lang="de-DE" dirty="0">
-                <a:sym typeface="Wingdings" panose="05000000000000000000" pitchFamily="2" charset="2"/>
-              </a:rPr>
-              <a:t></a:t>
-            </a:r>
-            <a:r>
-              <a:rPr lang="de-DE" dirty="0"/>
-              <a:t>„Man könnte </a:t>
-            </a:r>
-            <a:r>
-              <a:rPr lang="de-DE" dirty="0" err="1"/>
-              <a:t>GitOps</a:t>
-            </a:r>
-            <a:r>
-              <a:rPr lang="de-DE" dirty="0"/>
-              <a:t> als </a:t>
-            </a:r>
-            <a:r>
-              <a:rPr lang="de-DE" dirty="0" err="1"/>
-              <a:t>continuous</a:t>
-            </a:r>
-            <a:r>
-              <a:rPr lang="de-DE" dirty="0"/>
-              <a:t> </a:t>
-            </a:r>
-            <a:r>
-              <a:rPr lang="de-DE" dirty="0" err="1"/>
-              <a:t>delivery</a:t>
-            </a:r>
-            <a:r>
-              <a:rPr lang="de-DE" dirty="0"/>
-              <a:t> für </a:t>
-            </a:r>
-            <a:r>
-              <a:rPr lang="de-DE" dirty="0" err="1"/>
-              <a:t>cloud</a:t>
-            </a:r>
-            <a:r>
-              <a:rPr lang="de-DE" dirty="0"/>
-              <a:t>-native Anwendungen interpretieren“</a:t>
-            </a:r>
-          </a:p>
-          <a:p>
-            <a:pPr marL="628650" lvl="1" indent="-171450">
-              <a:buFont typeface="Arial" panose="020B0604020202020204" pitchFamily="34" charset="0"/>
-              <a:buChar char="•"/>
-            </a:pPr>
-            <a:endParaRPr lang="de-DE" dirty="0"/>
-          </a:p>
-          <a:p>
-            <a:pPr marL="628650" lvl="1" indent="-171450">
-              <a:buFont typeface="Arial" panose="020B0604020202020204" pitchFamily="34" charset="0"/>
-              <a:buChar char="•"/>
-            </a:pPr>
-            <a:endParaRPr lang="de-DE" dirty="0"/>
-          </a:p>
-          <a:p>
-            <a:pPr marL="0" lvl="0" indent="0">
-              <a:buFont typeface="Arial" panose="020B0604020202020204" pitchFamily="34" charset="0"/>
-              <a:buNone/>
-            </a:pPr>
-            <a:r>
-              <a:rPr lang="de-DE" dirty="0"/>
-              <a:t>Somit haben wir die Herleitung, wie sich </a:t>
-            </a:r>
-            <a:r>
-              <a:rPr lang="de-DE" dirty="0" err="1"/>
-              <a:t>GitOps</a:t>
-            </a:r>
-            <a:r>
-              <a:rPr lang="de-DE" dirty="0"/>
-              <a:t> von </a:t>
-            </a:r>
-            <a:r>
-              <a:rPr lang="de-DE" dirty="0" err="1"/>
-              <a:t>CIOps</a:t>
-            </a:r>
-            <a:r>
-              <a:rPr lang="de-DE" dirty="0"/>
-              <a:t> unterscheidet.</a:t>
-            </a:r>
           </a:p>
         </p:txBody>
       </p:sp>
@@ -5955,7 +5497,7 @@
             <a:fld id="{18182567-388C-4D33-8B7B-A651F195F118}" type="slidenum">
               <a:rPr lang="de-DE" altLang="de-DE" smtClean="0"/>
               <a:pPr/>
-              <a:t>9</a:t>
+              <a:t>8</a:t>
             </a:fld>
             <a:endParaRPr lang="de-DE" altLang="de-DE"/>
           </a:p>
@@ -5964,7 +5506,7 @@
     </p:spTree>
     <p:extLst>
       <p:ext uri="{BB962C8B-B14F-4D97-AF65-F5344CB8AC3E}">
-        <p14:creationId xmlns:p14="http://schemas.microsoft.com/office/powerpoint/2010/main" val="3979204594"/>
+        <p14:creationId xmlns:p14="http://schemas.microsoft.com/office/powerpoint/2010/main" val="4030025492"/>
       </p:ext>
     </p:extLst>
   </p:cSld>
@@ -6020,7 +5562,561 @@
           <a:p>
             <a:r>
               <a:rPr lang="de-DE" dirty="0"/>
-              <a:t>Quelle: https://imageresizer.com/de/meme-generator/bearbeiten/but-why </a:t>
+              <a:t>1)</a:t>
+            </a:r>
+          </a:p>
+          <a:p>
+            <a:r>
+              <a:rPr lang="de-DE" dirty="0" err="1"/>
+              <a:t>CIOps</a:t>
+            </a:r>
+            <a:r>
+              <a:rPr lang="de-DE" dirty="0"/>
+              <a:t>:</a:t>
+            </a:r>
+          </a:p>
+          <a:p>
+            <a:pPr marL="171450" indent="-171450">
+              <a:buFont typeface="Arial" panose="020B0604020202020204" pitchFamily="34" charset="0"/>
+              <a:buChar char="•"/>
+            </a:pPr>
+            <a:r>
+              <a:rPr lang="de-DE" dirty="0"/>
+              <a:t>Softwareentwickler pushen Code in ein </a:t>
+            </a:r>
+            <a:r>
+              <a:rPr lang="de-DE" dirty="0" err="1"/>
+              <a:t>Git</a:t>
+            </a:r>
+            <a:r>
+              <a:rPr lang="de-DE" dirty="0"/>
+              <a:t> Repo. </a:t>
+            </a:r>
+          </a:p>
+          <a:p>
+            <a:pPr marL="171450" indent="-171450">
+              <a:buFont typeface="Arial" panose="020B0604020202020204" pitchFamily="34" charset="0"/>
+              <a:buChar char="•"/>
+            </a:pPr>
+            <a:r>
+              <a:rPr lang="de-DE" dirty="0"/>
+              <a:t>Auf das </a:t>
+            </a:r>
+            <a:r>
+              <a:rPr lang="de-DE" dirty="0" err="1"/>
+              <a:t>Git</a:t>
+            </a:r>
+            <a:r>
+              <a:rPr lang="de-DE" dirty="0"/>
+              <a:t> Repo lauscht ein CI Server.</a:t>
+            </a:r>
+          </a:p>
+          <a:p>
+            <a:pPr marL="171450" indent="-171450">
+              <a:buFont typeface="Arial" panose="020B0604020202020204" pitchFamily="34" charset="0"/>
+              <a:buChar char="•"/>
+            </a:pPr>
+            <a:r>
+              <a:rPr lang="de-DE" dirty="0"/>
+              <a:t>Dieser baut, testet, </a:t>
+            </a:r>
+            <a:r>
+              <a:rPr lang="de-DE" dirty="0" err="1"/>
+              <a:t>linted</a:t>
+            </a:r>
+            <a:r>
+              <a:rPr lang="de-DE" dirty="0"/>
+              <a:t>, statisch analysiert und </a:t>
+            </a:r>
+          </a:p>
+          <a:p>
+            <a:pPr marL="628650" lvl="1" indent="-171450">
+              <a:buFont typeface="Arial" panose="020B0604020202020204" pitchFamily="34" charset="0"/>
+              <a:buChar char="•"/>
+            </a:pPr>
+            <a:r>
+              <a:rPr lang="de-DE" dirty="0"/>
+              <a:t>wenn das alles erfolgreich war, wird in </a:t>
+            </a:r>
+            <a:r>
+              <a:rPr lang="de-DE" dirty="0" err="1"/>
+              <a:t>in</a:t>
+            </a:r>
+            <a:r>
+              <a:rPr lang="de-DE" dirty="0"/>
+              <a:t> eine Betriebsumgebung </a:t>
+            </a:r>
+            <a:r>
+              <a:rPr lang="de-DE" dirty="0" err="1"/>
+              <a:t>deployed</a:t>
+            </a:r>
+            <a:r>
+              <a:rPr lang="de-DE" dirty="0"/>
+              <a:t>. </a:t>
+            </a:r>
+          </a:p>
+          <a:p>
+            <a:endParaRPr lang="de-DE" dirty="0"/>
+          </a:p>
+          <a:p>
+            <a:r>
+              <a:rPr lang="de-DE" dirty="0"/>
+              <a:t>„Push“-Prinzip (durch den deploy-Pfeil!), wie der Code in die produktive Umgebung kommt.</a:t>
+            </a:r>
+          </a:p>
+          <a:p>
+            <a:endParaRPr lang="de-DE" dirty="0"/>
+          </a:p>
+          <a:p>
+            <a:r>
+              <a:rPr lang="de-DE" dirty="0"/>
+              <a:t>2) </a:t>
+            </a:r>
+            <a:r>
+              <a:rPr lang="de-DE" dirty="0" err="1"/>
+              <a:t>GitOps</a:t>
+            </a:r>
+            <a:r>
+              <a:rPr lang="de-DE" dirty="0"/>
+              <a:t>, kleiner aber feiner Unterschied: „Pull“-Prinzip aus dem K8s Cluster heraus.</a:t>
+            </a:r>
+          </a:p>
+          <a:p>
+            <a:endParaRPr lang="de-DE" dirty="0"/>
+          </a:p>
+          <a:p>
+            <a:pPr marL="171450" indent="-171450">
+              <a:buFont typeface="Arial" panose="020B0604020202020204" pitchFamily="34" charset="0"/>
+              <a:buChar char="•"/>
+            </a:pPr>
+            <a:r>
+              <a:rPr lang="de-DE" dirty="0"/>
+              <a:t>Softwareentwickler pushen Code in ein </a:t>
+            </a:r>
+            <a:r>
+              <a:rPr lang="de-DE" dirty="0" err="1"/>
+              <a:t>Git</a:t>
+            </a:r>
+            <a:r>
+              <a:rPr lang="de-DE" dirty="0"/>
+              <a:t> Repo. </a:t>
+            </a:r>
+          </a:p>
+          <a:p>
+            <a:pPr marL="171450" indent="-171450">
+              <a:buFont typeface="Arial" panose="020B0604020202020204" pitchFamily="34" charset="0"/>
+              <a:buChar char="•"/>
+            </a:pPr>
+            <a:r>
+              <a:rPr lang="de-DE" dirty="0"/>
+              <a:t>Auf das </a:t>
+            </a:r>
+            <a:r>
+              <a:rPr lang="de-DE" dirty="0" err="1"/>
+              <a:t>Git</a:t>
+            </a:r>
+            <a:r>
+              <a:rPr lang="de-DE" dirty="0"/>
+              <a:t> Repo lauscht ein CI Server.</a:t>
+            </a:r>
+          </a:p>
+          <a:p>
+            <a:pPr marL="171450" indent="-171450">
+              <a:buFont typeface="Arial" panose="020B0604020202020204" pitchFamily="34" charset="0"/>
+              <a:buChar char="•"/>
+            </a:pPr>
+            <a:r>
+              <a:rPr lang="de-DE" dirty="0"/>
+              <a:t>Der/das Cluster zieht sich sein Stake aus dem </a:t>
+            </a:r>
+            <a:r>
+              <a:rPr lang="de-DE" dirty="0" err="1"/>
+              <a:t>Git</a:t>
+            </a:r>
+            <a:r>
+              <a:rPr lang="de-DE" dirty="0"/>
+              <a:t> selbst. </a:t>
+            </a:r>
+          </a:p>
+          <a:p>
+            <a:pPr marL="171450" indent="-171450">
+              <a:buFont typeface="Arial" panose="020B0604020202020204" pitchFamily="34" charset="0"/>
+              <a:buChar char="•"/>
+            </a:pPr>
+            <a:r>
+              <a:rPr lang="de-DE" dirty="0"/>
+              <a:t>Das geschieht durch die Umsetzung des Operator-Pattern im </a:t>
+            </a:r>
+            <a:r>
+              <a:rPr lang="de-DE" dirty="0" err="1"/>
+              <a:t>Kubernetes</a:t>
+            </a:r>
+            <a:r>
+              <a:rPr lang="de-DE" dirty="0"/>
+              <a:t>. </a:t>
+            </a:r>
+          </a:p>
+          <a:p>
+            <a:pPr marL="171450" indent="-171450">
+              <a:buFont typeface="Arial" panose="020B0604020202020204" pitchFamily="34" charset="0"/>
+              <a:buChar char="•"/>
+            </a:pPr>
+            <a:r>
+              <a:rPr lang="de-DE" dirty="0"/>
+              <a:t>Der </a:t>
+            </a:r>
+            <a:r>
+              <a:rPr lang="de-DE" dirty="0" err="1"/>
+              <a:t>GitOps</a:t>
+            </a:r>
+            <a:r>
+              <a:rPr lang="de-DE" dirty="0"/>
+              <a:t> Operator lauscht auf das </a:t>
+            </a:r>
+            <a:r>
+              <a:rPr lang="de-DE" dirty="0" err="1"/>
+              <a:t>Git</a:t>
+            </a:r>
+            <a:r>
+              <a:rPr lang="de-DE" dirty="0"/>
+              <a:t> Repo und dort den Zielzustand des Systems abruft (= SOLL-Zustand) und dieser wird verglichen mit dem IST-Zustand (bereitgestellt durch den API Server) des Clusters.</a:t>
+            </a:r>
+          </a:p>
+          <a:p>
+            <a:pPr marL="171450" indent="-171450">
+              <a:buFont typeface="Arial" panose="020B0604020202020204" pitchFamily="34" charset="0"/>
+              <a:buChar char="•"/>
+            </a:pPr>
+            <a:r>
+              <a:rPr lang="de-DE" dirty="0"/>
+              <a:t>Wenn es zwischen diesen beiden Zuständen einen Unterschied gibt, dann wird der </a:t>
+            </a:r>
+            <a:r>
+              <a:rPr lang="de-DE" dirty="0" err="1"/>
+              <a:t>GitOps</a:t>
+            </a:r>
+            <a:r>
+              <a:rPr lang="de-DE" dirty="0"/>
+              <a:t> Operator aktiv und gleicht den IST-Zustand and den SOLL-Zustand an.</a:t>
+            </a:r>
+          </a:p>
+          <a:p>
+            <a:endParaRPr lang="de-DE" dirty="0"/>
+          </a:p>
+          <a:p>
+            <a:r>
+              <a:rPr lang="de-DE" dirty="0"/>
+              <a:t>3) Wie wird beim </a:t>
+            </a:r>
+            <a:r>
+              <a:rPr lang="de-DE" dirty="0" err="1"/>
+              <a:t>CIOps</a:t>
+            </a:r>
+            <a:r>
+              <a:rPr lang="de-DE" dirty="0"/>
+              <a:t> das </a:t>
+            </a:r>
+            <a:r>
+              <a:rPr lang="de-DE" dirty="0" err="1"/>
+              <a:t>Deployment</a:t>
+            </a:r>
+            <a:r>
+              <a:rPr lang="de-DE" dirty="0"/>
+              <a:t> durchgeführt? (Frage in die Runde??!)</a:t>
+            </a:r>
+          </a:p>
+          <a:p>
+            <a:r>
+              <a:rPr lang="de-DE" dirty="0"/>
+              <a:t>Beim CI-Server ist es Imperativ. Beispielsweise über </a:t>
+            </a:r>
+            <a:r>
+              <a:rPr lang="de-DE" dirty="0" err="1"/>
+              <a:t>Deployment</a:t>
+            </a:r>
+            <a:r>
+              <a:rPr lang="de-DE" dirty="0"/>
+              <a:t>-Skripte.</a:t>
+            </a:r>
+          </a:p>
+          <a:p>
+            <a:endParaRPr lang="de-DE" dirty="0"/>
+          </a:p>
+          <a:p>
+            <a:r>
+              <a:rPr lang="de-DE" dirty="0"/>
+              <a:t>Wie wird das </a:t>
+            </a:r>
+            <a:r>
+              <a:rPr lang="de-DE" dirty="0" err="1"/>
+              <a:t>Deployment</a:t>
+            </a:r>
+            <a:r>
+              <a:rPr lang="de-DE" dirty="0"/>
+              <a:t> beim </a:t>
+            </a:r>
+            <a:r>
+              <a:rPr lang="de-DE" dirty="0" err="1"/>
+              <a:t>GitOps</a:t>
+            </a:r>
+            <a:r>
+              <a:rPr lang="de-DE" dirty="0"/>
+              <a:t> durchgeführt?</a:t>
+            </a:r>
+          </a:p>
+          <a:p>
+            <a:r>
+              <a:rPr lang="de-DE" dirty="0"/>
+              <a:t>Beim </a:t>
+            </a:r>
+            <a:r>
+              <a:rPr lang="de-DE" dirty="0" err="1"/>
+              <a:t>GitOps</a:t>
+            </a:r>
+            <a:r>
+              <a:rPr lang="de-DE" dirty="0"/>
+              <a:t> ist das rein deklarativ.</a:t>
+            </a:r>
+          </a:p>
+          <a:p>
+            <a:endParaRPr lang="de-DE" dirty="0"/>
+          </a:p>
+          <a:p>
+            <a:r>
+              <a:rPr lang="de-DE" dirty="0"/>
+              <a:t>4) Ausführungssemantik? </a:t>
+            </a:r>
+          </a:p>
+          <a:p>
+            <a:r>
+              <a:rPr lang="de-DE" dirty="0"/>
+              <a:t>Beim CI-Server 1x (EIN MAL), also </a:t>
+            </a:r>
+            <a:r>
+              <a:rPr lang="de-DE" dirty="0" err="1"/>
+              <a:t>once</a:t>
+            </a:r>
+            <a:r>
+              <a:rPr lang="de-DE" dirty="0"/>
+              <a:t>. Der hat eine Ausführungssemantik durch einen Push/Trigger oder eben durch das manuelle Starten</a:t>
+            </a:r>
+          </a:p>
+          <a:p>
+            <a:endParaRPr lang="de-DE" dirty="0"/>
+          </a:p>
+          <a:p>
+            <a:r>
+              <a:rPr lang="de-DE" dirty="0"/>
+              <a:t>Bei </a:t>
+            </a:r>
+            <a:r>
+              <a:rPr lang="de-DE" dirty="0" err="1"/>
+              <a:t>GitOps</a:t>
+            </a:r>
+            <a:r>
+              <a:rPr lang="de-DE" dirty="0"/>
+              <a:t>: es ist kontinuierlich. (</a:t>
+            </a:r>
+            <a:r>
+              <a:rPr lang="de-DE" dirty="0" err="1"/>
+              <a:t>continuously</a:t>
+            </a:r>
+            <a:r>
+              <a:rPr lang="de-DE" dirty="0"/>
+              <a:t>) Stichwort: </a:t>
+            </a:r>
+            <a:r>
+              <a:rPr lang="de-DE" dirty="0" err="1"/>
+              <a:t>Continuous</a:t>
+            </a:r>
+            <a:r>
+              <a:rPr lang="de-DE" dirty="0"/>
+              <a:t> </a:t>
+            </a:r>
+            <a:r>
+              <a:rPr lang="de-DE" dirty="0" err="1"/>
+              <a:t>Operations</a:t>
+            </a:r>
+            <a:r>
+              <a:rPr lang="de-DE" dirty="0"/>
+              <a:t>.</a:t>
+            </a:r>
+          </a:p>
+          <a:p>
+            <a:r>
+              <a:rPr lang="de-DE" dirty="0"/>
+              <a:t>Der Operator prüft kontinuierlich, ob es etwas neues in </a:t>
+            </a:r>
+            <a:r>
+              <a:rPr lang="de-DE" dirty="0" err="1"/>
+              <a:t>Git</a:t>
+            </a:r>
+            <a:r>
+              <a:rPr lang="de-DE" dirty="0"/>
+              <a:t> gibt oder sich der Zustand verändert hat.</a:t>
+            </a:r>
+          </a:p>
+          <a:p>
+            <a:endParaRPr lang="de-DE" dirty="0"/>
+          </a:p>
+          <a:p>
+            <a:r>
+              <a:rPr lang="de-DE" dirty="0"/>
+              <a:t>5) </a:t>
+            </a:r>
+          </a:p>
+          <a:p>
+            <a:endParaRPr lang="de-DE" dirty="0"/>
+          </a:p>
+          <a:p>
+            <a:r>
+              <a:rPr lang="de-DE" dirty="0" err="1"/>
+              <a:t>Klassiches</a:t>
+            </a:r>
+            <a:r>
+              <a:rPr lang="de-DE" dirty="0"/>
+              <a:t> </a:t>
+            </a:r>
+            <a:r>
+              <a:rPr lang="de-DE" dirty="0" err="1"/>
+              <a:t>CIOps</a:t>
+            </a:r>
+            <a:r>
+              <a:rPr lang="de-DE" dirty="0"/>
+              <a:t> macht der CI-Server CI und im Zweifel zusätzlich CD</a:t>
+            </a:r>
+          </a:p>
+          <a:p>
+            <a:endParaRPr lang="de-DE" dirty="0"/>
+          </a:p>
+          <a:p>
+            <a:r>
+              <a:rPr lang="de-DE" dirty="0"/>
+              <a:t>Das ist bei </a:t>
+            </a:r>
+            <a:r>
+              <a:rPr lang="de-DE" dirty="0" err="1"/>
+              <a:t>GitOps</a:t>
+            </a:r>
+            <a:r>
+              <a:rPr lang="de-DE" dirty="0"/>
+              <a:t> anders:</a:t>
+            </a:r>
+          </a:p>
+          <a:p>
+            <a:pPr marL="171450" indent="-171450">
+              <a:buFont typeface="Arial" panose="020B0604020202020204" pitchFamily="34" charset="0"/>
+              <a:buChar char="•"/>
+            </a:pPr>
+            <a:r>
+              <a:rPr lang="de-DE" dirty="0"/>
+              <a:t>Dort macht der CI Server tatsächlich nur CI</a:t>
+            </a:r>
+          </a:p>
+          <a:p>
+            <a:pPr marL="171450" indent="-171450">
+              <a:buFont typeface="Arial" panose="020B0604020202020204" pitchFamily="34" charset="0"/>
+              <a:buChar char="•"/>
+            </a:pPr>
+            <a:r>
+              <a:rPr lang="de-DE" dirty="0"/>
+              <a:t>Der </a:t>
+            </a:r>
+            <a:r>
+              <a:rPr lang="de-DE" dirty="0" err="1"/>
+              <a:t>GitOps</a:t>
+            </a:r>
+            <a:r>
+              <a:rPr lang="de-DE" dirty="0"/>
+              <a:t> Operator übernimmt den CD Teil</a:t>
+            </a:r>
+          </a:p>
+          <a:p>
+            <a:pPr marL="628650" lvl="1" indent="-171450">
+              <a:buFont typeface="Arial" panose="020B0604020202020204" pitchFamily="34" charset="0"/>
+              <a:buChar char="•"/>
+            </a:pPr>
+            <a:r>
+              <a:rPr lang="de-DE" dirty="0">
+                <a:sym typeface="Wingdings" panose="05000000000000000000" pitchFamily="2" charset="2"/>
+              </a:rPr>
+              <a:t></a:t>
+            </a:r>
+            <a:r>
+              <a:rPr lang="de-DE" dirty="0"/>
+              <a:t>„Man könnte </a:t>
+            </a:r>
+            <a:r>
+              <a:rPr lang="de-DE" dirty="0" err="1"/>
+              <a:t>GitOps</a:t>
+            </a:r>
+            <a:r>
+              <a:rPr lang="de-DE" dirty="0"/>
+              <a:t> als </a:t>
+            </a:r>
+            <a:r>
+              <a:rPr lang="de-DE" dirty="0" err="1"/>
+              <a:t>continuous</a:t>
+            </a:r>
+            <a:r>
+              <a:rPr lang="de-DE" dirty="0"/>
+              <a:t> </a:t>
+            </a:r>
+            <a:r>
+              <a:rPr lang="de-DE" dirty="0" err="1"/>
+              <a:t>delivery</a:t>
+            </a:r>
+            <a:r>
+              <a:rPr lang="de-DE" dirty="0"/>
+              <a:t> für </a:t>
+            </a:r>
+            <a:r>
+              <a:rPr lang="de-DE" dirty="0" err="1"/>
+              <a:t>cloud</a:t>
+            </a:r>
+            <a:r>
+              <a:rPr lang="de-DE" dirty="0"/>
+              <a:t>-native Anwendungen interpretieren“</a:t>
+            </a:r>
+          </a:p>
+          <a:p>
+            <a:pPr marL="628650" lvl="1" indent="-171450">
+              <a:buFont typeface="Arial" panose="020B0604020202020204" pitchFamily="34" charset="0"/>
+              <a:buChar char="•"/>
+            </a:pPr>
+            <a:endParaRPr lang="de-DE" dirty="0"/>
+          </a:p>
+          <a:p>
+            <a:pPr marL="628650" lvl="1" indent="-171450">
+              <a:buFont typeface="Arial" panose="020B0604020202020204" pitchFamily="34" charset="0"/>
+              <a:buChar char="•"/>
+            </a:pPr>
+            <a:endParaRPr lang="de-DE" dirty="0"/>
+          </a:p>
+          <a:p>
+            <a:pPr marL="0" lvl="0" indent="0">
+              <a:buFont typeface="Arial" panose="020B0604020202020204" pitchFamily="34" charset="0"/>
+              <a:buNone/>
+            </a:pPr>
+            <a:r>
+              <a:rPr lang="de-DE" dirty="0"/>
+              <a:t>Somit haben wir die Herleitung, wie sich </a:t>
+            </a:r>
+            <a:r>
+              <a:rPr lang="de-DE" dirty="0" err="1"/>
+              <a:t>GitOps</a:t>
+            </a:r>
+            <a:r>
+              <a:rPr lang="de-DE" dirty="0"/>
+              <a:t> von </a:t>
+            </a:r>
+            <a:r>
+              <a:rPr lang="de-DE" dirty="0" err="1"/>
+              <a:t>CIOps</a:t>
+            </a:r>
+            <a:r>
+              <a:rPr lang="de-DE" dirty="0"/>
+              <a:t> unterscheidet.</a:t>
             </a:r>
           </a:p>
         </p:txBody>
@@ -6043,7 +6139,7 @@
             <a:fld id="{18182567-388C-4D33-8B7B-A651F195F118}" type="slidenum">
               <a:rPr lang="de-DE" altLang="de-DE" smtClean="0"/>
               <a:pPr/>
-              <a:t>10</a:t>
+              <a:t>9</a:t>
             </a:fld>
             <a:endParaRPr lang="de-DE" altLang="de-DE"/>
           </a:p>
@@ -6052,7 +6148,7 @@
     </p:spTree>
     <p:extLst>
       <p:ext uri="{BB962C8B-B14F-4D97-AF65-F5344CB8AC3E}">
-        <p14:creationId xmlns:p14="http://schemas.microsoft.com/office/powerpoint/2010/main" val="4044336700"/>
+        <p14:creationId xmlns:p14="http://schemas.microsoft.com/office/powerpoint/2010/main" val="3979204594"/>
       </p:ext>
     </p:extLst>
   </p:cSld>
@@ -6108,17 +6204,7 @@
           <a:p>
             <a:r>
               <a:rPr lang="de-DE" dirty="0"/>
-              <a:t>Quelle:</a:t>
-            </a:r>
-          </a:p>
-          <a:p>
-            <a:pPr marL="171450" indent="-171450">
-              <a:buFont typeface="Arial" panose="020B0604020202020204" pitchFamily="34" charset="0"/>
-              <a:buChar char="•"/>
-            </a:pPr>
-            <a:r>
-              <a:rPr lang="de-DE" dirty="0"/>
-              <a:t>https://about.gitlab.com/topics/gitops/</a:t>
+              <a:t>Quelle: https://imageresizer.com/de/meme-generator/bearbeiten/but-why </a:t>
             </a:r>
           </a:p>
         </p:txBody>
@@ -6141,7 +6227,7 @@
             <a:fld id="{18182567-388C-4D33-8B7B-A651F195F118}" type="slidenum">
               <a:rPr lang="de-DE" altLang="de-DE" smtClean="0"/>
               <a:pPr/>
-              <a:t>11</a:t>
+              <a:t>10</a:t>
             </a:fld>
             <a:endParaRPr lang="de-DE" altLang="de-DE"/>
           </a:p>
@@ -6150,7 +6236,7 @@
     </p:spTree>
     <p:extLst>
       <p:ext uri="{BB962C8B-B14F-4D97-AF65-F5344CB8AC3E}">
-        <p14:creationId xmlns:p14="http://schemas.microsoft.com/office/powerpoint/2010/main" val="904260392"/>
+        <p14:creationId xmlns:p14="http://schemas.microsoft.com/office/powerpoint/2010/main" val="4044336700"/>
       </p:ext>
     </p:extLst>
   </p:cSld>
@@ -6204,132 +6290,20 @@
           <a:bodyPr/>
           <a:lstStyle/>
           <a:p>
-            <a:endParaRPr lang="de-DE" dirty="0"/>
-          </a:p>
-          <a:p>
-            <a:endParaRPr lang="de-DE" dirty="0"/>
-          </a:p>
-          <a:p>
-            <a:pPr marL="0" marR="0" lvl="0" indent="0" algn="l" defTabSz="762000" rtl="0" eaLnBrk="0" fontAlgn="base" latinLnBrk="0" hangingPunct="0">
-              <a:lnSpc>
-                <a:spcPct val="100000"/>
-              </a:lnSpc>
-              <a:spcBef>
-                <a:spcPct val="30000"/>
-              </a:spcBef>
-              <a:spcAft>
-                <a:spcPct val="0"/>
-              </a:spcAft>
-              <a:buClrTx/>
-              <a:buSzTx/>
-              <a:buFontTx/>
-              <a:buNone/>
-              <a:tabLst/>
-              <a:defRPr/>
-            </a:pPr>
             <a:r>
               <a:rPr lang="de-DE" dirty="0"/>
-              <a:t>CD-Prozess prüft Anforderungen für</a:t>
-            </a:r>
-          </a:p>
-          <a:p>
-            <a:pPr marL="0" marR="0" lvl="0" indent="0" algn="l" defTabSz="762000" rtl="0" eaLnBrk="0" fontAlgn="base" latinLnBrk="0" hangingPunct="0">
-              <a:lnSpc>
-                <a:spcPct val="100000"/>
-              </a:lnSpc>
-              <a:spcBef>
-                <a:spcPct val="30000"/>
-              </a:spcBef>
-              <a:spcAft>
-                <a:spcPct val="0"/>
-              </a:spcAft>
-              <a:buClrTx/>
-              <a:buSzTx/>
-              <a:buFontTx/>
-              <a:buNone/>
-              <a:tabLst/>
-              <a:defRPr/>
+              <a:t>Quelle:</a:t>
+            </a:r>
+          </a:p>
+          <a:p>
+            <a:pPr marL="171450" indent="-171450">
+              <a:buFont typeface="Arial" panose="020B0604020202020204" pitchFamily="34" charset="0"/>
+              <a:buChar char="•"/>
             </a:pPr>
             <a:r>
               <a:rPr lang="de-DE" dirty="0"/>
-              <a:t> Sicherheit, </a:t>
-            </a:r>
-          </a:p>
-          <a:p>
-            <a:pPr marL="0" marR="0" lvl="0" indent="0" algn="l" defTabSz="762000" rtl="0" eaLnBrk="0" fontAlgn="base" latinLnBrk="0" hangingPunct="0">
-              <a:lnSpc>
-                <a:spcPct val="100000"/>
-              </a:lnSpc>
-              <a:spcBef>
-                <a:spcPct val="30000"/>
-              </a:spcBef>
-              <a:spcAft>
-                <a:spcPct val="0"/>
-              </a:spcAft>
-              <a:buClrTx/>
-              <a:buSzTx/>
-              <a:buFontTx/>
-              <a:buNone/>
-              <a:tabLst/>
-              <a:defRPr/>
-            </a:pPr>
-            <a:r>
-              <a:rPr lang="de-DE" dirty="0" err="1"/>
-              <a:t>IaC</a:t>
-            </a:r>
-            <a:r>
-              <a:rPr lang="de-DE" dirty="0"/>
-              <a:t> </a:t>
-            </a:r>
-          </a:p>
-          <a:p>
-            <a:pPr marL="0" marR="0" lvl="0" indent="0" algn="l" defTabSz="762000" rtl="0" eaLnBrk="0" fontAlgn="base" latinLnBrk="0" hangingPunct="0">
-              <a:lnSpc>
-                <a:spcPct val="100000"/>
-              </a:lnSpc>
-              <a:spcBef>
-                <a:spcPct val="30000"/>
-              </a:spcBef>
-              <a:spcAft>
-                <a:spcPct val="0"/>
-              </a:spcAft>
-              <a:buClrTx/>
-              <a:buSzTx/>
-              <a:buFontTx/>
-              <a:buNone/>
-              <a:tabLst/>
-              <a:defRPr/>
-            </a:pPr>
-            <a:r>
-              <a:rPr lang="de-DE" dirty="0"/>
-              <a:t>oder andere Richtlinien</a:t>
-            </a:r>
-          </a:p>
-          <a:p>
-            <a:pPr marL="0" marR="0" lvl="0" indent="0" algn="l" defTabSz="762000" rtl="0" eaLnBrk="0" fontAlgn="base" latinLnBrk="0" hangingPunct="0">
-              <a:lnSpc>
-                <a:spcPct val="100000"/>
-              </a:lnSpc>
-              <a:spcBef>
-                <a:spcPct val="30000"/>
-              </a:spcBef>
-              <a:spcAft>
-                <a:spcPct val="0"/>
-              </a:spcAft>
-              <a:buClrTx/>
-              <a:buSzTx/>
-              <a:buFontTx/>
-              <a:buNone/>
-              <a:tabLst/>
-              <a:defRPr/>
-            </a:pPr>
-            <a:r>
-              <a:rPr lang="de-DE" dirty="0"/>
-              <a:t>und wendet die Anforderungen an (IST vs. SOLL)</a:t>
-            </a:r>
-          </a:p>
-          <a:p>
-            <a:endParaRPr lang="de-DE" dirty="0"/>
+              <a:t>https://about.gitlab.com/topics/gitops/</a:t>
+            </a:r>
           </a:p>
         </p:txBody>
       </p:sp>
@@ -6351,7 +6325,7 @@
             <a:fld id="{18182567-388C-4D33-8B7B-A651F195F118}" type="slidenum">
               <a:rPr lang="de-DE" altLang="de-DE" smtClean="0"/>
               <a:pPr/>
-              <a:t>12</a:t>
+              <a:t>11</a:t>
             </a:fld>
             <a:endParaRPr lang="de-DE" altLang="de-DE"/>
           </a:p>
@@ -6360,7 +6334,7 @@
     </p:spTree>
     <p:extLst>
       <p:ext uri="{BB962C8B-B14F-4D97-AF65-F5344CB8AC3E}">
-        <p14:creationId xmlns:p14="http://schemas.microsoft.com/office/powerpoint/2010/main" val="868790327"/>
+        <p14:creationId xmlns:p14="http://schemas.microsoft.com/office/powerpoint/2010/main" val="904260392"/>
       </p:ext>
     </p:extLst>
   </p:cSld>
@@ -6414,20 +6388,131 @@
           <a:bodyPr/>
           <a:lstStyle/>
           <a:p>
+            <a:endParaRPr lang="de-DE" dirty="0"/>
+          </a:p>
+          <a:p>
+            <a:endParaRPr lang="de-DE" dirty="0"/>
+          </a:p>
+          <a:p>
+            <a:pPr marL="0" marR="0" lvl="0" indent="0" algn="l" defTabSz="762000" rtl="0" eaLnBrk="0" fontAlgn="base" latinLnBrk="0" hangingPunct="0">
+              <a:lnSpc>
+                <a:spcPct val="100000"/>
+              </a:lnSpc>
+              <a:spcBef>
+                <a:spcPct val="30000"/>
+              </a:spcBef>
+              <a:spcAft>
+                <a:spcPct val="0"/>
+              </a:spcAft>
+              <a:buClrTx/>
+              <a:buSzTx/>
+              <a:buFontTx/>
+              <a:buNone/>
+              <a:tabLst/>
+              <a:defRPr/>
+            </a:pPr>
             <a:r>
               <a:rPr lang="de-DE" dirty="0"/>
-              <a:t>Quelle: </a:t>
-            </a:r>
-          </a:p>
-          <a:p>
-            <a:pPr marL="171450" indent="-171450">
-              <a:buFont typeface="Arial" panose="020B0604020202020204" pitchFamily="34" charset="0"/>
-              <a:buChar char="•"/>
+              <a:t>CD-Prozess prüft Anforderungen für</a:t>
+            </a:r>
+          </a:p>
+          <a:p>
+            <a:pPr marL="0" marR="0" lvl="0" indent="0" algn="l" defTabSz="762000" rtl="0" eaLnBrk="0" fontAlgn="base" latinLnBrk="0" hangingPunct="0">
+              <a:lnSpc>
+                <a:spcPct val="100000"/>
+              </a:lnSpc>
+              <a:spcBef>
+                <a:spcPct val="30000"/>
+              </a:spcBef>
+              <a:spcAft>
+                <a:spcPct val="0"/>
+              </a:spcAft>
+              <a:buClrTx/>
+              <a:buSzTx/>
+              <a:buFontTx/>
+              <a:buNone/>
+              <a:tabLst/>
+              <a:defRPr/>
+            </a:pPr>
+            <a:r>
+              <a:rPr lang="de-DE" dirty="0"/>
+              <a:t> Sicherheit, </a:t>
+            </a:r>
+          </a:p>
+          <a:p>
+            <a:pPr marL="0" marR="0" lvl="0" indent="0" algn="l" defTabSz="762000" rtl="0" eaLnBrk="0" fontAlgn="base" latinLnBrk="0" hangingPunct="0">
+              <a:lnSpc>
+                <a:spcPct val="100000"/>
+              </a:lnSpc>
+              <a:spcBef>
+                <a:spcPct val="30000"/>
+              </a:spcBef>
+              <a:spcAft>
+                <a:spcPct val="0"/>
+              </a:spcAft>
+              <a:buClrTx/>
+              <a:buSzTx/>
+              <a:buFontTx/>
+              <a:buNone/>
+              <a:tabLst/>
+              <a:defRPr/>
             </a:pPr>
             <a:r>
               <a:rPr lang="de-DE" dirty="0" err="1"/>
-              <a:t>gitlab-ebook</a:t>
-            </a:r>
+              <a:t>IaC</a:t>
+            </a:r>
+            <a:r>
+              <a:rPr lang="de-DE" dirty="0"/>
+              <a:t> </a:t>
+            </a:r>
+          </a:p>
+          <a:p>
+            <a:pPr marL="0" marR="0" lvl="0" indent="0" algn="l" defTabSz="762000" rtl="0" eaLnBrk="0" fontAlgn="base" latinLnBrk="0" hangingPunct="0">
+              <a:lnSpc>
+                <a:spcPct val="100000"/>
+              </a:lnSpc>
+              <a:spcBef>
+                <a:spcPct val="30000"/>
+              </a:spcBef>
+              <a:spcAft>
+                <a:spcPct val="0"/>
+              </a:spcAft>
+              <a:buClrTx/>
+              <a:buSzTx/>
+              <a:buFontTx/>
+              <a:buNone/>
+              <a:tabLst/>
+              <a:defRPr/>
+            </a:pPr>
+            <a:r>
+              <a:rPr lang="de-DE" dirty="0"/>
+              <a:t>oder andere Richtlinien</a:t>
+            </a:r>
+          </a:p>
+          <a:p>
+            <a:pPr marL="0" marR="0" lvl="0" indent="0" algn="l" defTabSz="762000" rtl="0" eaLnBrk="0" fontAlgn="base" latinLnBrk="0" hangingPunct="0">
+              <a:lnSpc>
+                <a:spcPct val="100000"/>
+              </a:lnSpc>
+              <a:spcBef>
+                <a:spcPct val="30000"/>
+              </a:spcBef>
+              <a:spcAft>
+                <a:spcPct val="0"/>
+              </a:spcAft>
+              <a:buClrTx/>
+              <a:buSzTx/>
+              <a:buFontTx/>
+              <a:buNone/>
+              <a:tabLst/>
+              <a:defRPr/>
+            </a:pPr>
+            <a:r>
+              <a:rPr lang="de-DE" dirty="0"/>
+              <a:t>und wendet die Anforderungen an (IST vs. SOLL)</a:t>
+            </a:r>
+          </a:p>
+          <a:p>
             <a:endParaRPr lang="de-DE" dirty="0"/>
           </a:p>
         </p:txBody>
@@ -6450,7 +6535,7 @@
             <a:fld id="{18182567-388C-4D33-8B7B-A651F195F118}" type="slidenum">
               <a:rPr lang="de-DE" altLang="de-DE" smtClean="0"/>
               <a:pPr/>
-              <a:t>14</a:t>
+              <a:t>12</a:t>
             </a:fld>
             <a:endParaRPr lang="de-DE" altLang="de-DE"/>
           </a:p>
@@ -6459,7 +6544,7 @@
     </p:spTree>
     <p:extLst>
       <p:ext uri="{BB962C8B-B14F-4D97-AF65-F5344CB8AC3E}">
-        <p14:creationId xmlns:p14="http://schemas.microsoft.com/office/powerpoint/2010/main" val="696351830"/>
+        <p14:creationId xmlns:p14="http://schemas.microsoft.com/office/powerpoint/2010/main" val="868790327"/>
       </p:ext>
     </p:extLst>
   </p:cSld>
@@ -6944,7 +7029,7 @@
               <a:pPr algn="ctr">
                 <a:defRPr/>
               </a:pPr>
-              <a:t>07.06.2024</a:t>
+              <a:t>10.06.2024</a:t>
             </a:fld>
             <a:endParaRPr lang="de-DE" sz="1000">
               <a:solidFill>
@@ -7307,7 +7392,7 @@
                 </a:solidFill>
                 <a:latin typeface="Arial" charset="0"/>
               </a:rPr>
-              <a:t>&lt;Autor&gt;</a:t>
+              <a:t>Daniel Krämer &amp; Malte Fischer</a:t>
             </a:r>
           </a:p>
         </p:txBody>
@@ -7329,7 +7414,7 @@
         <p:spPr bwMode="auto">
           <a:xfrm>
             <a:off x="4252913" y="6424613"/>
-            <a:ext cx="1311578" cy="246221"/>
+            <a:ext cx="1721946" cy="246221"/>
           </a:xfrm>
           <a:prstGeom prst="rect">
             <a:avLst/>
@@ -7359,7 +7444,7 @@
                 </a:solidFill>
                 <a:latin typeface="Arial" charset="0"/>
               </a:rPr>
-              <a:t>Tag-2_5-GitOps.ppt</a:t>
+              <a:t>Tag-3_1-GitOps_Light.pptx</a:t>
             </a:r>
             <a:endParaRPr lang="de-DE" dirty="0">
               <a:solidFill>
@@ -8913,7 +8998,7 @@
         <p:spPr bwMode="auto">
           <a:xfrm>
             <a:off x="468313" y="2562225"/>
-            <a:ext cx="4967287" cy="938213"/>
+            <a:ext cx="5471839" cy="938213"/>
           </a:xfrm>
           <a:prstGeom prst="rect">
             <a:avLst/>
@@ -8946,21 +9031,31 @@
             <a:pPr algn="l" eaLnBrk="1" hangingPunct="1"/>
             <a:r>
               <a:rPr lang="de-DE" altLang="de-DE" sz="3200" dirty="0"/>
-              <a:t>Tag 2: Vertiefung </a:t>
-            </a:r>
-            <a:r>
-              <a:rPr lang="de-DE" altLang="de-DE" sz="3200" dirty="0" err="1"/>
-              <a:t>Git</a:t>
-            </a:r>
-            <a:r>
-              <a:rPr lang="de-DE" altLang="de-DE" sz="3200" dirty="0"/>
-              <a:t>-Workflow, CI/CD &amp; </a:t>
+              <a:t>Tag 3: </a:t>
             </a:r>
             <a:r>
               <a:rPr lang="de-DE" altLang="de-DE" sz="3200" dirty="0" err="1"/>
               <a:t>GitOps</a:t>
             </a:r>
-            <a:endParaRPr lang="de-DE" altLang="de-DE" sz="3200" dirty="0"/>
+            <a:r>
+              <a:rPr lang="de-DE" altLang="de-DE" sz="3200" dirty="0"/>
+              <a:t>,</a:t>
+            </a:r>
+            <a:br>
+              <a:rPr lang="de-DE" altLang="de-DE" sz="3200" dirty="0"/>
+            </a:br>
+            <a:r>
+              <a:rPr lang="de-DE" altLang="de-DE" sz="3200" dirty="0"/>
+              <a:t>Docker in der Entwicklung und </a:t>
+            </a:r>
+            <a:r>
+              <a:rPr lang="de-DE" altLang="de-DE" sz="3200" dirty="0" err="1"/>
+              <a:t>Deployment</a:t>
+            </a:r>
+            <a:r>
+              <a:rPr lang="de-DE" altLang="de-DE" sz="3200" dirty="0"/>
+              <a:t>-Strategien</a:t>
+            </a:r>
           </a:p>
         </p:txBody>
       </p:sp>
@@ -8982,8 +9077,8 @@
         </p:nvSpPr>
         <p:spPr bwMode="auto">
           <a:xfrm>
-            <a:off x="468313" y="4462463"/>
-            <a:ext cx="2159000" cy="622300"/>
+            <a:off x="468312" y="4462463"/>
+            <a:ext cx="4190603" cy="622300"/>
           </a:xfrm>
           <a:prstGeom prst="rect">
             <a:avLst/>
@@ -9018,8 +9113,8 @@
               <a:buNone/>
             </a:pPr>
             <a:r>
-              <a:rPr lang="de-DE" altLang="de-DE" sz="1600"/>
-              <a:t>&lt;Datum, Autor&gt;</a:t>
+              <a:rPr lang="de-DE" altLang="de-DE" sz="1600" dirty="0"/>
+              <a:t>19.06.2024, Daniel Krämer &amp; Malte Fischer</a:t>
             </a:r>
           </a:p>
         </p:txBody>
@@ -9172,18 +9267,54 @@
           </a:lstStyle>
           <a:p>
             <a:pPr eaLnBrk="1" hangingPunct="1"/>
-            <a:r>
-              <a:rPr lang="de-DE" altLang="de-DE" sz="4400">
-                <a:solidFill>
-                  <a:schemeClr val="tx2"/>
-                </a:solidFill>
-                <a:latin typeface="Arial" panose="020B0604020202020204" pitchFamily="34" charset="0"/>
-              </a:rPr>
-              <a:t>&lt;Kundenlogo&gt;</a:t>
-            </a:r>
+            <a:endParaRPr lang="de-DE" altLang="de-DE" sz="4400" dirty="0">
+              <a:solidFill>
+                <a:schemeClr val="tx2"/>
+              </a:solidFill>
+              <a:latin typeface="Arial" panose="020B0604020202020204" pitchFamily="34" charset="0"/>
+            </a:endParaRPr>
           </a:p>
         </p:txBody>
       </p:sp>
+      <p:pic>
+        <p:nvPicPr>
+          <p:cNvPr id="3" name="Grafik 2">
+            <a:extLst>
+              <a:ext uri="{FF2B5EF4-FFF2-40B4-BE49-F238E27FC236}">
+                <a16:creationId xmlns:a16="http://schemas.microsoft.com/office/drawing/2014/main" id="{F795EC6A-86ED-78D6-3916-EC81E8315965}"/>
+              </a:ext>
+            </a:extLst>
+          </p:cNvPr>
+          <p:cNvPicPr>
+            <a:picLocks noChangeAspect="1"/>
+          </p:cNvPicPr>
+          <p:nvPr/>
+        </p:nvPicPr>
+        <p:blipFill>
+          <a:blip r:embed="rId3">
+            <a:extLst>
+              <a:ext uri="{28A0092B-C50C-407E-A947-70E740481C1C}">
+                <a14:useLocalDpi xmlns:a14="http://schemas.microsoft.com/office/drawing/2010/main" val="0"/>
+              </a:ext>
+              <a:ext uri="{96DAC541-7B7A-43D3-8B79-37D633B846F1}">
+                <asvg:svgBlip xmlns:asvg="http://schemas.microsoft.com/office/drawing/2016/SVG/main" r:embed="rId4"/>
+              </a:ext>
+            </a:extLst>
+          </a:blip>
+          <a:stretch>
+            <a:fillRect/>
+          </a:stretch>
+        </p:blipFill>
+        <p:spPr>
+          <a:xfrm>
+            <a:off x="309959" y="263970"/>
+            <a:ext cx="4348957" cy="1508822"/>
+          </a:xfrm>
+          <a:prstGeom prst="rect">
+            <a:avLst/>
+          </a:prstGeom>
+        </p:spPr>
+      </p:pic>
     </p:spTree>
   </p:cSld>
   <p:clrMapOvr>
@@ -11587,7 +11718,132 @@
               <a:buFont typeface="Arial" panose="020B0604020202020204" pitchFamily="34" charset="0"/>
               <a:buChar char="•"/>
             </a:pPr>
-            <a:endParaRPr lang="de-DE" altLang="de-DE" sz="1800" b="1" dirty="0"/>
+            <a:r>
+              <a:rPr lang="de-DE" altLang="de-DE" sz="1800" b="1" dirty="0"/>
+              <a:t>Tag 1 – Einführung in </a:t>
+            </a:r>
+            <a:r>
+              <a:rPr lang="de-DE" altLang="de-DE" sz="1800" b="1" dirty="0" err="1"/>
+              <a:t>Git</a:t>
+            </a:r>
+            <a:r>
+              <a:rPr lang="de-DE" altLang="de-DE" sz="1800" b="1" dirty="0"/>
+              <a:t> und </a:t>
+            </a:r>
+            <a:r>
+              <a:rPr lang="de-DE" altLang="de-DE" sz="1800" b="1" dirty="0" err="1"/>
+              <a:t>GitLab</a:t>
+            </a:r>
+            <a:r>
+              <a:rPr lang="de-DE" altLang="de-DE" sz="1800" b="1" dirty="0"/>
+              <a:t>, </a:t>
+            </a:r>
+            <a:r>
+              <a:rPr lang="de-DE" altLang="de-DE" sz="1800" b="1" dirty="0" err="1"/>
+              <a:t>Git</a:t>
+            </a:r>
+            <a:r>
+              <a:rPr lang="de-DE" altLang="de-DE" sz="1800" b="1" dirty="0"/>
+              <a:t>-Workflow im Team</a:t>
+            </a:r>
+          </a:p>
+          <a:p>
+            <a:pPr lvl="1">
+              <a:buFont typeface="Arial" panose="020B0604020202020204" pitchFamily="34" charset="0"/>
+              <a:buChar char="•"/>
+            </a:pPr>
+            <a:r>
+              <a:rPr lang="de-DE" altLang="de-DE" sz="1400" dirty="0"/>
+              <a:t>Einführung &amp; Kursüberblick</a:t>
+            </a:r>
+          </a:p>
+          <a:p>
+            <a:pPr lvl="1">
+              <a:buFont typeface="Arial" panose="020B0604020202020204" pitchFamily="34" charset="0"/>
+              <a:buChar char="•"/>
+            </a:pPr>
+            <a:r>
+              <a:rPr lang="de-DE" altLang="de-DE" sz="1400" dirty="0"/>
+              <a:t>Grundlagen von </a:t>
+            </a:r>
+            <a:r>
+              <a:rPr lang="de-DE" altLang="de-DE" sz="1400" dirty="0" err="1"/>
+              <a:t>Git</a:t>
+            </a:r>
+            <a:endParaRPr lang="de-DE" altLang="de-DE" sz="1400" dirty="0"/>
+          </a:p>
+          <a:p>
+            <a:pPr lvl="1">
+              <a:buFont typeface="Arial" panose="020B0604020202020204" pitchFamily="34" charset="0"/>
+              <a:buChar char="•"/>
+            </a:pPr>
+            <a:r>
+              <a:rPr lang="de-DE" altLang="de-DE" sz="1400" dirty="0" err="1"/>
+              <a:t>Git</a:t>
+            </a:r>
+            <a:r>
+              <a:rPr lang="de-DE" altLang="de-DE" sz="1400" dirty="0"/>
+              <a:t> </a:t>
+            </a:r>
+            <a:r>
+              <a:rPr lang="de-DE" altLang="de-DE" sz="1400" dirty="0" err="1"/>
+              <a:t>Rebase</a:t>
+            </a:r>
+            <a:r>
+              <a:rPr lang="de-DE" altLang="de-DE" sz="1400" dirty="0"/>
+              <a:t> und </a:t>
+            </a:r>
+            <a:r>
+              <a:rPr lang="de-DE" altLang="de-DE" sz="1400" dirty="0" err="1"/>
+              <a:t>Merge</a:t>
+            </a:r>
+            <a:r>
+              <a:rPr lang="de-DE" altLang="de-DE" sz="1400" dirty="0"/>
+              <a:t>-Strategien</a:t>
+            </a:r>
+          </a:p>
+          <a:p>
+            <a:pPr lvl="1">
+              <a:buFont typeface="Arial" panose="020B0604020202020204" pitchFamily="34" charset="0"/>
+              <a:buChar char="•"/>
+            </a:pPr>
+            <a:r>
+              <a:rPr lang="de-DE" altLang="de-DE" sz="1400" dirty="0" err="1"/>
+              <a:t>Git</a:t>
+            </a:r>
+            <a:r>
+              <a:rPr lang="de-DE" altLang="de-DE" sz="1400" dirty="0"/>
+              <a:t> Remote</a:t>
+            </a:r>
+          </a:p>
+          <a:p>
+            <a:pPr lvl="1">
+              <a:buFont typeface="Arial" panose="020B0604020202020204" pitchFamily="34" charset="0"/>
+              <a:buChar char="•"/>
+            </a:pPr>
+            <a:r>
+              <a:rPr lang="de-DE" altLang="de-DE" sz="1400" dirty="0"/>
+              <a:t>Grundlagen von </a:t>
+            </a:r>
+            <a:r>
+              <a:rPr lang="de-DE" altLang="de-DE" sz="1400" dirty="0" err="1"/>
+              <a:t>GitLab</a:t>
+            </a:r>
+            <a:endParaRPr lang="de-DE" altLang="de-DE" sz="1400" dirty="0"/>
+          </a:p>
+          <a:p>
+            <a:pPr lvl="1">
+              <a:buFont typeface="Arial" panose="020B0604020202020204" pitchFamily="34" charset="0"/>
+              <a:buChar char="•"/>
+            </a:pPr>
+            <a:r>
+              <a:rPr lang="de-DE" altLang="de-DE" sz="1400" dirty="0" err="1"/>
+              <a:t>Git</a:t>
+            </a:r>
+            <a:r>
+              <a:rPr lang="de-DE" altLang="de-DE" sz="1400" dirty="0"/>
+              <a:t>-Workflow im Team</a:t>
+            </a:r>
           </a:p>
           <a:p>
             <a:pPr>
@@ -11596,7 +11852,7 @@
             </a:pPr>
             <a:r>
               <a:rPr lang="de-DE" altLang="de-DE" sz="1800" b="1" dirty="0"/>
-              <a:t>Tag 1 – Einführung in </a:t>
+              <a:t>Tag 2 – Vertiefung </a:t>
             </a:r>
             <a:r>
               <a:rPr lang="de-DE" altLang="de-DE" sz="1800" b="1" dirty="0" err="1"/>
@@ -11604,7 +11860,7 @@
             </a:r>
             <a:r>
               <a:rPr lang="de-DE" altLang="de-DE" sz="1800" b="1" dirty="0"/>
-              <a:t> und </a:t>
+              <a:t>-Workflow, CI/CD &amp; </a:t>
             </a:r>
             <a:r>
               <a:rPr lang="de-DE" altLang="de-DE" sz="1800" b="1" dirty="0" err="1"/>
@@ -11612,15 +11868,7 @@
             </a:r>
             <a:r>
               <a:rPr lang="de-DE" altLang="de-DE" sz="1800" b="1" dirty="0"/>
-              <a:t>, </a:t>
-            </a:r>
-            <a:r>
-              <a:rPr lang="de-DE" altLang="de-DE" sz="1800" b="1" dirty="0" err="1"/>
-              <a:t>Git</a:t>
-            </a:r>
-            <a:r>
-              <a:rPr lang="de-DE" altLang="de-DE" sz="1800" b="1" dirty="0"/>
-              <a:t>-Workflow im Team</a:t>
+              <a:t> CI </a:t>
             </a:r>
           </a:p>
           <a:p>
@@ -11629,8 +11877,12 @@
               <a:buChar char="•"/>
             </a:pPr>
             <a:r>
+              <a:rPr lang="de-DE" altLang="de-DE" sz="1400" dirty="0" err="1"/>
+              <a:t>Gitflow</a:t>
+            </a:r>
+            <a:r>
               <a:rPr lang="de-DE" altLang="de-DE" sz="1400" dirty="0"/>
-              <a:t>Einführung &amp; Kursüberblick</a:t>
+              <a:t>-Workflow</a:t>
             </a:r>
           </a:p>
           <a:p>
@@ -11640,21 +11892,8 @@
             </a:pPr>
             <a:r>
               <a:rPr lang="de-DE" altLang="de-DE" sz="1400" dirty="0"/>
-              <a:t>Grundlagen von </a:t>
-            </a:r>
-            <a:r>
-              <a:rPr lang="de-DE" altLang="de-DE" sz="1400" dirty="0" err="1"/>
-              <a:t>Git</a:t>
-            </a:r>
-            <a:r>
-              <a:rPr lang="de-DE" altLang="de-DE" sz="1400" dirty="0"/>
-              <a:t> und </a:t>
-            </a:r>
-            <a:r>
-              <a:rPr lang="de-DE" altLang="de-DE" sz="1400" dirty="0" err="1"/>
-              <a:t>GitLab</a:t>
-            </a:r>
-            <a:endParaRPr lang="de-DE" altLang="de-DE" sz="1400" dirty="0"/>
+              <a:t>Tags, Releases &amp; deren Verwaltung</a:t>
+            </a:r>
           </a:p>
           <a:p>
             <a:pPr lvl="1">
@@ -11663,27 +11902,11 @@
             </a:pPr>
             <a:r>
               <a:rPr lang="de-DE" altLang="de-DE" sz="1400" dirty="0" err="1"/>
-              <a:t>Git</a:t>
+              <a:t>GitLab</a:t>
             </a:r>
             <a:r>
               <a:rPr lang="de-DE" altLang="de-DE" sz="1400" dirty="0"/>
-              <a:t> </a:t>
-            </a:r>
-            <a:r>
-              <a:rPr lang="de-DE" altLang="de-DE" sz="1400" dirty="0" err="1"/>
-              <a:t>Rebase</a:t>
-            </a:r>
-            <a:r>
-              <a:rPr lang="de-DE" altLang="de-DE" sz="1400" dirty="0"/>
-              <a:t> &amp; </a:t>
-            </a:r>
-            <a:r>
-              <a:rPr lang="de-DE" altLang="de-DE" sz="1400" dirty="0" err="1"/>
-              <a:t>Merge</a:t>
-            </a:r>
-            <a:r>
-              <a:rPr lang="de-DE" altLang="de-DE" sz="1400" dirty="0"/>
-              <a:t>-Strategien</a:t>
+              <a:t>-Runner</a:t>
             </a:r>
           </a:p>
           <a:p>
@@ -11692,12 +11915,47 @@
               <a:buChar char="•"/>
             </a:pPr>
             <a:r>
+              <a:rPr lang="de-DE" altLang="de-DE" sz="1400" dirty="0"/>
+              <a:t>Einführung in </a:t>
+            </a:r>
+            <a:r>
               <a:rPr lang="de-DE" altLang="de-DE" sz="1400" dirty="0" err="1"/>
-              <a:t>Git</a:t>
+              <a:t>GitLab</a:t>
             </a:r>
             <a:r>
               <a:rPr lang="de-DE" altLang="de-DE" sz="1400" dirty="0"/>
-              <a:t>-Workflow im Team</a:t>
+              <a:t> CI/CD &amp; </a:t>
+            </a:r>
+            <a:r>
+              <a:rPr lang="de-DE" altLang="de-DE" sz="1400" dirty="0" err="1"/>
+              <a:t>gitlab.yml</a:t>
+            </a:r>
+            <a:endParaRPr lang="de-DE" altLang="de-DE" sz="1400" dirty="0"/>
+          </a:p>
+          <a:p>
+            <a:pPr>
+              <a:buFont typeface="Arial" panose="020B0604020202020204" pitchFamily="34" charset="0"/>
+              <a:buChar char="•"/>
+            </a:pPr>
+            <a:r>
+              <a:rPr lang="de-DE" altLang="de-DE" sz="1800" b="1" dirty="0"/>
+              <a:t>Tag 3 – </a:t>
+            </a:r>
+            <a:r>
+              <a:rPr lang="de-DE" altLang="de-DE" sz="1800" b="1" dirty="0" err="1"/>
+              <a:t>GitOps</a:t>
+            </a:r>
+            <a:r>
+              <a:rPr lang="de-DE" altLang="de-DE" sz="1800" b="1" dirty="0"/>
+              <a:t>, Docker in der Entwicklung und </a:t>
+            </a:r>
+            <a:r>
+              <a:rPr lang="de-DE" altLang="de-DE" sz="1800" b="1" dirty="0" err="1"/>
+              <a:t>Deployment</a:t>
+            </a:r>
+            <a:r>
+              <a:rPr lang="de-DE" altLang="de-DE" sz="1800" b="1" dirty="0"/>
+              <a:t>-Strategien</a:t>
             </a:r>
           </a:p>
           <a:p>
@@ -11705,30 +11963,14 @@
               <a:buFont typeface="Arial" panose="020B0604020202020204" pitchFamily="34" charset="0"/>
               <a:buChar char="•"/>
             </a:pPr>
-            <a:endParaRPr lang="de-DE" altLang="de-DE" sz="1400" dirty="0"/>
-          </a:p>
-          <a:p>
-            <a:pPr>
-              <a:buFont typeface="Arial" panose="020B0604020202020204" pitchFamily="34" charset="0"/>
-              <a:buChar char="•"/>
-            </a:pPr>
-            <a:r>
-              <a:rPr lang="de-DE" altLang="de-DE" sz="1800" b="1" dirty="0"/>
-              <a:t>Tag 2 – Vertiefung </a:t>
-            </a:r>
-            <a:r>
-              <a:rPr lang="de-DE" altLang="de-DE" sz="1800" b="1" dirty="0" err="1"/>
-              <a:t>Git</a:t>
-            </a:r>
-            <a:r>
-              <a:rPr lang="de-DE" altLang="de-DE" sz="1800" b="1" dirty="0"/>
-              <a:t>-Workflow, CI/CD &amp; </a:t>
-            </a:r>
-            <a:r>
-              <a:rPr lang="de-DE" altLang="de-DE" sz="1800" b="1" dirty="0" err="1"/>
+            <a:r>
+              <a:rPr lang="de-DE" altLang="de-DE" sz="1400" dirty="0" err="1"/>
               <a:t>GitOps</a:t>
             </a:r>
-            <a:endParaRPr lang="de-DE" altLang="de-DE" sz="1800" b="1" dirty="0"/>
+            <a:r>
+              <a:rPr lang="de-DE" altLang="de-DE" sz="1400" dirty="0"/>
+              <a:t> Grundlagen</a:t>
+            </a:r>
           </a:p>
           <a:p>
             <a:pPr lvl="1">
@@ -11736,12 +11978,8 @@
               <a:buChar char="•"/>
             </a:pPr>
             <a:r>
-              <a:rPr lang="de-DE" altLang="de-DE" sz="1400" dirty="0" err="1"/>
-              <a:t>Gitflow</a:t>
-            </a:r>
-            <a:r>
               <a:rPr lang="de-DE" altLang="de-DE" sz="1400" dirty="0"/>
-              <a:t>-Workflow</a:t>
+              <a:t>Lokale Entwicklung mit Docker</a:t>
             </a:r>
           </a:p>
           <a:p>
@@ -11751,7 +11989,7 @@
             </a:pPr>
             <a:r>
               <a:rPr lang="de-DE" altLang="de-DE" sz="1400" dirty="0"/>
-              <a:t>Tags, Releases &amp; deren Verwaltung</a:t>
+              <a:t>Container/Docker-Registry</a:t>
             </a:r>
           </a:p>
           <a:p>
@@ -11761,21 +11999,16 @@
             </a:pPr>
             <a:r>
               <a:rPr lang="de-DE" altLang="de-DE" sz="1400" dirty="0"/>
-              <a:t>Einführung in </a:t>
+              <a:t>Erstellen von Release- und </a:t>
             </a:r>
             <a:r>
               <a:rPr lang="de-DE" altLang="de-DE" sz="1400" dirty="0" err="1"/>
-              <a:t>GitLab</a:t>
+              <a:t>Tagged</a:t>
             </a:r>
             <a:r>
               <a:rPr lang="de-DE" altLang="de-DE" sz="1400" dirty="0"/>
-              <a:t> CI/CD &amp; </a:t>
-            </a:r>
-            <a:r>
-              <a:rPr lang="de-DE" altLang="de-DE" sz="1400" dirty="0" err="1"/>
-              <a:t>gitlab.yml</a:t>
-            </a:r>
-            <a:endParaRPr lang="de-DE" altLang="de-DE" sz="1400" dirty="0"/>
+              <a:t>-Images</a:t>
+            </a:r>
           </a:p>
           <a:p>
             <a:pPr lvl="1">
@@ -11784,105 +12017,25 @@
             </a:pPr>
             <a:r>
               <a:rPr lang="de-DE" altLang="de-DE" sz="1400" dirty="0"/>
-              <a:t>Grundlagen von </a:t>
+              <a:t>Möglichkeiten des </a:t>
             </a:r>
             <a:r>
               <a:rPr lang="de-DE" altLang="de-DE" sz="1400" dirty="0" err="1"/>
-              <a:t>GitOps</a:t>
-            </a:r>
-            <a:endParaRPr lang="de-DE" altLang="de-DE" sz="1400" dirty="0"/>
+              <a:t>Deployments</a:t>
+            </a:r>
+            <a:r>
+              <a:rPr lang="de-DE" altLang="de-DE" sz="1400" dirty="0"/>
+              <a:t> &amp; Verwaltung von Konfiguration</a:t>
+            </a:r>
           </a:p>
           <a:p>
             <a:pPr lvl="1">
               <a:buFont typeface="Arial" panose="020B0604020202020204" pitchFamily="34" charset="0"/>
               <a:buChar char="•"/>
             </a:pPr>
-            <a:endParaRPr lang="de-DE" altLang="de-DE" sz="1400" dirty="0"/>
-          </a:p>
-          <a:p>
-            <a:pPr>
-              <a:buFont typeface="Arial" panose="020B0604020202020204" pitchFamily="34" charset="0"/>
-              <a:buChar char="•"/>
-            </a:pPr>
-            <a:r>
-              <a:rPr lang="de-DE" altLang="de-DE" sz="1800" b="1" dirty="0"/>
-              <a:t>Tag 3 – Docker in der Entwicklung, </a:t>
-            </a:r>
-            <a:r>
-              <a:rPr lang="de-DE" altLang="de-DE" sz="1800" b="1" dirty="0" err="1"/>
-              <a:t>GitLab</a:t>
-            </a:r>
-            <a:r>
-              <a:rPr lang="de-DE" altLang="de-DE" sz="1800" b="1" dirty="0"/>
-              <a:t> CI und </a:t>
-            </a:r>
-            <a:r>
-              <a:rPr lang="de-DE" altLang="de-DE" sz="1800" b="1" dirty="0" err="1"/>
-              <a:t>Deployment</a:t>
-            </a:r>
-            <a:r>
-              <a:rPr lang="de-DE" altLang="de-DE" sz="1800" b="1" dirty="0"/>
-              <a:t>-Strategien</a:t>
-            </a:r>
-          </a:p>
-          <a:p>
-            <a:pPr lvl="1">
-              <a:buFont typeface="Arial" panose="020B0604020202020204" pitchFamily="34" charset="0"/>
-              <a:buChar char="•"/>
-            </a:pPr>
             <a:r>
               <a:rPr lang="de-DE" altLang="de-DE" sz="1400" dirty="0"/>
-              <a:t>Lokale Entwicklung mit Docker</a:t>
-            </a:r>
-          </a:p>
-          <a:p>
-            <a:pPr lvl="1">
-              <a:buFont typeface="Arial" panose="020B0604020202020204" pitchFamily="34" charset="0"/>
-              <a:buChar char="•"/>
-            </a:pPr>
-            <a:r>
-              <a:rPr lang="de-DE" altLang="de-DE" sz="1400" dirty="0" err="1"/>
-              <a:t>GitLab</a:t>
-            </a:r>
-            <a:r>
-              <a:rPr lang="de-DE" altLang="de-DE" sz="1400" dirty="0"/>
-              <a:t>-Runner &amp; Docker-Registry</a:t>
-            </a:r>
-          </a:p>
-          <a:p>
-            <a:pPr lvl="1">
-              <a:buFont typeface="Arial" panose="020B0604020202020204" pitchFamily="34" charset="0"/>
-              <a:buChar char="•"/>
-            </a:pPr>
-            <a:r>
-              <a:rPr lang="de-DE" altLang="de-DE" sz="1400" dirty="0"/>
-              <a:t>Erstellen von Release- und </a:t>
-            </a:r>
-            <a:r>
-              <a:rPr lang="de-DE" altLang="de-DE" sz="1400" dirty="0" err="1"/>
-              <a:t>Tagged</a:t>
-            </a:r>
-            <a:r>
-              <a:rPr lang="de-DE" altLang="de-DE" sz="1400" dirty="0"/>
-              <a:t>-Images</a:t>
-            </a:r>
-          </a:p>
-          <a:p>
-            <a:pPr lvl="1">
-              <a:buFont typeface="Arial" panose="020B0604020202020204" pitchFamily="34" charset="0"/>
-              <a:buChar char="•"/>
-            </a:pPr>
-            <a:r>
-              <a:rPr lang="de-DE" altLang="de-DE" sz="1400" dirty="0"/>
-              <a:t>Möglichkeiten des </a:t>
-            </a:r>
-            <a:r>
-              <a:rPr lang="de-DE" altLang="de-DE" sz="1400" dirty="0" err="1"/>
-              <a:t>Deployments</a:t>
-            </a:r>
-            <a:r>
-              <a:rPr lang="de-DE" altLang="de-DE" sz="1400" dirty="0"/>
-              <a:t> &amp; Verwaltung von Konfiguration</a:t>
+              <a:t>Abschlussübung &amp; Diskussion</a:t>
             </a:r>
           </a:p>
           <a:p>
@@ -17822,7 +17975,132 @@
               <a:buFont typeface="Arial" panose="020B0604020202020204" pitchFamily="34" charset="0"/>
               <a:buChar char="•"/>
             </a:pPr>
-            <a:endParaRPr lang="de-DE" altLang="de-DE" sz="1800" b="1" dirty="0"/>
+            <a:r>
+              <a:rPr lang="de-DE" altLang="de-DE" sz="1800" b="1" dirty="0"/>
+              <a:t>Tag 1 – Einführung in </a:t>
+            </a:r>
+            <a:r>
+              <a:rPr lang="de-DE" altLang="de-DE" sz="1800" b="1" dirty="0" err="1"/>
+              <a:t>Git</a:t>
+            </a:r>
+            <a:r>
+              <a:rPr lang="de-DE" altLang="de-DE" sz="1800" b="1" dirty="0"/>
+              <a:t> und </a:t>
+            </a:r>
+            <a:r>
+              <a:rPr lang="de-DE" altLang="de-DE" sz="1800" b="1" dirty="0" err="1"/>
+              <a:t>GitLab</a:t>
+            </a:r>
+            <a:r>
+              <a:rPr lang="de-DE" altLang="de-DE" sz="1800" b="1" dirty="0"/>
+              <a:t>, </a:t>
+            </a:r>
+            <a:r>
+              <a:rPr lang="de-DE" altLang="de-DE" sz="1800" b="1" dirty="0" err="1"/>
+              <a:t>Git</a:t>
+            </a:r>
+            <a:r>
+              <a:rPr lang="de-DE" altLang="de-DE" sz="1800" b="1" dirty="0"/>
+              <a:t>-Workflow im Team</a:t>
+            </a:r>
+          </a:p>
+          <a:p>
+            <a:pPr lvl="1">
+              <a:buFont typeface="Arial" panose="020B0604020202020204" pitchFamily="34" charset="0"/>
+              <a:buChar char="•"/>
+            </a:pPr>
+            <a:r>
+              <a:rPr lang="de-DE" altLang="de-DE" sz="1400" dirty="0"/>
+              <a:t>Einführung &amp; Kursüberblick</a:t>
+            </a:r>
+          </a:p>
+          <a:p>
+            <a:pPr lvl="1">
+              <a:buFont typeface="Arial" panose="020B0604020202020204" pitchFamily="34" charset="0"/>
+              <a:buChar char="•"/>
+            </a:pPr>
+            <a:r>
+              <a:rPr lang="de-DE" altLang="de-DE" sz="1400" dirty="0"/>
+              <a:t>Grundlagen von </a:t>
+            </a:r>
+            <a:r>
+              <a:rPr lang="de-DE" altLang="de-DE" sz="1400" dirty="0" err="1"/>
+              <a:t>Git</a:t>
+            </a:r>
+            <a:endParaRPr lang="de-DE" altLang="de-DE" sz="1400" dirty="0"/>
+          </a:p>
+          <a:p>
+            <a:pPr lvl="1">
+              <a:buFont typeface="Arial" panose="020B0604020202020204" pitchFamily="34" charset="0"/>
+              <a:buChar char="•"/>
+            </a:pPr>
+            <a:r>
+              <a:rPr lang="de-DE" altLang="de-DE" sz="1400" dirty="0" err="1"/>
+              <a:t>Git</a:t>
+            </a:r>
+            <a:r>
+              <a:rPr lang="de-DE" altLang="de-DE" sz="1400" dirty="0"/>
+              <a:t> </a:t>
+            </a:r>
+            <a:r>
+              <a:rPr lang="de-DE" altLang="de-DE" sz="1400" dirty="0" err="1"/>
+              <a:t>Rebase</a:t>
+            </a:r>
+            <a:r>
+              <a:rPr lang="de-DE" altLang="de-DE" sz="1400" dirty="0"/>
+              <a:t> und </a:t>
+            </a:r>
+            <a:r>
+              <a:rPr lang="de-DE" altLang="de-DE" sz="1400" dirty="0" err="1"/>
+              <a:t>Merge</a:t>
+            </a:r>
+            <a:r>
+              <a:rPr lang="de-DE" altLang="de-DE" sz="1400" dirty="0"/>
+              <a:t>-Strategien</a:t>
+            </a:r>
+          </a:p>
+          <a:p>
+            <a:pPr lvl="1">
+              <a:buFont typeface="Arial" panose="020B0604020202020204" pitchFamily="34" charset="0"/>
+              <a:buChar char="•"/>
+            </a:pPr>
+            <a:r>
+              <a:rPr lang="de-DE" altLang="de-DE" sz="1400" dirty="0" err="1"/>
+              <a:t>Git</a:t>
+            </a:r>
+            <a:r>
+              <a:rPr lang="de-DE" altLang="de-DE" sz="1400" dirty="0"/>
+              <a:t> Remote</a:t>
+            </a:r>
+          </a:p>
+          <a:p>
+            <a:pPr lvl="1">
+              <a:buFont typeface="Arial" panose="020B0604020202020204" pitchFamily="34" charset="0"/>
+              <a:buChar char="•"/>
+            </a:pPr>
+            <a:r>
+              <a:rPr lang="de-DE" altLang="de-DE" sz="1400" dirty="0"/>
+              <a:t>Grundlagen von </a:t>
+            </a:r>
+            <a:r>
+              <a:rPr lang="de-DE" altLang="de-DE" sz="1400" dirty="0" err="1"/>
+              <a:t>GitLab</a:t>
+            </a:r>
+            <a:endParaRPr lang="de-DE" altLang="de-DE" sz="1400" dirty="0"/>
+          </a:p>
+          <a:p>
+            <a:pPr lvl="1">
+              <a:buFont typeface="Arial" panose="020B0604020202020204" pitchFamily="34" charset="0"/>
+              <a:buChar char="•"/>
+            </a:pPr>
+            <a:r>
+              <a:rPr lang="de-DE" altLang="de-DE" sz="1400" dirty="0" err="1"/>
+              <a:t>Git</a:t>
+            </a:r>
+            <a:r>
+              <a:rPr lang="de-DE" altLang="de-DE" sz="1400" dirty="0"/>
+              <a:t>-Workflow im Team</a:t>
+            </a:r>
           </a:p>
           <a:p>
             <a:pPr>
@@ -17831,7 +18109,7 @@
             </a:pPr>
             <a:r>
               <a:rPr lang="de-DE" altLang="de-DE" sz="1800" b="1" dirty="0"/>
-              <a:t>Tag 1 – Einführung in </a:t>
+              <a:t>Tag 2 – Vertiefung </a:t>
             </a:r>
             <a:r>
               <a:rPr lang="de-DE" altLang="de-DE" sz="1800" b="1" dirty="0" err="1"/>
@@ -17839,7 +18117,7 @@
             </a:r>
             <a:r>
               <a:rPr lang="de-DE" altLang="de-DE" sz="1800" b="1" dirty="0"/>
-              <a:t> und </a:t>
+              <a:t>-Workflow, CI/CD &amp; </a:t>
             </a:r>
             <a:r>
               <a:rPr lang="de-DE" altLang="de-DE" sz="1800" b="1" dirty="0" err="1"/>
@@ -17847,15 +18125,7 @@
             </a:r>
             <a:r>
               <a:rPr lang="de-DE" altLang="de-DE" sz="1800" b="1" dirty="0"/>
-              <a:t>, </a:t>
-            </a:r>
-            <a:r>
-              <a:rPr lang="de-DE" altLang="de-DE" sz="1800" b="1" dirty="0" err="1"/>
-              <a:t>Git</a:t>
-            </a:r>
-            <a:r>
-              <a:rPr lang="de-DE" altLang="de-DE" sz="1800" b="1" dirty="0"/>
-              <a:t>-Workflow im Team</a:t>
+              <a:t> CI </a:t>
             </a:r>
           </a:p>
           <a:p>
@@ -17864,8 +18134,12 @@
               <a:buChar char="•"/>
             </a:pPr>
             <a:r>
+              <a:rPr lang="de-DE" altLang="de-DE" sz="1400" dirty="0" err="1"/>
+              <a:t>Gitflow</a:t>
+            </a:r>
+            <a:r>
               <a:rPr lang="de-DE" altLang="de-DE" sz="1400" dirty="0"/>
-              <a:t>Einführung &amp; Kursüberblick</a:t>
+              <a:t>-Workflow</a:t>
             </a:r>
           </a:p>
           <a:p>
@@ -17875,21 +18149,8 @@
             </a:pPr>
             <a:r>
               <a:rPr lang="de-DE" altLang="de-DE" sz="1400" dirty="0"/>
-              <a:t>Grundlagen von </a:t>
-            </a:r>
-            <a:r>
-              <a:rPr lang="de-DE" altLang="de-DE" sz="1400" dirty="0" err="1"/>
-              <a:t>Git</a:t>
-            </a:r>
-            <a:r>
-              <a:rPr lang="de-DE" altLang="de-DE" sz="1400" dirty="0"/>
-              <a:t> und </a:t>
-            </a:r>
-            <a:r>
-              <a:rPr lang="de-DE" altLang="de-DE" sz="1400" dirty="0" err="1"/>
-              <a:t>GitLab</a:t>
-            </a:r>
-            <a:endParaRPr lang="de-DE" altLang="de-DE" sz="1400" dirty="0"/>
+              <a:t>Tags, Releases &amp; deren Verwaltung</a:t>
+            </a:r>
           </a:p>
           <a:p>
             <a:pPr lvl="1">
@@ -17898,27 +18159,11 @@
             </a:pPr>
             <a:r>
               <a:rPr lang="de-DE" altLang="de-DE" sz="1400" dirty="0" err="1"/>
-              <a:t>Git</a:t>
+              <a:t>GitLab</a:t>
             </a:r>
             <a:r>
               <a:rPr lang="de-DE" altLang="de-DE" sz="1400" dirty="0"/>
-              <a:t> </a:t>
-            </a:r>
-            <a:r>
-              <a:rPr lang="de-DE" altLang="de-DE" sz="1400" dirty="0" err="1"/>
-              <a:t>Rebase</a:t>
-            </a:r>
-            <a:r>
-              <a:rPr lang="de-DE" altLang="de-DE" sz="1400" dirty="0"/>
-              <a:t> &amp; </a:t>
-            </a:r>
-            <a:r>
-              <a:rPr lang="de-DE" altLang="de-DE" sz="1400" dirty="0" err="1"/>
-              <a:t>Merge</a:t>
-            </a:r>
-            <a:r>
-              <a:rPr lang="de-DE" altLang="de-DE" sz="1400" dirty="0"/>
-              <a:t>-Strategien</a:t>
+              <a:t>-Runner</a:t>
             </a:r>
           </a:p>
           <a:p>
@@ -17927,12 +18172,47 @@
               <a:buChar char="•"/>
             </a:pPr>
             <a:r>
+              <a:rPr lang="de-DE" altLang="de-DE" sz="1400" dirty="0"/>
+              <a:t>Einführung in </a:t>
+            </a:r>
+            <a:r>
               <a:rPr lang="de-DE" altLang="de-DE" sz="1400" dirty="0" err="1"/>
-              <a:t>Git</a:t>
+              <a:t>GitLab</a:t>
             </a:r>
             <a:r>
               <a:rPr lang="de-DE" altLang="de-DE" sz="1400" dirty="0"/>
-              <a:t>-Workflow im Team</a:t>
+              <a:t> CI/CD &amp; </a:t>
+            </a:r>
+            <a:r>
+              <a:rPr lang="de-DE" altLang="de-DE" sz="1400" dirty="0" err="1"/>
+              <a:t>gitlab.yml</a:t>
+            </a:r>
+            <a:endParaRPr lang="de-DE" altLang="de-DE" sz="1400" dirty="0"/>
+          </a:p>
+          <a:p>
+            <a:pPr>
+              <a:buFont typeface="Arial" panose="020B0604020202020204" pitchFamily="34" charset="0"/>
+              <a:buChar char="•"/>
+            </a:pPr>
+            <a:r>
+              <a:rPr lang="de-DE" altLang="de-DE" sz="1800" b="1" dirty="0"/>
+              <a:t>Tag 3 – </a:t>
+            </a:r>
+            <a:r>
+              <a:rPr lang="de-DE" altLang="de-DE" sz="1800" b="1" dirty="0" err="1"/>
+              <a:t>GitOps</a:t>
+            </a:r>
+            <a:r>
+              <a:rPr lang="de-DE" altLang="de-DE" sz="1800" b="1" dirty="0"/>
+              <a:t>, Docker in der Entwicklung und </a:t>
+            </a:r>
+            <a:r>
+              <a:rPr lang="de-DE" altLang="de-DE" sz="1800" b="1" dirty="0" err="1"/>
+              <a:t>Deployment</a:t>
+            </a:r>
+            <a:r>
+              <a:rPr lang="de-DE" altLang="de-DE" sz="1800" b="1" dirty="0"/>
+              <a:t>-Strategien</a:t>
             </a:r>
           </a:p>
           <a:p>
@@ -17940,30 +18220,14 @@
               <a:buFont typeface="Arial" panose="020B0604020202020204" pitchFamily="34" charset="0"/>
               <a:buChar char="•"/>
             </a:pPr>
-            <a:endParaRPr lang="de-DE" altLang="de-DE" sz="1400" dirty="0"/>
-          </a:p>
-          <a:p>
-            <a:pPr>
-              <a:buFont typeface="Arial" panose="020B0604020202020204" pitchFamily="34" charset="0"/>
-              <a:buChar char="•"/>
-            </a:pPr>
-            <a:r>
-              <a:rPr lang="de-DE" altLang="de-DE" sz="1800" b="1" dirty="0"/>
-              <a:t>Tag 2 – Vertiefung </a:t>
-            </a:r>
-            <a:r>
-              <a:rPr lang="de-DE" altLang="de-DE" sz="1800" b="1" dirty="0" err="1"/>
-              <a:t>Git</a:t>
-            </a:r>
-            <a:r>
-              <a:rPr lang="de-DE" altLang="de-DE" sz="1800" b="1" dirty="0"/>
-              <a:t>-Workflow, CI/CD &amp; </a:t>
-            </a:r>
-            <a:r>
-              <a:rPr lang="de-DE" altLang="de-DE" sz="1800" b="1" dirty="0" err="1"/>
+            <a:r>
+              <a:rPr lang="de-DE" altLang="de-DE" sz="1400" u="sng" dirty="0" err="1"/>
               <a:t>GitOps</a:t>
             </a:r>
-            <a:endParaRPr lang="de-DE" altLang="de-DE" sz="1800" b="1" dirty="0"/>
+            <a:r>
+              <a:rPr lang="de-DE" altLang="de-DE" sz="1400" u="sng" dirty="0"/>
+              <a:t> Grundlagen</a:t>
+            </a:r>
           </a:p>
           <a:p>
             <a:pPr lvl="1">
@@ -17971,12 +18235,8 @@
               <a:buChar char="•"/>
             </a:pPr>
             <a:r>
-              <a:rPr lang="de-DE" altLang="de-DE" sz="1400" dirty="0" err="1"/>
-              <a:t>Gitflow</a:t>
-            </a:r>
-            <a:r>
               <a:rPr lang="de-DE" altLang="de-DE" sz="1400" dirty="0"/>
-              <a:t>-Workflow</a:t>
+              <a:t>Lokale Entwicklung mit Docker</a:t>
             </a:r>
           </a:p>
           <a:p>
@@ -17986,7 +18246,7 @@
             </a:pPr>
             <a:r>
               <a:rPr lang="de-DE" altLang="de-DE" sz="1400" dirty="0"/>
-              <a:t>Tags, Releases &amp; deren Verwaltung</a:t>
+              <a:t>Container/Docker-Registry</a:t>
             </a:r>
           </a:p>
           <a:p>
@@ -17996,21 +18256,16 @@
             </a:pPr>
             <a:r>
               <a:rPr lang="de-DE" altLang="de-DE" sz="1400" dirty="0"/>
-              <a:t>Einführung in </a:t>
+              <a:t>Erstellen von Release- und </a:t>
             </a:r>
             <a:r>
               <a:rPr lang="de-DE" altLang="de-DE" sz="1400" dirty="0" err="1"/>
-              <a:t>GitLab</a:t>
+              <a:t>Tagged</a:t>
             </a:r>
             <a:r>
               <a:rPr lang="de-DE" altLang="de-DE" sz="1400" dirty="0"/>
-              <a:t> CI/CD &amp; </a:t>
-            </a:r>
-            <a:r>
-              <a:rPr lang="de-DE" altLang="de-DE" sz="1400" dirty="0" err="1"/>
-              <a:t>gitlab.yml</a:t>
-            </a:r>
-            <a:endParaRPr lang="de-DE" altLang="de-DE" sz="1400" dirty="0"/>
+              <a:t>-Images</a:t>
+            </a:r>
           </a:p>
           <a:p>
             <a:pPr lvl="1">
@@ -18018,110 +18273,26 @@
               <a:buChar char="•"/>
             </a:pPr>
             <a:r>
-              <a:rPr lang="de-DE" altLang="de-DE" sz="1400" u="sng" dirty="0"/>
-              <a:t>Grundlagen von </a:t>
-            </a:r>
-            <a:r>
-              <a:rPr lang="de-DE" altLang="de-DE" sz="1400" u="sng" dirty="0" err="1"/>
-              <a:t>GitOps</a:t>
-            </a:r>
-            <a:endParaRPr lang="de-DE" altLang="de-DE" sz="1400" u="sng" dirty="0"/>
+              <a:rPr lang="de-DE" altLang="de-DE" sz="1400" dirty="0"/>
+              <a:t>Möglichkeiten des </a:t>
+            </a:r>
+            <a:r>
+              <a:rPr lang="de-DE" altLang="de-DE" sz="1400" dirty="0" err="1"/>
+              <a:t>Deployments</a:t>
+            </a:r>
+            <a:r>
+              <a:rPr lang="de-DE" altLang="de-DE" sz="1400" dirty="0"/>
+              <a:t> &amp; Verwaltung von Konfiguration</a:t>
+            </a:r>
           </a:p>
           <a:p>
             <a:pPr lvl="1">
               <a:buFont typeface="Arial" panose="020B0604020202020204" pitchFamily="34" charset="0"/>
               <a:buChar char="•"/>
             </a:pPr>
-            <a:endParaRPr lang="de-DE" altLang="de-DE" sz="1400" dirty="0"/>
-          </a:p>
-          <a:p>
-            <a:pPr>
-              <a:buFont typeface="Arial" panose="020B0604020202020204" pitchFamily="34" charset="0"/>
-              <a:buChar char="•"/>
-            </a:pPr>
-            <a:r>
-              <a:rPr lang="de-DE" altLang="de-DE" sz="1800" b="1" dirty="0"/>
-              <a:t>Tag 3 – Docker in der Entwicklung, </a:t>
-            </a:r>
-            <a:r>
-              <a:rPr lang="de-DE" altLang="de-DE" sz="1800" b="1" dirty="0" err="1"/>
-              <a:t>GitLab</a:t>
-            </a:r>
-            <a:r>
-              <a:rPr lang="de-DE" altLang="de-DE" sz="1800" b="1" dirty="0"/>
-              <a:t> CI und </a:t>
-            </a:r>
-            <a:r>
-              <a:rPr lang="de-DE" altLang="de-DE" sz="1800" b="1" dirty="0" err="1"/>
-              <a:t>Deployment</a:t>
-            </a:r>
-            <a:r>
-              <a:rPr lang="de-DE" altLang="de-DE" sz="1800" b="1" dirty="0"/>
-              <a:t>-Strategien</a:t>
-            </a:r>
-          </a:p>
-          <a:p>
-            <a:pPr lvl="1">
-              <a:buFont typeface="Arial" panose="020B0604020202020204" pitchFamily="34" charset="0"/>
-              <a:buChar char="•"/>
-            </a:pPr>
             <a:r>
               <a:rPr lang="de-DE" altLang="de-DE" sz="1400" dirty="0"/>
-              <a:t>Lokale Entwicklung mit Docker</a:t>
-            </a:r>
-          </a:p>
-          <a:p>
-            <a:pPr lvl="1">
-              <a:buFont typeface="Arial" panose="020B0604020202020204" pitchFamily="34" charset="0"/>
-              <a:buChar char="•"/>
-            </a:pPr>
-            <a:r>
-              <a:rPr lang="de-DE" altLang="de-DE" sz="1400" dirty="0" err="1"/>
-              <a:t>GitLab</a:t>
-            </a:r>
-            <a:r>
-              <a:rPr lang="de-DE" altLang="de-DE" sz="1400" dirty="0"/>
-              <a:t>-Runner &amp; Docker-Registry</a:t>
-            </a:r>
-          </a:p>
-          <a:p>
-            <a:pPr lvl="1">
-              <a:buFont typeface="Arial" panose="020B0604020202020204" pitchFamily="34" charset="0"/>
-              <a:buChar char="•"/>
-            </a:pPr>
-            <a:r>
-              <a:rPr lang="de-DE" altLang="de-DE" sz="1400" dirty="0"/>
-              <a:t>Erstellen von Release- und </a:t>
-            </a:r>
-            <a:r>
-              <a:rPr lang="de-DE" altLang="de-DE" sz="1400" dirty="0" err="1"/>
-              <a:t>Tagged</a:t>
-            </a:r>
-            <a:r>
-              <a:rPr lang="de-DE" altLang="de-DE" sz="1400"/>
-              <a:t>-Images</a:t>
-            </a:r>
-          </a:p>
-          <a:p>
-            <a:pPr lvl="1">
-              <a:buFont typeface="Arial" panose="020B0604020202020204" pitchFamily="34" charset="0"/>
-              <a:buChar char="•"/>
-            </a:pPr>
-            <a:r>
-              <a:rPr lang="de-DE" altLang="de-DE" sz="1400"/>
-              <a:t>Möglichkeiten </a:t>
-            </a:r>
-            <a:r>
-              <a:rPr lang="de-DE" altLang="de-DE" sz="1400" dirty="0"/>
-              <a:t>des </a:t>
-            </a:r>
-            <a:r>
-              <a:rPr lang="de-DE" altLang="de-DE" sz="1400" dirty="0" err="1"/>
-              <a:t>Deployments</a:t>
-            </a:r>
-            <a:r>
-              <a:rPr lang="de-DE" altLang="de-DE" sz="1400" dirty="0"/>
-              <a:t> &amp; Verwaltung von Konfiguration</a:t>
+              <a:t>Abschlussübung &amp; Diskussion</a:t>
             </a:r>
           </a:p>
           <a:p>
@@ -18169,7 +18340,7 @@
     </p:spTree>
     <p:extLst>
       <p:ext uri="{BB962C8B-B14F-4D97-AF65-F5344CB8AC3E}">
-        <p14:creationId xmlns:p14="http://schemas.microsoft.com/office/powerpoint/2010/main" val="3071277897"/>
+        <p14:creationId xmlns:p14="http://schemas.microsoft.com/office/powerpoint/2010/main" val="423169401"/>
       </p:ext>
     </p:extLst>
   </p:cSld>

--- a/slides/Tag-3_1-GitOps_Light.pptx
+++ b/slides/Tag-3_1-GitOps_Light.pptx
@@ -3108,18 +3108,9 @@
           <a:lstStyle/>
           <a:p>
             <a:r>
-              <a:rPr lang="de-DE" dirty="0" err="1"/>
-              <a:t>Infra</a:t>
-            </a:r>
-            <a:r>
               <a:rPr lang="de-DE" dirty="0"/>
-              <a:t> </a:t>
-            </a:r>
-            <a:r>
-              <a:rPr lang="de-DE" dirty="0" err="1"/>
-              <a:t>operator</a:t>
-            </a:r>
-            <a:endParaRPr lang="de-DE" dirty="0"/>
+              <a:t>API Server</a:t>
+            </a:r>
           </a:p>
           <a:p>
             <a:r>
@@ -4128,138 +4119,7 @@
           <a:bodyPr/>
           <a:lstStyle/>
           <a:p>
-            <a:r>
-              <a:rPr lang="de-DE" dirty="0"/>
-              <a:t>Vorteile:</a:t>
-            </a:r>
-          </a:p>
-          <a:p>
-            <a:pPr marL="171450" indent="-171450">
-              <a:buFont typeface="Arial" panose="020B0604020202020204" pitchFamily="34" charset="0"/>
-              <a:buChar char="•"/>
-            </a:pPr>
-            <a:r>
-              <a:rPr lang="de-DE" dirty="0"/>
-              <a:t>Einzelnes Repo für die Entwicklung! (Höhere Effizienz)</a:t>
-            </a:r>
-          </a:p>
-          <a:p>
-            <a:pPr marL="171450" indent="-171450">
-              <a:buFont typeface="Arial" panose="020B0604020202020204" pitchFamily="34" charset="0"/>
-              <a:buChar char="•"/>
-            </a:pPr>
-            <a:r>
-              <a:rPr lang="de-DE" dirty="0"/>
-              <a:t>Automatisiertes </a:t>
-            </a:r>
-            <a:r>
-              <a:rPr lang="de-DE" dirty="0" err="1"/>
-              <a:t>Staging</a:t>
-            </a:r>
-            <a:r>
-              <a:rPr lang="de-DE" dirty="0"/>
-              <a:t> möglich (pull </a:t>
-            </a:r>
-            <a:r>
-              <a:rPr lang="de-DE" dirty="0" err="1"/>
-              <a:t>request</a:t>
-            </a:r>
-            <a:r>
-              <a:rPr lang="de-DE" dirty="0"/>
-              <a:t> Erzeugung, Namespaces)</a:t>
-            </a:r>
-          </a:p>
-          <a:p>
-            <a:pPr marL="171450" indent="-171450">
-              <a:buFont typeface="Arial" panose="020B0604020202020204" pitchFamily="34" charset="0"/>
-              <a:buChar char="•"/>
-            </a:pPr>
-            <a:r>
-              <a:rPr lang="de-DE" dirty="0"/>
-              <a:t>Shift-</a:t>
-            </a:r>
-            <a:r>
-              <a:rPr lang="de-DE" dirty="0" err="1"/>
-              <a:t>Left</a:t>
-            </a:r>
-            <a:r>
-              <a:rPr lang="de-DE" dirty="0"/>
-              <a:t>-Ansatz möglich! (Tests, Lint, Policy Check, ….)</a:t>
-            </a:r>
-          </a:p>
-          <a:p>
-            <a:pPr marL="628650" lvl="1" indent="-171450">
-              <a:buFont typeface="Arial" panose="020B0604020202020204" pitchFamily="34" charset="0"/>
-              <a:buChar char="•"/>
-            </a:pPr>
-            <a:r>
-              <a:rPr lang="de-DE" dirty="0"/>
-              <a:t>mit </a:t>
-            </a:r>
-            <a:r>
-              <a:rPr lang="de-DE" dirty="0" err="1"/>
-              <a:t>yamlint</a:t>
-            </a:r>
-            <a:r>
-              <a:rPr lang="de-DE" dirty="0"/>
-              <a:t>, </a:t>
-            </a:r>
-            <a:r>
-              <a:rPr lang="de-DE" dirty="0" err="1"/>
-              <a:t>kubeval</a:t>
-            </a:r>
-            <a:r>
-              <a:rPr lang="de-DE" dirty="0"/>
-              <a:t>, </a:t>
-            </a:r>
-            <a:r>
-              <a:rPr lang="de-DE" dirty="0" err="1"/>
-              <a:t>helm</a:t>
-            </a:r>
-            <a:r>
-              <a:rPr lang="de-DE" dirty="0"/>
-              <a:t> </a:t>
-            </a:r>
-            <a:r>
-              <a:rPr lang="de-DE" dirty="0" err="1"/>
-              <a:t>lint</a:t>
-            </a:r>
-            <a:r>
-              <a:rPr lang="de-DE" dirty="0"/>
-              <a:t>, </a:t>
-            </a:r>
-            <a:r>
-              <a:rPr lang="de-DE" dirty="0" err="1"/>
-              <a:t>conftest</a:t>
-            </a:r>
             <a:endParaRPr lang="de-DE" dirty="0"/>
-          </a:p>
-          <a:p>
-            <a:pPr marL="171450" indent="-171450">
-              <a:buFont typeface="Arial" panose="020B0604020202020204" pitchFamily="34" charset="0"/>
-              <a:buChar char="•"/>
-            </a:pPr>
-            <a:endParaRPr lang="de-DE" dirty="0"/>
-          </a:p>
-          <a:p>
-            <a:pPr marL="0" indent="0">
-              <a:buFont typeface="Arial" panose="020B0604020202020204" pitchFamily="34" charset="0"/>
-              <a:buNone/>
-            </a:pPr>
-            <a:r>
-              <a:rPr lang="de-DE" dirty="0"/>
-              <a:t>Nachteile:</a:t>
-            </a:r>
-          </a:p>
-          <a:p>
-            <a:pPr marL="171450" indent="-171450">
-              <a:buFont typeface="Arial" panose="020B0604020202020204" pitchFamily="34" charset="0"/>
-              <a:buChar char="•"/>
-            </a:pPr>
-            <a:r>
-              <a:rPr lang="de-DE" dirty="0"/>
-              <a:t>Komplexität steckt im Detail… Oder eben in den CI Pipelines.</a:t>
-            </a:r>
           </a:p>
         </p:txBody>
       </p:sp>
@@ -5423,7 +5283,7 @@
             </a:pPr>
             <a:r>
               <a:rPr lang="de-DE" dirty="0"/>
-              <a:t>Zu 4. Der CI-Server läuft im vergleich zum </a:t>
+              <a:t>Zu 4. Der CI-Server läuft im Vergleich zum </a:t>
             </a:r>
             <a:r>
               <a:rPr lang="de-DE" dirty="0" err="1"/>
@@ -7029,7 +6889,7 @@
               <a:pPr algn="ctr">
                 <a:defRPr/>
               </a:pPr>
-              <a:t>10.06.2024</a:t>
+              <a:t>12.06.2024</a:t>
             </a:fld>
             <a:endParaRPr lang="de-DE" sz="1000">
               <a:solidFill>
@@ -7413,7 +7273,7 @@
         </p:nvSpPr>
         <p:spPr bwMode="auto">
           <a:xfrm>
-            <a:off x="4252913" y="6424613"/>
+            <a:off x="4001540" y="6451600"/>
             <a:ext cx="1721946" cy="246221"/>
           </a:xfrm>
           <a:prstGeom prst="rect">
@@ -9504,7 +9364,7 @@
             </a:pPr>
             <a:r>
               <a:rPr lang="de-DE" altLang="de-DE" dirty="0"/>
-              <a:t>Softwareentwicklungs-Lebenszyklus größtenteils automatisiert</a:t>
+              <a:t>Softwareentwicklungs-Lebenszyklus automatisiert</a:t>
             </a:r>
           </a:p>
           <a:p>
@@ -9514,24 +9374,25 @@
             </a:pPr>
             <a:r>
               <a:rPr lang="de-DE" altLang="de-DE" sz="1900" dirty="0"/>
-              <a:t>Infrastruktur weitestgehend manuell</a:t>
-            </a:r>
-          </a:p>
-          <a:p>
-            <a:pPr lvl="2">
+              <a:t>Infrastruktur weitgehend manuell </a:t>
+            </a:r>
+            <a:r>
+              <a:rPr lang="de-DE" altLang="de-DE" sz="1700" dirty="0">
+                <a:sym typeface="Wingdings" panose="05000000000000000000" pitchFamily="2" charset="2"/>
+              </a:rPr>
+              <a:t></a:t>
+            </a:r>
+            <a:r>
+              <a:rPr lang="de-DE" altLang="de-DE" sz="1700" dirty="0"/>
+              <a:t> benötigt spezialisierte Teams</a:t>
+            </a:r>
+          </a:p>
+          <a:p>
+            <a:pPr lvl="1">
               <a:buFont typeface="Arial" panose="020B0604020202020204" pitchFamily="34" charset="0"/>
               <a:buChar char="•"/>
             </a:pPr>
-            <a:r>
-              <a:rPr lang="de-DE" altLang="de-DE" sz="1700" dirty="0">
-                <a:sym typeface="Wingdings" panose="05000000000000000000" pitchFamily="2" charset="2"/>
-              </a:rPr>
-              <a:t></a:t>
-            </a:r>
-            <a:r>
-              <a:rPr lang="de-DE" altLang="de-DE" sz="1700" dirty="0"/>
-              <a:t> Benötigt spezialisierte Teams</a:t>
-            </a:r>
+            <a:endParaRPr lang="de-DE" altLang="de-DE" sz="1700" dirty="0"/>
           </a:p>
           <a:p>
             <a:pPr>
@@ -9540,7 +9401,7 @@
             </a:pPr>
             <a:r>
               <a:rPr lang="de-DE" altLang="de-DE" dirty="0"/>
-              <a:t>Moderne Cloud-native Anwendungen auf Geschwindigkeit und Skalierbarkeit ausgerichtet</a:t>
+              <a:t>Cloud Native Apps</a:t>
             </a:r>
           </a:p>
           <a:p>
@@ -9549,9 +9410,26 @@
               <a:buChar char="•"/>
             </a:pPr>
             <a:r>
+              <a:rPr lang="de-DE" altLang="de-DE" dirty="0"/>
+              <a:t>Fokus auf Geschwindigkeit und Skalierbarkeit</a:t>
+            </a:r>
+          </a:p>
+          <a:p>
+            <a:pPr lvl="1">
+              <a:buFont typeface="Arial" panose="020B0604020202020204" pitchFamily="34" charset="0"/>
+              <a:buChar char="•"/>
+            </a:pPr>
+            <a:r>
               <a:rPr lang="de-DE" altLang="de-DE" sz="1900" dirty="0"/>
               <a:t>Trend: Infrastruktur in die Cloud </a:t>
             </a:r>
+          </a:p>
+          <a:p>
+            <a:pPr lvl="1">
+              <a:buFont typeface="Arial" panose="020B0604020202020204" pitchFamily="34" charset="0"/>
+              <a:buChar char="•"/>
+            </a:pPr>
+            <a:endParaRPr lang="de-DE" altLang="de-DE" sz="1900" dirty="0"/>
           </a:p>
           <a:p>
             <a:pPr>
@@ -9560,7 +9438,7 @@
             </a:pPr>
             <a:r>
               <a:rPr lang="de-DE" altLang="de-DE" dirty="0"/>
-              <a:t>Ziel: Infrastruktur-Bereitstellung automatisieren</a:t>
+              <a:t>Ziel: Infrastruktur-Provisionierung automatisieren</a:t>
             </a:r>
           </a:p>
           <a:p>
@@ -9569,8 +9447,12 @@
               <a:buChar char="•"/>
             </a:pPr>
             <a:r>
+              <a:rPr lang="de-DE" altLang="de-DE" sz="1900" dirty="0" err="1"/>
+              <a:t>Operations</a:t>
+            </a:r>
+            <a:r>
               <a:rPr lang="de-DE" altLang="de-DE" sz="1900" dirty="0"/>
-              <a:t>Operations-Teams nutzen Konfigurationsdateien als Code</a:t>
+              <a:t> nutzt Konfigurationsdateien als Code</a:t>
             </a:r>
           </a:p>
           <a:p>
@@ -9586,7 +9468,7 @@
             </a:r>
             <a:r>
               <a:rPr lang="de-DE" altLang="de-DE" sz="1900" dirty="0"/>
-              <a:t>garantieren konsistente Infrastruktur; analog Softwarecode konsistente Binärdateien</a:t>
+              <a:t>Konsistente Infrastruktur; analog Softwarecode (konsistente Binärdateien)</a:t>
             </a:r>
           </a:p>
           <a:p>
@@ -9726,7 +9608,7 @@
               <a:t>Infrastruktur als Code (</a:t>
             </a:r>
             <a:r>
-              <a:rPr lang="de-DE" dirty="0" err="1"/>
+              <a:rPr lang="de-DE" b="1" dirty="0" err="1"/>
               <a:t>IaC</a:t>
             </a:r>
             <a:r>
@@ -9739,6 +9621,13 @@
               <a:buFont typeface="Arial" panose="020B0604020202020204" pitchFamily="34" charset="0"/>
               <a:buChar char="•"/>
             </a:pPr>
+            <a:endParaRPr lang="de-DE" dirty="0"/>
+          </a:p>
+          <a:p>
+            <a:pPr>
+              <a:buFont typeface="Arial" panose="020B0604020202020204" pitchFamily="34" charset="0"/>
+              <a:buChar char="•"/>
+            </a:pPr>
             <a:r>
               <a:rPr lang="de-DE" dirty="0"/>
               <a:t>Vorgehen:</a:t>
@@ -9772,6 +9661,13 @@
             </a:r>
           </a:p>
           <a:p>
+            <a:pPr lvl="1">
+              <a:buFont typeface="Arial" panose="020B0604020202020204" pitchFamily="34" charset="0"/>
+              <a:buChar char="•"/>
+            </a:pPr>
+            <a:endParaRPr lang="de-DE" dirty="0"/>
+          </a:p>
+          <a:p>
             <a:pPr>
               <a:buFont typeface="Arial" panose="020B0604020202020204" pitchFamily="34" charset="0"/>
               <a:buChar char="•"/>
@@ -9811,6 +9707,18 @@
                 <a:sym typeface="Wingdings" panose="05000000000000000000" pitchFamily="2" charset="2"/>
               </a:rPr>
               <a:t> Rollbacks möglich</a:t>
+            </a:r>
+          </a:p>
+          <a:p>
+            <a:pPr lvl="1">
+              <a:buFont typeface="Arial" panose="020B0604020202020204" pitchFamily="34" charset="0"/>
+              <a:buChar char="•"/>
+            </a:pPr>
+            <a:r>
+              <a:rPr lang="de-DE" dirty="0">
+                <a:sym typeface="Wingdings" panose="05000000000000000000" pitchFamily="2" charset="2"/>
+              </a:rPr>
+              <a:t> Nachweisbarkeit gegeben</a:t>
             </a:r>
             <a:endParaRPr lang="de-DE" dirty="0"/>
           </a:p>
@@ -9911,7 +9819,7 @@
             </a:pPr>
             <a:r>
               <a:rPr lang="de-DE" dirty="0"/>
-              <a:t>Workflow für Anwendungsentwicklung</a:t>
+              <a:t>Workflow für Anwendungsbereitstellung</a:t>
             </a:r>
           </a:p>
           <a:p>
@@ -9965,7 +9873,7 @@
             </a:r>
             <a:r>
               <a:rPr lang="de-DE" dirty="0"/>
-              <a:t> um ein </a:t>
+              <a:t>, um ein </a:t>
             </a:r>
             <a:r>
               <a:rPr lang="de-DE" dirty="0" err="1"/>
@@ -9973,7 +9881,7 @@
             </a:r>
             <a:r>
               <a:rPr lang="de-DE" dirty="0"/>
-              <a:t>-Framework aufzubauen</a:t>
+              <a:t> Framework aufzubauen</a:t>
             </a:r>
           </a:p>
           <a:p>
@@ -9998,7 +9906,7 @@
             </a:r>
             <a:r>
               <a:rPr lang="de-DE" dirty="0" err="1"/>
-              <a:t>cicleci</a:t>
+              <a:t>circleci</a:t>
             </a:r>
             <a:r>
               <a:rPr lang="de-DE" dirty="0"/>
@@ -10030,12 +9938,8 @@
               <a:buChar char="•"/>
             </a:pPr>
             <a:r>
-              <a:rPr lang="de-DE" dirty="0" err="1"/>
-              <a:t>Konfiugrationsmanagementtools</a:t>
-            </a:r>
-            <a:r>
               <a:rPr lang="de-DE" dirty="0"/>
-              <a:t> (</a:t>
+              <a:t>Konfigurationsmanagement (</a:t>
             </a:r>
             <a:r>
               <a:rPr lang="de-DE" dirty="0" err="1"/>
@@ -10043,7 +9947,7 @@
             </a:r>
             <a:r>
               <a:rPr lang="de-DE" dirty="0"/>
-              <a:t>, Chef, puppet)</a:t>
+              <a:t>, Chef, puppet, Helm)</a:t>
             </a:r>
           </a:p>
           <a:p>
@@ -10422,12 +10326,9 @@
               </a:rPr>
               <a:t>Operations</a:t>
             </a:r>
-            <a:r>
-              <a:rPr lang="de-DE" dirty="0">
-                <a:sym typeface="Wingdings" panose="05000000000000000000" pitchFamily="2" charset="2"/>
-              </a:rPr>
-              <a:t>:</a:t>
-            </a:r>
+            <a:endParaRPr lang="de-DE" dirty="0">
+              <a:sym typeface="Wingdings" panose="05000000000000000000" pitchFamily="2" charset="2"/>
+            </a:endParaRPr>
           </a:p>
           <a:p>
             <a:pPr lvl="1">
@@ -10459,41 +10360,8 @@
               <a:rPr lang="de-DE" dirty="0">
                 <a:sym typeface="Wingdings" panose="05000000000000000000" pitchFamily="2" charset="2"/>
               </a:rPr>
-              <a:t> </a:t>
-            </a:r>
-            <a:r>
-              <a:rPr lang="de-DE" dirty="0" err="1">
-                <a:sym typeface="Wingdings" panose="05000000000000000000" pitchFamily="2" charset="2"/>
-              </a:rPr>
-              <a:t>life</a:t>
-            </a:r>
-            <a:r>
-              <a:rPr lang="de-DE" dirty="0">
-                <a:sym typeface="Wingdings" panose="05000000000000000000" pitchFamily="2" charset="2"/>
-              </a:rPr>
-              <a:t> </a:t>
-            </a:r>
-            <a:r>
-              <a:rPr lang="de-DE" dirty="0" err="1">
-                <a:sym typeface="Wingdings" panose="05000000000000000000" pitchFamily="2" charset="2"/>
-              </a:rPr>
-              <a:t>cycle</a:t>
-            </a:r>
-            <a:r>
-              <a:rPr lang="de-DE" dirty="0">
-                <a:sym typeface="Wingdings" panose="05000000000000000000" pitchFamily="2" charset="2"/>
-              </a:rPr>
-              <a:t> </a:t>
-            </a:r>
-            <a:r>
-              <a:rPr lang="de-DE" dirty="0" err="1">
-                <a:sym typeface="Wingdings" panose="05000000000000000000" pitchFamily="2" charset="2"/>
-              </a:rPr>
-              <a:t>management</a:t>
-            </a:r>
-            <a:endParaRPr lang="de-DE" dirty="0">
-              <a:sym typeface="Wingdings" panose="05000000000000000000" pitchFamily="2" charset="2"/>
-            </a:endParaRPr>
+              <a:t> Life Cycle Management</a:t>
+            </a:r>
           </a:p>
           <a:p>
             <a:pPr lvl="1">
@@ -10510,7 +10378,7 @@
               <a:rPr lang="de-DE" dirty="0" err="1">
                 <a:sym typeface="Wingdings" panose="05000000000000000000" pitchFamily="2" charset="2"/>
               </a:rPr>
-              <a:t>configuration</a:t>
+              <a:t>Configuration</a:t>
             </a:r>
             <a:endParaRPr lang="de-DE" dirty="0">
               <a:sym typeface="Wingdings" panose="05000000000000000000" pitchFamily="2" charset="2"/>
@@ -10688,7 +10556,7 @@
               <a:rPr lang="de-DE" sz="1800" dirty="0">
                 <a:sym typeface="Wingdings" panose="05000000000000000000" pitchFamily="2" charset="2"/>
               </a:rPr>
-              <a:t>Operation-Teams müssen keine Ressourcen zuweisen/genehmigen</a:t>
+              <a:t>Operations-Teams müssen keine Ressourcen zuweisen/genehmigen</a:t>
             </a:r>
           </a:p>
           <a:p>
@@ -10979,7 +10847,19 @@
               <a:rPr lang="de-DE" dirty="0">
                 <a:sym typeface="Wingdings" panose="05000000000000000000" pitchFamily="2" charset="2"/>
               </a:rPr>
-              <a:t> ist kein Muss!</a:t>
+              <a:t> ist </a:t>
+            </a:r>
+            <a:r>
+              <a:rPr lang="de-DE" b="1" dirty="0">
+                <a:sym typeface="Wingdings" panose="05000000000000000000" pitchFamily="2" charset="2"/>
+              </a:rPr>
+              <a:t>kein Muss</a:t>
+            </a:r>
+            <a:r>
+              <a:rPr lang="de-DE" dirty="0">
+                <a:sym typeface="Wingdings" panose="05000000000000000000" pitchFamily="2" charset="2"/>
+              </a:rPr>
+              <a:t>!</a:t>
             </a:r>
           </a:p>
           <a:p>
@@ -11039,7 +10919,7 @@
               <a:rPr lang="de-DE" dirty="0">
                 <a:sym typeface="Wingdings" panose="05000000000000000000" pitchFamily="2" charset="2"/>
               </a:rPr>
-              <a:t>Development Pipelines erstellen,</a:t>
+              <a:t>Development Pipelines erstellen</a:t>
             </a:r>
           </a:p>
           <a:p>
@@ -11051,7 +10931,7 @@
               <a:rPr lang="de-DE" dirty="0">
                 <a:sym typeface="Wingdings" panose="05000000000000000000" pitchFamily="2" charset="2"/>
               </a:rPr>
-              <a:t>Anwendungen entwickeln,</a:t>
+              <a:t>Anwendungen entwickeln</a:t>
             </a:r>
           </a:p>
           <a:p>
@@ -11063,7 +10943,7 @@
               <a:rPr lang="de-DE" dirty="0">
                 <a:sym typeface="Wingdings" panose="05000000000000000000" pitchFamily="2" charset="2"/>
               </a:rPr>
-              <a:t>Konfigurationen verwalten,</a:t>
+              <a:t>Konfigurationen verwalten</a:t>
             </a:r>
           </a:p>
           <a:p>
@@ -11222,6 +11102,12 @@
             </a:r>
           </a:p>
           <a:p>
+            <a:pPr marL="0" indent="0">
+              <a:buNone/>
+            </a:pPr>
+            <a:endParaRPr lang="de-DE" b="1" dirty="0"/>
+          </a:p>
+          <a:p>
             <a:pPr>
               <a:buFont typeface="Arial" panose="020B0604020202020204" pitchFamily="34" charset="0"/>
               <a:buChar char="•"/>
@@ -11289,6 +11175,13 @@
               <a:buFont typeface="Arial" panose="020B0604020202020204" pitchFamily="34" charset="0"/>
               <a:buChar char="•"/>
             </a:pPr>
+            <a:endParaRPr lang="de-DE" sz="2000" dirty="0"/>
+          </a:p>
+          <a:p>
+            <a:pPr>
+              <a:buFont typeface="Arial" panose="020B0604020202020204" pitchFamily="34" charset="0"/>
+              <a:buChar char="•"/>
+            </a:pPr>
             <a:r>
               <a:rPr lang="de-DE" sz="2000" dirty="0"/>
               <a:t>Neues Release?! PR in </a:t>
@@ -11323,7 +11216,7 @@
             </a:r>
             <a:r>
               <a:rPr lang="de-DE" sz="1800" dirty="0"/>
-              <a:t>-Operator sitzt zwischen der </a:t>
+              <a:t>-Operator zwischen der </a:t>
             </a:r>
             <a:r>
               <a:rPr lang="de-DE" sz="1800" dirty="0" err="1"/>
@@ -11345,6 +11238,13 @@
               <a:rPr lang="de-DE" sz="1800" dirty="0" err="1"/>
               <a:t>git</a:t>
             </a:r>
+            <a:endParaRPr lang="de-DE" sz="1800" dirty="0"/>
+          </a:p>
+          <a:p>
+            <a:pPr lvl="1">
+              <a:buFont typeface="Arial" panose="020B0604020202020204" pitchFamily="34" charset="0"/>
+              <a:buChar char="•"/>
+            </a:pPr>
             <a:endParaRPr lang="de-DE" sz="1800" dirty="0"/>
           </a:p>
           <a:p>
@@ -11508,7 +11408,7 @@
             </a:pPr>
             <a:r>
               <a:rPr lang="de-DE" dirty="0"/>
-              <a:t>Kein Zugriff von Außen auf das Cluster</a:t>
+              <a:t>Kein Zugriff von außen auf das Cluster</a:t>
             </a:r>
           </a:p>
           <a:p>
@@ -11586,14 +11486,6 @@
             <a:r>
               <a:rPr lang="de-DE" sz="2200" dirty="0" err="1"/>
               <a:t>git</a:t>
-            </a:r>
-            <a:r>
-              <a:rPr lang="de-DE" sz="2200" dirty="0"/>
-              <a:t> </a:t>
-            </a:r>
-            <a:r>
-              <a:rPr lang="de-DE" sz="2200" dirty="0" err="1"/>
-              <a:t>commit</a:t>
             </a:r>
             <a:r>
               <a:rPr lang="de-DE" sz="2200" dirty="0"/>
@@ -12831,6 +12723,10 @@
               <a:buChar char="•"/>
             </a:pPr>
             <a:r>
+              <a:rPr lang="de-DE" dirty="0"/>
+              <a:t>Bei </a:t>
+            </a:r>
+            <a:r>
               <a:rPr lang="de-DE" dirty="0" err="1"/>
               <a:t>CIOps</a:t>
             </a:r>
@@ -12882,6 +12778,15 @@
             </a:r>
           </a:p>
           <a:p>
+            <a:pPr lvl="1">
+              <a:buFont typeface="Arial" panose="020B0604020202020204" pitchFamily="34" charset="0"/>
+              <a:buChar char="•"/>
+            </a:pPr>
+            <a:endParaRPr lang="de-DE" dirty="0">
+              <a:sym typeface="Wingdings" panose="05000000000000000000" pitchFamily="2" charset="2"/>
+            </a:endParaRPr>
+          </a:p>
+          <a:p>
             <a:pPr>
               <a:buFont typeface="Arial" panose="020B0604020202020204" pitchFamily="34" charset="0"/>
               <a:buChar char="•"/>
@@ -12902,7 +12807,7 @@
               <a:rPr lang="de-DE" dirty="0">
                 <a:sym typeface="Wingdings" panose="05000000000000000000" pitchFamily="2" charset="2"/>
               </a:rPr>
-              <a:t>Verschiedene KMS</a:t>
+              <a:t>Möglichkeiten</a:t>
             </a:r>
           </a:p>
           <a:p>
@@ -12911,22 +12816,10 @@
               <a:buChar char="•"/>
             </a:pPr>
             <a:r>
-              <a:rPr lang="de-DE" dirty="0">
+              <a:rPr lang="de-DE" sz="2000" dirty="0">
                 <a:sym typeface="Wingdings" panose="05000000000000000000" pitchFamily="2" charset="2"/>
               </a:rPr>
-              <a:t>Proprietär – </a:t>
-            </a:r>
-            <a:r>
-              <a:rPr lang="de-DE" dirty="0" err="1">
-                <a:sym typeface="Wingdings" panose="05000000000000000000" pitchFamily="2" charset="2"/>
-              </a:rPr>
-              <a:t>idR</a:t>
-            </a:r>
-            <a:r>
-              <a:rPr lang="de-DE" dirty="0">
-                <a:sym typeface="Wingdings" panose="05000000000000000000" pitchFamily="2" charset="2"/>
-              </a:rPr>
-              <a:t>. Cloud-Anbieter (AWS, Azure, Google, …)</a:t>
+              <a:t>Cloud-Anbieter (AWS, Azure, Google, …)</a:t>
             </a:r>
           </a:p>
           <a:p>
@@ -12935,24 +12828,24 @@
               <a:buChar char="•"/>
             </a:pPr>
             <a:r>
-              <a:rPr lang="de-DE" dirty="0" err="1">
+              <a:rPr lang="de-DE" sz="2000" dirty="0" err="1">
                 <a:sym typeface="Wingdings" panose="05000000000000000000" pitchFamily="2" charset="2"/>
               </a:rPr>
-              <a:t>Hashicrop</a:t>
-            </a:r>
-            <a:r>
-              <a:rPr lang="de-DE" dirty="0">
+              <a:t>HashiCorp</a:t>
+            </a:r>
+            <a:r>
+              <a:rPr lang="de-DE" sz="2000" dirty="0">
                 <a:sym typeface="Wingdings" panose="05000000000000000000" pitchFamily="2" charset="2"/>
               </a:rPr>
               <a:t> </a:t>
             </a:r>
             <a:r>
-              <a:rPr lang="de-DE" dirty="0" err="1">
+              <a:rPr lang="de-DE" sz="2000" dirty="0" err="1">
                 <a:sym typeface="Wingdings" panose="05000000000000000000" pitchFamily="2" charset="2"/>
               </a:rPr>
               <a:t>Vault</a:t>
             </a:r>
-            <a:endParaRPr lang="de-DE" dirty="0">
+            <a:endParaRPr lang="de-DE" sz="2000" dirty="0">
               <a:sym typeface="Wingdings" panose="05000000000000000000" pitchFamily="2" charset="2"/>
             </a:endParaRPr>
           </a:p>
@@ -12980,43 +12873,49 @@
               <a:buChar char="•"/>
             </a:pPr>
             <a:r>
-              <a:rPr lang="de-DE" dirty="0">
+              <a:rPr lang="de-DE" sz="2000" dirty="0">
                 <a:sym typeface="Wingdings" panose="05000000000000000000" pitchFamily="2" charset="2"/>
               </a:rPr>
               <a:t>Operator, Container Storage Interface (CSI) Driver, Sidecar (</a:t>
             </a:r>
             <a:r>
-              <a:rPr lang="de-DE" dirty="0" err="1">
+              <a:rPr lang="de-DE" sz="2000" dirty="0" err="1">
                 <a:sym typeface="Wingdings" panose="05000000000000000000" pitchFamily="2" charset="2"/>
               </a:rPr>
               <a:t>Injector</a:t>
             </a:r>
             <a:r>
-              <a:rPr lang="de-DE" dirty="0">
+              <a:rPr lang="de-DE" sz="2000" dirty="0">
                 <a:sym typeface="Wingdings" panose="05000000000000000000" pitchFamily="2" charset="2"/>
               </a:rPr>
               <a:t>), Helm/</a:t>
             </a:r>
             <a:r>
-              <a:rPr lang="de-DE" dirty="0" err="1">
+              <a:rPr lang="de-DE" sz="2000" dirty="0" err="1">
                 <a:sym typeface="Wingdings" panose="05000000000000000000" pitchFamily="2" charset="2"/>
               </a:rPr>
               <a:t>Kustomize</a:t>
             </a:r>
             <a:r>
-              <a:rPr lang="de-DE" dirty="0">
+              <a:rPr lang="de-DE" sz="2000" dirty="0">
                 <a:sym typeface="Wingdings" panose="05000000000000000000" pitchFamily="2" charset="2"/>
               </a:rPr>
-              <a:t> Plugin, </a:t>
-            </a:r>
-            <a:r>
-              <a:rPr lang="de-DE" dirty="0" err="1">
+              <a:t> Plugin</a:t>
+            </a:r>
+          </a:p>
+          <a:p>
+            <a:pPr lvl="2">
+              <a:buFont typeface="Arial" panose="020B0604020202020204" pitchFamily="34" charset="0"/>
+              <a:buChar char="•"/>
+            </a:pPr>
+            <a:r>
+              <a:rPr lang="de-DE" sz="2000" dirty="0" err="1">
                 <a:sym typeface="Wingdings" panose="05000000000000000000" pitchFamily="2" charset="2"/>
               </a:rPr>
               <a:t>GitOps</a:t>
             </a:r>
             <a:r>
-              <a:rPr lang="de-DE" dirty="0">
+              <a:rPr lang="de-DE" sz="2000" dirty="0">
                 <a:sym typeface="Wingdings" panose="05000000000000000000" pitchFamily="2" charset="2"/>
               </a:rPr>
               <a:t> Operator: nativer Support oder Plugin</a:t>
@@ -14636,7 +14535,7 @@
             </a:pPr>
             <a:r>
               <a:rPr lang="de-DE" b="1" dirty="0"/>
-              <a:t>… im Management Cluster</a:t>
+              <a:t>Management Cluster</a:t>
             </a:r>
           </a:p>
         </p:txBody>
@@ -16284,7 +16183,7 @@
         <p:spPr bwMode="auto">
           <a:xfrm>
             <a:off x="7034552" y="4353011"/>
-            <a:ext cx="1785597" cy="230832"/>
+            <a:ext cx="2109448" cy="230832"/>
           </a:xfrm>
           <a:prstGeom prst="rect">
             <a:avLst/>
@@ -16326,7 +16225,7 @@
               <a:rPr lang="de-DE" sz="900" dirty="0">
                 <a:latin typeface="Arial" charset="0"/>
               </a:rPr>
-              <a:t> / VMs / </a:t>
+              <a:t> / VMs / bare </a:t>
             </a:r>
             <a:r>
               <a:rPr lang="de-DE" sz="900" dirty="0" err="1">
@@ -16379,17 +16278,8 @@
               <a:rPr lang="de-DE" sz="900" dirty="0">
                 <a:latin typeface="Arial" charset="0"/>
               </a:rPr>
-              <a:t>Infrastructure </a:t>
-            </a:r>
-            <a:r>
-              <a:rPr lang="de-DE" sz="900" dirty="0" err="1">
-                <a:latin typeface="Arial" charset="0"/>
-              </a:rPr>
-              <a:t>providers</a:t>
-            </a:r>
-            <a:endParaRPr lang="de-DE" sz="900" dirty="0">
-              <a:latin typeface="Arial" charset="0"/>
-            </a:endParaRPr>
+              <a:t>Infrastructure Providers</a:t>
+            </a:r>
           </a:p>
         </p:txBody>
       </p:sp>
@@ -17149,12 +17039,13 @@
             </a:pPr>
             <a:r>
               <a:rPr lang="de-DE" b="1" dirty="0"/>
-              <a:t>Best </a:t>
-            </a:r>
-            <a:r>
-              <a:rPr lang="de-DE" b="1" dirty="0" err="1"/>
-              <a:t>Practises</a:t>
-            </a:r>
+              <a:t>Best Practices</a:t>
+            </a:r>
+          </a:p>
+          <a:p>
+            <a:pPr marL="0" indent="0">
+              <a:buNone/>
+            </a:pPr>
             <a:endParaRPr lang="de-DE" b="1" dirty="0"/>
           </a:p>
           <a:p>
@@ -17379,7 +17270,7 @@
             </a:r>
             <a:r>
               <a:rPr lang="de-DE" dirty="0"/>
-              <a:t> weiterentwickeln</a:t>
+              <a:t> Operator entwickeln</a:t>
             </a:r>
           </a:p>
           <a:p>
@@ -17402,10 +17293,17 @@
           </a:p>
           <a:p>
             <a:pPr marL="857250" lvl="1" indent="-457200">
-              <a:buFont typeface="Wingdings" panose="05000000000000000000" pitchFamily="2" charset="2"/>
-              <a:buChar char="§"/>
-            </a:pPr>
-            <a:endParaRPr lang="de-DE" dirty="0"/>
+              <a:buFont typeface="Arial" panose="020B0604020202020204" pitchFamily="34" charset="0"/>
+              <a:buChar char="•"/>
+            </a:pPr>
+            <a:r>
+              <a:rPr lang="de-DE" dirty="0" err="1"/>
+              <a:t>Linting</a:t>
+            </a:r>
+            <a:r>
+              <a:rPr lang="de-DE" dirty="0"/>
+              <a:t> der Konfiguration offline</a:t>
+            </a:r>
           </a:p>
           <a:p>
             <a:pPr>
@@ -17517,6 +17415,12 @@
             </a:r>
           </a:p>
           <a:p>
+            <a:pPr marL="0" indent="0">
+              <a:buNone/>
+            </a:pPr>
+            <a:endParaRPr lang="de-DE" b="1" dirty="0"/>
+          </a:p>
+          <a:p>
             <a:pPr>
               <a:buFont typeface="Arial" panose="020B0604020202020204" pitchFamily="34" charset="0"/>
               <a:buChar char="•"/>
@@ -17608,7 +17512,7 @@
             </a:r>
             <a:r>
               <a:rPr lang="de-DE" dirty="0"/>
-              <a:t>Wird generell von abgeraten!</a:t>
+              <a:t>Generell abzuraten!</a:t>
             </a:r>
           </a:p>
           <a:p>
@@ -17804,7 +17708,7 @@
             </a:r>
             <a:r>
               <a:rPr lang="de-DE" dirty="0"/>
-              <a:t> um die Änderungen zu aktivieren</a:t>
+              <a:t>, um die Änderungen zu aktivieren</a:t>
             </a:r>
           </a:p>
           <a:p>
@@ -18681,23 +18585,7 @@
             </a:r>
             <a:r>
               <a:rPr lang="de-DE" sz="1800" kern="0" dirty="0"/>
-              <a:t> Operator aktualisiert </a:t>
-            </a:r>
-            <a:r>
-              <a:rPr lang="de-DE" sz="1800" kern="0" dirty="0" err="1"/>
-              <a:t>image</a:t>
-            </a:r>
-            <a:r>
-              <a:rPr lang="de-DE" sz="1800" kern="0" dirty="0"/>
-              <a:t> </a:t>
-            </a:r>
-            <a:r>
-              <a:rPr lang="de-DE" sz="1800" kern="0" dirty="0" err="1"/>
-              <a:t>version</a:t>
-            </a:r>
-            <a:r>
-              <a:rPr lang="de-DE" sz="1800" kern="0" dirty="0"/>
-              <a:t> in </a:t>
+              <a:t> Operator aktualisiert Image Version in </a:t>
             </a:r>
             <a:r>
               <a:rPr lang="de-DE" sz="1800" kern="0" dirty="0" err="1"/>
@@ -20227,12 +20115,12 @@
               <a:t>+ </a:t>
             </a:r>
             <a:r>
-              <a:rPr lang="de-DE" sz="900" dirty="0" err="1">
+              <a:rPr lang="de-DE" sz="900" b="1" u="sng" dirty="0" err="1">
                 <a:latin typeface="Arial" charset="0"/>
               </a:rPr>
               <a:t>watch</a:t>
             </a:r>
-            <a:endParaRPr lang="de-DE" sz="900" dirty="0">
+            <a:endParaRPr lang="de-DE" sz="900" b="1" u="sng" dirty="0">
               <a:latin typeface="Arial" charset="0"/>
             </a:endParaRPr>
           </a:p>
@@ -20277,7 +20165,13 @@
               <a:rPr lang="de-DE" sz="900" dirty="0">
                 <a:latin typeface="Arial" charset="0"/>
               </a:rPr>
-              <a:t>+ push</a:t>
+              <a:t>+ </a:t>
+            </a:r>
+            <a:r>
+              <a:rPr lang="de-DE" sz="900" b="1" u="sng" dirty="0">
+                <a:latin typeface="Arial" charset="0"/>
+              </a:rPr>
+              <a:t>push</a:t>
             </a:r>
           </a:p>
         </p:txBody>
@@ -20574,7 +20468,15 @@
             </a:r>
             <a:r>
               <a:rPr lang="de-DE" b="1" dirty="0"/>
-              <a:t>: Anwendung vs. </a:t>
+              <a:t>: </a:t>
+            </a:r>
+            <a:r>
+              <a:rPr lang="de-DE" b="1" dirty="0" err="1"/>
+              <a:t>Application</a:t>
+            </a:r>
+            <a:r>
+              <a:rPr lang="de-DE" b="1" dirty="0"/>
+              <a:t> vs. </a:t>
             </a:r>
             <a:r>
               <a:rPr lang="de-DE" b="1" dirty="0" err="1"/>
@@ -20592,7 +20494,7 @@
             </a:pPr>
             <a:r>
               <a:rPr lang="de-DE" sz="2000" dirty="0" err="1"/>
-              <a:t>Anwendungs</a:t>
+              <a:t>Application</a:t>
             </a:r>
             <a:r>
               <a:rPr lang="de-DE" sz="2000" dirty="0"/>
@@ -21523,6 +21425,9 @@
             <a:pPr eaLnBrk="1" hangingPunct="1"/>
             <a:r>
               <a:rPr lang="de-DE" sz="900" dirty="0">
+                <a:solidFill>
+                  <a:srgbClr val="0070C0"/>
+                </a:solidFill>
                 <a:latin typeface="Arial" charset="0"/>
               </a:rPr>
               <a:t>push</a:t>
@@ -23189,7 +23094,7 @@
               <a:t>push  </a:t>
             </a:r>
             <a:r>
-              <a:rPr lang="de-DE" sz="900" dirty="0" err="1">
+              <a:rPr lang="de-DE" sz="900" b="1" u="sng" dirty="0" err="1">
                 <a:latin typeface="Arial" charset="0"/>
               </a:rPr>
               <a:t>app</a:t>
@@ -23921,8 +23826,8 @@
         </p:nvSpPr>
         <p:spPr bwMode="auto">
           <a:xfrm>
-            <a:off x="1953067" y="1902024"/>
-            <a:ext cx="1418484" cy="230832"/>
+            <a:off x="1953066" y="1902024"/>
+            <a:ext cx="1558457" cy="230832"/>
           </a:xfrm>
           <a:prstGeom prst="rect">
             <a:avLst/>
@@ -23944,18 +23849,27 @@
             <a:pPr eaLnBrk="1" hangingPunct="1"/>
             <a:r>
               <a:rPr lang="de-DE" sz="900" dirty="0">
+                <a:solidFill>
+                  <a:srgbClr val="0070C0"/>
+                </a:solidFill>
                 <a:latin typeface="Arial" charset="0"/>
               </a:rPr>
               <a:t>push </a:t>
             </a:r>
             <a:r>
-              <a:rPr lang="de-DE" sz="900" dirty="0" err="1">
+              <a:rPr lang="de-DE" sz="900" b="1" u="sng" dirty="0" err="1">
+                <a:solidFill>
+                  <a:srgbClr val="0070C0"/>
+                </a:solidFill>
                 <a:latin typeface="Arial" charset="0"/>
               </a:rPr>
               <a:t>infrastructure</a:t>
             </a:r>
             <a:r>
               <a:rPr lang="de-DE" sz="900" dirty="0">
+                <a:solidFill>
+                  <a:srgbClr val="0070C0"/>
+                </a:solidFill>
                 <a:latin typeface="Arial" charset="0"/>
               </a:rPr>
               <a:t> code</a:t>
@@ -24060,13 +23974,19 @@
             </a:r>
           </a:p>
           <a:p>
+            <a:pPr marL="0" indent="0">
+              <a:buNone/>
+            </a:pPr>
+            <a:endParaRPr lang="de-DE" b="1" dirty="0"/>
+          </a:p>
+          <a:p>
             <a:pPr>
               <a:buFont typeface="Arial" panose="020B0604020202020204" pitchFamily="34" charset="0"/>
               <a:buChar char="•"/>
             </a:pPr>
             <a:r>
               <a:rPr lang="de-DE" dirty="0"/>
-              <a:t>Mehrere Repos müssen gewartet werden</a:t>
+              <a:t>Mehrere Repos (konsistent) zu warten</a:t>
             </a:r>
           </a:p>
           <a:p>
@@ -24080,7 +24000,7 @@
             </a:r>
             <a:r>
               <a:rPr lang="de-DE" dirty="0"/>
-              <a:t> und tags sind schwerer</a:t>
+              <a:t> und Tags schwerer</a:t>
             </a:r>
           </a:p>
           <a:p>
@@ -24090,7 +24010,7 @@
             </a:pPr>
             <a:r>
               <a:rPr lang="de-DE" dirty="0"/>
-              <a:t>Lokale Entwicklung wird komplizierter</a:t>
+              <a:t>Lokale Entwicklung komplizierter</a:t>
             </a:r>
           </a:p>
           <a:p>
@@ -24108,7 +24028,7 @@
             </a:r>
             <a:r>
               <a:rPr lang="de-DE" dirty="0"/>
-              <a:t>-Ansatz nur beim Anwendungscode (CI Server)</a:t>
+              <a:t>-Ansatz nur beim Anwendungscode</a:t>
             </a:r>
           </a:p>
           <a:p>
@@ -25156,7 +25076,7 @@
               <a:t>push  </a:t>
             </a:r>
             <a:r>
-              <a:rPr lang="de-DE" sz="900" dirty="0" err="1">
+              <a:rPr lang="de-DE" sz="900" b="1" u="sng" dirty="0" err="1">
                 <a:latin typeface="Arial" charset="0"/>
               </a:rPr>
               <a:t>app</a:t>
@@ -25890,8 +25810,8 @@
         </p:nvSpPr>
         <p:spPr bwMode="auto">
           <a:xfrm>
-            <a:off x="1533543" y="2012173"/>
-            <a:ext cx="1418484" cy="230832"/>
+            <a:off x="1533542" y="2012173"/>
+            <a:ext cx="1539241" cy="230832"/>
           </a:xfrm>
           <a:prstGeom prst="rect">
             <a:avLst/>
@@ -25918,7 +25838,7 @@
               <a:t>push </a:t>
             </a:r>
             <a:r>
-              <a:rPr lang="de-DE" sz="900" dirty="0" err="1">
+              <a:rPr lang="de-DE" sz="900" b="1" u="sng" dirty="0" err="1">
                 <a:latin typeface="Arial" charset="0"/>
               </a:rPr>
               <a:t>infrastructure</a:t>
@@ -25985,7 +25905,7 @@
         <p:spPr bwMode="auto">
           <a:xfrm>
             <a:off x="4193571" y="4308539"/>
-            <a:ext cx="1418484" cy="230832"/>
+            <a:ext cx="1646812" cy="230832"/>
           </a:xfrm>
           <a:prstGeom prst="rect">
             <a:avLst/>
@@ -26007,18 +25927,27 @@
             <a:pPr eaLnBrk="1" hangingPunct="1"/>
             <a:r>
               <a:rPr lang="de-DE" sz="900" dirty="0">
+                <a:solidFill>
+                  <a:srgbClr val="0070C0"/>
+                </a:solidFill>
                 <a:latin typeface="Arial" charset="0"/>
               </a:rPr>
               <a:t>push </a:t>
             </a:r>
             <a:r>
-              <a:rPr lang="de-DE" sz="900" dirty="0" err="1">
+              <a:rPr lang="de-DE" sz="900" b="1" u="sng" dirty="0" err="1">
+                <a:solidFill>
+                  <a:srgbClr val="0070C0"/>
+                </a:solidFill>
                 <a:latin typeface="Arial" charset="0"/>
               </a:rPr>
               <a:t>infrastructure</a:t>
             </a:r>
             <a:r>
               <a:rPr lang="de-DE" sz="900" dirty="0">
+                <a:solidFill>
+                  <a:srgbClr val="0070C0"/>
+                </a:solidFill>
                 <a:latin typeface="Arial" charset="0"/>
               </a:rPr>
               <a:t> code</a:t>
@@ -26137,7 +26066,7 @@
               <a:rPr lang="de-DE" dirty="0">
                 <a:sym typeface="Wingdings" panose="05000000000000000000" pitchFamily="2" charset="2"/>
               </a:rPr>
-              <a:t> Höhere Effizienz)</a:t>
+              <a:t> höhere Effizienz)</a:t>
             </a:r>
           </a:p>
           <a:p>
@@ -26242,6 +26171,26 @@
             <a:r>
               <a:rPr lang="de-DE" dirty="0"/>
               <a:t>Nachteile</a:t>
+            </a:r>
+          </a:p>
+          <a:p>
+            <a:pPr lvl="1">
+              <a:buFont typeface="Arial" panose="020B0604020202020204" pitchFamily="34" charset="0"/>
+              <a:buChar char="•"/>
+            </a:pPr>
+            <a:r>
+              <a:rPr lang="de-DE" dirty="0"/>
+              <a:t>Synchronisierung erforderlich (</a:t>
+            </a:r>
+            <a:r>
+              <a:rPr lang="de-DE" dirty="0">
+                <a:sym typeface="Wingdings" panose="05000000000000000000" pitchFamily="2" charset="2"/>
+              </a:rPr>
+              <a:t> Konsistenz</a:t>
+            </a:r>
+            <a:r>
+              <a:rPr lang="de-DE" dirty="0"/>
+              <a:t>)</a:t>
             </a:r>
           </a:p>
           <a:p>
@@ -26389,7 +26338,7 @@
             </a:pPr>
             <a:r>
               <a:rPr lang="de-DE" dirty="0"/>
-              <a:t>Helm, </a:t>
+              <a:t>Helm/</a:t>
             </a:r>
             <a:r>
               <a:rPr lang="de-DE" dirty="0" err="1"/>
@@ -26407,17 +26356,7 @@
             </a:pPr>
             <a:r>
               <a:rPr lang="de-DE" dirty="0"/>
-              <a:t>Operator für zusätzliche Tools</a:t>
-            </a:r>
-          </a:p>
-          <a:p>
-            <a:pPr lvl="1">
-              <a:buFont typeface="Arial" panose="020B0604020202020204" pitchFamily="34" charset="0"/>
-              <a:buChar char="•"/>
-            </a:pPr>
-            <a:r>
-              <a:rPr lang="de-DE" dirty="0"/>
-              <a:t>Beispielsweise Secrets</a:t>
+              <a:t>Operator für zusätzliche Tools (z.B. Secrets)</a:t>
             </a:r>
           </a:p>
           <a:p>
@@ -26447,13 +26386,8 @@
             </a:pPr>
             <a:r>
               <a:rPr lang="de-DE" dirty="0"/>
-              <a:t>Error </a:t>
-            </a:r>
-            <a:r>
-              <a:rPr lang="de-DE" dirty="0" err="1"/>
-              <a:t>handling</a:t>
-            </a:r>
-            <a:endParaRPr lang="de-DE" dirty="0"/>
+              <a:t>Error Handling</a:t>
+            </a:r>
           </a:p>
           <a:p>
             <a:pPr lvl="1">
@@ -26941,7 +26875,47 @@
                 <a:effectLst/>
                 <a:latin typeface="Inter"/>
               </a:rPr>
-              <a:t> is an operational framework that takes DevOps best practices used for application development such as version control, collaboration, compliance, and CI/CD, and applies them to infrastructure automation.</a:t>
+              <a:t> is an operational framework that takes </a:t>
+            </a:r>
+            <a:r>
+              <a:rPr lang="en-US" b="1" i="1" dirty="0">
+                <a:solidFill>
+                  <a:srgbClr val="171321"/>
+                </a:solidFill>
+                <a:effectLst/>
+                <a:latin typeface="Inter"/>
+              </a:rPr>
+              <a:t>DevOps</a:t>
+            </a:r>
+            <a:r>
+              <a:rPr lang="en-US" b="0" i="1" dirty="0">
+                <a:solidFill>
+                  <a:srgbClr val="171321"/>
+                </a:solidFill>
+                <a:effectLst/>
+                <a:latin typeface="Inter"/>
+              </a:rPr>
+              <a:t> best practices used for application development such as version control, collaboration, compliance, and CI/CD, and applies them to </a:t>
+            </a:r>
+            <a:r>
+              <a:rPr lang="en-US" b="1" i="1" dirty="0">
+                <a:solidFill>
+                  <a:srgbClr val="171321"/>
+                </a:solidFill>
+                <a:effectLst/>
+                <a:latin typeface="Inter"/>
+              </a:rPr>
+              <a:t>infrastructure automation</a:t>
+            </a:r>
+            <a:r>
+              <a:rPr lang="en-US" b="0" i="1" dirty="0">
+                <a:solidFill>
+                  <a:srgbClr val="171321"/>
+                </a:solidFill>
+                <a:effectLst/>
+                <a:latin typeface="Inter"/>
+              </a:rPr>
+              <a:t>.</a:t>
             </a:r>
             <a:r>
               <a:rPr lang="en-US" b="0" i="0" dirty="0">
@@ -27248,8 +27222,14 @@
             </a:pPr>
             <a:r>
               <a:rPr lang="de-DE" b="1" dirty="0"/>
-              <a:t>Grundprinzipien</a:t>
-            </a:r>
+              <a:t>Grundprinzipien der Konfiguration</a:t>
+            </a:r>
+          </a:p>
+          <a:p>
+            <a:pPr marL="0" indent="0">
+              <a:buNone/>
+            </a:pPr>
+            <a:endParaRPr lang="de-DE" b="1" dirty="0"/>
           </a:p>
           <a:p>
             <a:pPr marL="457200" indent="-457200">
@@ -27257,10 +27237,9 @@
               <a:buAutoNum type="arabicPeriod"/>
             </a:pPr>
             <a:r>
-              <a:rPr lang="de-DE" b="1" dirty="0" err="1"/>
-              <a:t>Declarative</a:t>
-            </a:r>
-            <a:endParaRPr lang="de-DE" b="1" dirty="0"/>
+              <a:rPr lang="de-DE" b="1" dirty="0"/>
+              <a:t>Deklarativ (statt programmatisch)</a:t>
+            </a:r>
           </a:p>
           <a:p>
             <a:pPr marL="457200" indent="-457200">
@@ -27268,18 +27247,9 @@
               <a:buAutoNum type="arabicPeriod"/>
             </a:pPr>
             <a:r>
-              <a:rPr lang="de-DE" b="1" dirty="0" err="1"/>
-              <a:t>Versioned</a:t>
-            </a:r>
-            <a:r>
               <a:rPr lang="de-DE" b="1" dirty="0"/>
-              <a:t> and </a:t>
-            </a:r>
-            <a:r>
-              <a:rPr lang="de-DE" b="1" dirty="0" err="1"/>
-              <a:t>Immutable</a:t>
-            </a:r>
-            <a:endParaRPr lang="de-DE" b="1" dirty="0"/>
+              <a:t>Versioniert und unveränderlich</a:t>
+            </a:r>
           </a:p>
           <a:p>
             <a:pPr marL="457200" indent="-457200">
@@ -27287,16 +27257,12 @@
               <a:buAutoNum type="arabicPeriod"/>
             </a:pPr>
             <a:r>
+              <a:rPr lang="de-DE" b="1" dirty="0"/>
+              <a:t>Automatische </a:t>
+            </a:r>
+            <a:r>
               <a:rPr lang="de-DE" b="1" dirty="0" err="1"/>
-              <a:t>Pulled</a:t>
-            </a:r>
-            <a:r>
-              <a:rPr lang="de-DE" b="1" dirty="0"/>
-              <a:t> </a:t>
-            </a:r>
-            <a:r>
-              <a:rPr lang="de-DE" b="1" dirty="0" err="1"/>
-              <a:t>Automatically</a:t>
+              <a:t>Pulls</a:t>
             </a:r>
             <a:endParaRPr lang="de-DE" b="1" dirty="0"/>
           </a:p>
@@ -27306,18 +27272,9 @@
               <a:buAutoNum type="arabicPeriod"/>
             </a:pPr>
             <a:r>
-              <a:rPr lang="de-DE" b="1" dirty="0" err="1"/>
-              <a:t>Continuously</a:t>
-            </a:r>
-            <a:r>
               <a:rPr lang="de-DE" b="1" dirty="0"/>
-              <a:t> </a:t>
-            </a:r>
-            <a:r>
-              <a:rPr lang="de-DE" b="1" dirty="0" err="1"/>
-              <a:t>Reconciled</a:t>
-            </a:r>
-            <a:endParaRPr lang="de-DE" b="1" dirty="0"/>
+              <a:t>Kontinuierliche Anpassung</a:t>
+            </a:r>
           </a:p>
           <a:p>
             <a:pPr marL="457200" indent="-457200">
